--- a/presentation.pptx
+++ b/presentation.pptx
@@ -6,11 +6,17 @@
   </p:sldMasterIdLst>
   <p:sldIdLst>
     <p:sldId id="256" r:id="rId2"/>
-    <p:sldId id="257" r:id="rId3"/>
-    <p:sldId id="258" r:id="rId4"/>
-    <p:sldId id="262" r:id="rId5"/>
-    <p:sldId id="263" r:id="rId6"/>
-    <p:sldId id="260" r:id="rId7"/>
+    <p:sldId id="264" r:id="rId3"/>
+    <p:sldId id="266" r:id="rId4"/>
+    <p:sldId id="265" r:id="rId5"/>
+    <p:sldId id="267" r:id="rId6"/>
+    <p:sldId id="268" r:id="rId7"/>
+    <p:sldId id="269" r:id="rId8"/>
+    <p:sldId id="257" r:id="rId9"/>
+    <p:sldId id="258" r:id="rId10"/>
+    <p:sldId id="262" r:id="rId11"/>
+    <p:sldId id="263" r:id="rId12"/>
+    <p:sldId id="260" r:id="rId13"/>
   </p:sldIdLst>
   <p:sldSz cx="12192000" cy="6858000"/>
   <p:notesSz cx="12192000" cy="6858000"/>
@@ -115,6 +121,12 @@
         <p14:section name="Intro" id="{74688C54-D833-49FF-8C48-1689523ADF42}">
           <p14:sldIdLst>
             <p14:sldId id="256"/>
+            <p14:sldId id="264"/>
+            <p14:sldId id="266"/>
+            <p14:sldId id="265"/>
+            <p14:sldId id="267"/>
+            <p14:sldId id="268"/>
+            <p14:sldId id="269"/>
           </p14:sldIdLst>
         </p14:section>
         <p14:section name="Codificação em Paralelo" id="{7AA8DA72-A566-4D27-8D66-6CF3D899332D}">
@@ -163,6 +175,14 @@
 </p188:authorLst>
 </file>
 
+<file path=ppt/revisionInfo.xml><?xml version="1.0" encoding="utf-8"?>
+<p1510:revInfo xmlns:a="http://schemas.openxmlformats.org/drawingml/2006/main" xmlns:r="http://schemas.openxmlformats.org/officeDocument/2006/relationships" xmlns:p1510="http://schemas.microsoft.com/office/powerpoint/2015/10/main">
+  <p1510:revLst>
+    <p1510:client id="{6D95487E-F16D-4B16-A1E0-8FAE40015112}" v="1457" dt="2022-11-13T20:26:17.829"/>
+  </p1510:revLst>
+</p1510:revInfo>
+</file>
+
 <file path=ppt/comments/modernComment_106_E3DC8151.xml><?xml version="1.0" encoding="utf-8"?>
 <p188:cmLst xmlns:a="http://schemas.openxmlformats.org/drawingml/2006/main" xmlns:r="http://schemas.openxmlformats.org/officeDocument/2006/relationships" xmlns:p188="http://schemas.microsoft.com/office/powerpoint/2018/8/main">
   <p188:cm id="{E20B0B0C-A716-4F30-911B-30D59AABC15C}" authorId="{55399C98-D42F-8324-8F28-1A1F842FC13B}" created="2022-11-13T13:39:21.997">
@@ -457,7 +477,7 @@
             </a:pPr>
             <a:fld id="{81D60167-4931-47E6-BA6A-407CBD079E47}" type="slidenum">
               <a:rPr lang="pt-PT" smtClean="0"/>
-              <a:t>‹#›</a:t>
+              <a:t>‹nº›</a:t>
             </a:fld>
             <a:endParaRPr lang="pt-PT" dirty="0"/>
           </a:p>
@@ -670,7 +690,7 @@
             </a:pPr>
             <a:fld id="{81D60167-4931-47E6-BA6A-407CBD079E47}" type="slidenum">
               <a:rPr lang="pt-PT" smtClean="0"/>
-              <a:t>‹#›</a:t>
+              <a:t>‹nº›</a:t>
             </a:fld>
             <a:endParaRPr lang="pt-PT" dirty="0"/>
           </a:p>
@@ -931,7 +951,7 @@
             </a:pPr>
             <a:fld id="{81D60167-4931-47E6-BA6A-407CBD079E47}" type="slidenum">
               <a:rPr lang="pt-PT" smtClean="0"/>
-              <a:t>‹#›</a:t>
+              <a:t>‹nº›</a:t>
             </a:fld>
             <a:endParaRPr lang="pt-PT" dirty="0"/>
           </a:p>
@@ -1110,7 +1130,7 @@
             </a:pPr>
             <a:fld id="{81D60167-4931-47E6-BA6A-407CBD079E47}" type="slidenum">
               <a:rPr lang="pt-PT" smtClean="0"/>
-              <a:t>‹#›</a:t>
+              <a:t>‹nº›</a:t>
             </a:fld>
             <a:endParaRPr lang="pt-PT" dirty="0"/>
           </a:p>
@@ -1458,7 +1478,7 @@
             </a:pPr>
             <a:fld id="{81D60167-4931-47E6-BA6A-407CBD079E47}" type="slidenum">
               <a:rPr lang="pt-PT" smtClean="0"/>
-              <a:t>‹#›</a:t>
+              <a:t>‹nº›</a:t>
             </a:fld>
             <a:endParaRPr lang="pt-PT" dirty="0"/>
           </a:p>
@@ -1738,7 +1758,7 @@
             </a:pPr>
             <a:fld id="{81D60167-4931-47E6-BA6A-407CBD079E47}" type="slidenum">
               <a:rPr lang="pt-PT" smtClean="0"/>
-              <a:t>‹#›</a:t>
+              <a:t>‹nº›</a:t>
             </a:fld>
             <a:endParaRPr lang="pt-PT" dirty="0"/>
           </a:p>
@@ -2122,7 +2142,7 @@
             </a:pPr>
             <a:fld id="{81D60167-4931-47E6-BA6A-407CBD079E47}" type="slidenum">
               <a:rPr lang="pt-PT" smtClean="0"/>
-              <a:t>‹#›</a:t>
+              <a:t>‹nº›</a:t>
             </a:fld>
             <a:endParaRPr lang="pt-PT" dirty="0"/>
           </a:p>
@@ -2245,7 +2265,7 @@
             </a:pPr>
             <a:fld id="{81D60167-4931-47E6-BA6A-407CBD079E47}" type="slidenum">
               <a:rPr lang="pt-PT" smtClean="0"/>
-              <a:t>‹#›</a:t>
+              <a:t>‹nº›</a:t>
             </a:fld>
             <a:endParaRPr lang="pt-PT" dirty="0"/>
           </a:p>
@@ -2429,7 +2449,7 @@
             </a:pPr>
             <a:fld id="{81D60167-4931-47E6-BA6A-407CBD079E47}" type="slidenum">
               <a:rPr lang="pt-PT" smtClean="0"/>
-              <a:t>‹#›</a:t>
+              <a:t>‹nº›</a:t>
             </a:fld>
             <a:endParaRPr lang="pt-PT" dirty="0"/>
           </a:p>
@@ -2801,7 +2821,7 @@
             </a:pPr>
             <a:fld id="{81D60167-4931-47E6-BA6A-407CBD079E47}" type="slidenum">
               <a:rPr lang="pt-PT" smtClean="0"/>
-              <a:t>‹#›</a:t>
+              <a:t>‹nº›</a:t>
             </a:fld>
             <a:endParaRPr lang="pt-PT" dirty="0"/>
           </a:p>
@@ -3167,7 +3187,7 @@
             </a:pPr>
             <a:fld id="{81D60167-4931-47E6-BA6A-407CBD079E47}" type="slidenum">
               <a:rPr lang="pt-PT" smtClean="0"/>
-              <a:t>‹#›</a:t>
+              <a:t>‹nº›</a:t>
             </a:fld>
             <a:endParaRPr lang="pt-PT" dirty="0"/>
           </a:p>
@@ -3491,7 +3511,7 @@
             </a:pPr>
             <a:fld id="{81D60167-4931-47E6-BA6A-407CBD079E47}" type="slidenum">
               <a:rPr lang="pt-PT" smtClean="0"/>
-              <a:t>‹#›</a:t>
+              <a:t>‹nº›</a:t>
             </a:fld>
             <a:endParaRPr lang="pt-PT" dirty="0"/>
           </a:p>
@@ -4604,7 +4624,7 @@
 </p:sld>
 </file>
 
-<file path=ppt/slides/slide2.xml><?xml version="1.0" encoding="utf-8"?>
+<file path=ppt/slides/slide10.xml><?xml version="1.0" encoding="utf-8"?>
 <p:sld xmlns:a="http://schemas.openxmlformats.org/drawingml/2006/main" xmlns:r="http://schemas.openxmlformats.org/officeDocument/2006/relationships" xmlns:p="http://schemas.openxmlformats.org/presentationml/2006/main">
   <p:cSld>
     <p:spTree>
@@ -4649,7 +4669,7 @@
             </a:pPr>
             <a:fld id="{81D60167-4931-47E6-BA6A-407CBD079E47}" type="slidenum">
               <a:rPr dirty="0"/>
-              <a:t>2</a:t>
+              <a:t>10</a:t>
             </a:fld>
             <a:endParaRPr dirty="0"/>
           </a:p>
@@ -4663,8 +4683,8 @@
         </p:nvSpPr>
         <p:spPr>
           <a:xfrm>
-            <a:off x="995729" y="1746387"/>
-            <a:ext cx="9909810" cy="1218026"/>
+            <a:off x="995729" y="1752600"/>
+            <a:ext cx="9909810" cy="4806572"/>
           </a:xfrm>
           <a:prstGeom prst="rect">
             <a:avLst/>
@@ -4677,177 +4697,526 @@
           <a:lstStyle/>
           <a:p>
             <a:pPr marL="12700">
+              <a:lnSpc>
+                <a:spcPct val="100000"/>
+              </a:lnSpc>
               <a:spcBef>
-                <a:spcPts val="980"/>
+                <a:spcPts val="100"/>
               </a:spcBef>
+            </a:pPr>
+            <a:r>
+              <a:rPr spc="25" dirty="0">
+                <a:latin typeface="Georgia"/>
+              </a:rPr>
+              <a:t>❏	</a:t>
+            </a:r>
+            <a:r>
+              <a:rPr lang="en-US" spc="25" dirty="0">
+                <a:latin typeface="Georgia"/>
+              </a:rPr>
+              <a:t>Divide-se em 3 </a:t>
+            </a:r>
+            <a:r>
+              <a:rPr lang="en-US" spc="25" dirty="0" err="1">
+                <a:latin typeface="Georgia"/>
+              </a:rPr>
+              <a:t>partes</a:t>
+            </a:r>
+            <a:r>
+              <a:rPr lang="en-US" spc="25" dirty="0">
+                <a:latin typeface="Georgia"/>
+              </a:rPr>
+              <a:t>:</a:t>
+            </a:r>
+          </a:p>
+          <a:p>
+            <a:pPr marL="469900" indent="-328295">
+              <a:lnSpc>
+                <a:spcPct val="100000"/>
+              </a:lnSpc>
+              <a:buFont typeface="Arial"/>
+              <a:buChar char="●"/>
               <a:tabLst>
-                <a:tab pos="558165" algn="l"/>
+                <a:tab pos="469265" algn="l"/>
+                <a:tab pos="469900" algn="l"/>
               </a:tabLst>
             </a:pPr>
             <a:r>
-              <a:rPr sz="2500" dirty="0">
-                <a:solidFill>
-                  <a:srgbClr val="E48312"/>
-                </a:solidFill>
-                <a:latin typeface="MS UI Gothic"/>
-                <a:cs typeface="MS UI Gothic"/>
-              </a:rPr>
-              <a:t>❏	</a:t>
-            </a:r>
-            <a:r>
-              <a:rPr lang="pt-PT" sz="1600" spc="30" dirty="0">
-                <a:solidFill>
-                  <a:srgbClr val="E48312"/>
-                </a:solidFill>
+              <a:rPr lang="en-US" spc="25" dirty="0" err="1">
                 <a:latin typeface="Georgia"/>
-                <a:cs typeface="MS UI Gothic"/>
-              </a:rPr>
-              <a:t>Solução discutida na aula</a:t>
-            </a:r>
-            <a:r>
-              <a:rPr sz="1600" spc="5" dirty="0">
+              </a:rPr>
+              <a:t>Verificar</a:t>
+            </a:r>
+            <a:r>
+              <a:rPr lang="en-US" spc="25" dirty="0">
                 <a:latin typeface="Georgia"/>
-                <a:cs typeface="Georgia"/>
-              </a:rPr>
-              <a:t>:</a:t>
-            </a:r>
-            <a:endParaRPr sz="1600" dirty="0">
+              </a:rPr>
+              <a:t> a </a:t>
+            </a:r>
+            <a:r>
+              <a:rPr lang="en-US" spc="25" dirty="0" err="1">
+                <a:latin typeface="Georgia"/>
+              </a:rPr>
+              <a:t>paridade</a:t>
+            </a:r>
+            <a:endParaRPr lang="en-US" spc="25" dirty="0">
               <a:latin typeface="Georgia"/>
-              <a:cs typeface="Georgia"/>
             </a:endParaRPr>
           </a:p>
           <a:p>
-            <a:pPr marL="605790">
+            <a:pPr marL="927100" marR="59055" lvl="1" indent="-328295">
               <a:lnSpc>
-                <a:spcPct val="150000"/>
+                <a:spcPct val="103600"/>
               </a:lnSpc>
               <a:spcBef>
-                <a:spcPts val="495"/>
+                <a:spcPts val="150"/>
               </a:spcBef>
+              <a:buSzPct val="118181"/>
+              <a:buFont typeface="Arial MT"/>
+              <a:buChar char="○"/>
               <a:tabLst>
-                <a:tab pos="1015365" algn="l"/>
+                <a:tab pos="926465" algn="l"/>
+                <a:tab pos="927100" algn="l"/>
               </a:tabLst>
             </a:pPr>
             <a:r>
-              <a:rPr sz="1400" dirty="0">
-                <a:latin typeface="MS UI Gothic"/>
-                <a:cs typeface="MS UI Gothic"/>
-              </a:rPr>
-              <a:t>❏	</a:t>
-            </a:r>
-            <a:r>
-              <a:rPr lang="pt-PT" sz="1400" spc="-10" dirty="0">
+              <a:rPr lang="pt-PT" spc="25" dirty="0">
                 <a:latin typeface="Georgia"/>
-                <a:cs typeface="MS UI Gothic"/>
-              </a:rPr>
-              <a:t>São precisas 12 portas XOR</a:t>
-            </a:r>
-            <a:r>
-              <a:rPr sz="1400" spc="30" dirty="0">
+              </a:rPr>
+              <a:t>Composto por 22 </a:t>
+            </a:r>
+            <a:r>
+              <a:rPr lang="pt-PT" spc="25" dirty="0" err="1">
                 <a:latin typeface="Georgia"/>
-                <a:cs typeface="Georgia"/>
-              </a:rPr>
-              <a:t>;</a:t>
-            </a:r>
-            <a:endParaRPr sz="1400" dirty="0">
+              </a:rPr>
+              <a:t>xors</a:t>
+            </a:r>
+            <a:r>
+              <a:rPr lang="pt-PT" spc="25" dirty="0">
+                <a:latin typeface="Georgia"/>
+              </a:rPr>
+              <a:t> para gerar os bits que verificam se houve ou não um erro.</a:t>
+            </a:r>
+            <a:endParaRPr lang="en-US" spc="25" dirty="0">
               <a:latin typeface="Georgia"/>
-              <a:cs typeface="Georgia"/>
             </a:endParaRPr>
           </a:p>
           <a:p>
-            <a:pPr marL="605790">
+            <a:pPr marL="469900" indent="-328295">
               <a:lnSpc>
-                <a:spcPct val="150000"/>
+                <a:spcPts val="1550"/>
+              </a:lnSpc>
+              <a:buFont typeface="Arial"/>
+              <a:buChar char="●"/>
+              <a:tabLst>
+                <a:tab pos="469265" algn="l"/>
+                <a:tab pos="469900" algn="l"/>
+              </a:tabLst>
+            </a:pPr>
+            <a:r>
+              <a:rPr lang="en-US" spc="25" dirty="0" err="1">
+                <a:latin typeface="Georgia"/>
+              </a:rPr>
+              <a:t>Descodificador</a:t>
+            </a:r>
+            <a:r>
+              <a:rPr lang="en-US" spc="25" dirty="0">
+                <a:latin typeface="Georgia"/>
+              </a:rPr>
+              <a:t> </a:t>
+            </a:r>
+            <a:r>
+              <a:rPr lang="en-US" spc="25" dirty="0">
+                <a:highlight>
+                  <a:srgbClr val="FFFF00"/>
+                </a:highlight>
+                <a:latin typeface="Georgia"/>
+              </a:rPr>
+              <a:t>4:11</a:t>
+            </a:r>
+          </a:p>
+          <a:p>
+            <a:pPr marL="927100" indent="-328295">
+              <a:lnSpc>
+                <a:spcPct val="100000"/>
               </a:lnSpc>
               <a:spcBef>
-                <a:spcPts val="270"/>
+                <a:spcPts val="200"/>
               </a:spcBef>
+              <a:buSzPct val="118181"/>
+              <a:buFont typeface="Arial"/>
+              <a:buChar char="○"/>
               <a:tabLst>
-                <a:tab pos="1015365" algn="l"/>
+                <a:tab pos="926465" algn="l"/>
+                <a:tab pos="927100" algn="l"/>
               </a:tabLst>
             </a:pPr>
             <a:r>
-              <a:rPr sz="1400" dirty="0">
-                <a:latin typeface="MS UI Gothic"/>
-                <a:cs typeface="MS UI Gothic"/>
+              <a:rPr lang="pt-PT" spc="25" dirty="0">
+                <a:latin typeface="Georgia"/>
+              </a:rPr>
+              <a:t>Para encontrar o bit que precisa de ser corrigido.</a:t>
+            </a:r>
+            <a:endParaRPr lang="en-US" spc="25" dirty="0">
+              <a:latin typeface="Georgia"/>
+            </a:endParaRPr>
+          </a:p>
+          <a:p>
+            <a:pPr marL="469900" indent="-328295">
+              <a:lnSpc>
+                <a:spcPct val="100000"/>
+              </a:lnSpc>
+              <a:spcBef>
+                <a:spcPts val="40"/>
+              </a:spcBef>
+              <a:buFont typeface="Arial"/>
+              <a:buChar char="●"/>
+              <a:tabLst>
+                <a:tab pos="469265" algn="l"/>
+                <a:tab pos="469900" algn="l"/>
+              </a:tabLst>
+            </a:pPr>
+            <a:r>
+              <a:rPr lang="en-US" spc="25" dirty="0">
+                <a:latin typeface="Georgia"/>
+              </a:rPr>
+              <a:t>Bit ERROR</a:t>
+            </a:r>
+          </a:p>
+          <a:p>
+            <a:pPr marL="927100" marR="5080" lvl="1" indent="-328295">
+              <a:lnSpc>
+                <a:spcPct val="103600"/>
+              </a:lnSpc>
+              <a:spcBef>
+                <a:spcPts val="155"/>
+              </a:spcBef>
+              <a:buSzPct val="118181"/>
+              <a:buFont typeface="Arial MT"/>
+              <a:buChar char="○"/>
+              <a:tabLst>
+                <a:tab pos="926465" algn="l"/>
+                <a:tab pos="927100" algn="l"/>
+              </a:tabLst>
+            </a:pPr>
+            <a:r>
+              <a:rPr lang="en-US" spc="25" dirty="0" err="1">
+                <a:latin typeface="Georgia"/>
+              </a:rPr>
+              <a:t>Composto</a:t>
+            </a:r>
+            <a:r>
+              <a:rPr lang="en-US" spc="25" dirty="0">
+                <a:latin typeface="Georgia"/>
+              </a:rPr>
+              <a:t> por </a:t>
+            </a:r>
+            <a:r>
+              <a:rPr lang="en-US" spc="25" dirty="0">
+                <a:highlight>
+                  <a:srgbClr val="FFFF00"/>
+                </a:highlight>
+                <a:latin typeface="Georgia"/>
+              </a:rPr>
+              <a:t>11</a:t>
+            </a:r>
+            <a:r>
+              <a:rPr lang="en-US" spc="25" dirty="0">
+                <a:latin typeface="Georgia"/>
+              </a:rPr>
+              <a:t> </a:t>
+            </a:r>
+            <a:r>
+              <a:rPr lang="en-US" spc="25" dirty="0" err="1">
+                <a:latin typeface="Georgia"/>
+              </a:rPr>
+              <a:t>xors</a:t>
+            </a:r>
+            <a:r>
+              <a:rPr lang="en-US" spc="25" dirty="0">
+                <a:latin typeface="Georgia"/>
+              </a:rPr>
+              <a:t> para ﬂip a </a:t>
+            </a:r>
+            <a:r>
+              <a:rPr lang="en-US" spc="25" dirty="0" err="1">
+                <a:latin typeface="Georgia"/>
+              </a:rPr>
+              <a:t>parte</a:t>
+            </a:r>
+            <a:r>
+              <a:rPr lang="en-US" spc="25" dirty="0">
+                <a:latin typeface="Georgia"/>
+              </a:rPr>
+              <a:t> </a:t>
+            </a:r>
+            <a:r>
+              <a:rPr lang="en-US" spc="25" dirty="0" err="1">
+                <a:latin typeface="Georgia"/>
+              </a:rPr>
+              <a:t>errada</a:t>
+            </a:r>
+            <a:r>
+              <a:rPr lang="en-US" spc="25" dirty="0">
+                <a:latin typeface="Georgia"/>
+              </a:rPr>
+              <a:t>.</a:t>
+            </a:r>
+          </a:p>
+          <a:p>
+            <a:pPr marL="927100" marR="5080" lvl="1" indent="-328295">
+              <a:lnSpc>
+                <a:spcPct val="103600"/>
+              </a:lnSpc>
+              <a:spcBef>
+                <a:spcPts val="155"/>
+              </a:spcBef>
+              <a:buSzPct val="118181"/>
+              <a:buFont typeface="Arial MT"/>
+              <a:buChar char="○"/>
+              <a:tabLst>
+                <a:tab pos="926465" algn="l"/>
+                <a:tab pos="927100" algn="l"/>
+              </a:tabLst>
+            </a:pPr>
+            <a:endParaRPr lang="en-US" spc="25" dirty="0">
+              <a:latin typeface="Georgia"/>
+            </a:endParaRPr>
+          </a:p>
+          <a:p>
+            <a:pPr marL="12700">
+              <a:lnSpc>
+                <a:spcPct val="100000"/>
+              </a:lnSpc>
+              <a:spcBef>
+                <a:spcPts val="5"/>
+              </a:spcBef>
+            </a:pPr>
+            <a:r>
+              <a:rPr lang="pt-PT" spc="25" dirty="0">
+                <a:latin typeface="Georgia"/>
               </a:rPr>
               <a:t>❏	</a:t>
             </a:r>
             <a:r>
-              <a:rPr lang="pt-PT" sz="1400" spc="-95" dirty="0">
+              <a:rPr lang="en-US" spc="25" dirty="0" err="1">
                 <a:latin typeface="Georgia"/>
-                <a:cs typeface="MS UI Gothic"/>
-              </a:rPr>
-              <a:t>Tempo de </a:t>
-            </a:r>
-            <a:r>
-              <a:rPr sz="1400" spc="30" dirty="0">
+              </a:rPr>
+              <a:t>Custo</a:t>
+            </a:r>
+            <a:r>
+              <a:rPr lang="en-US" spc="25" dirty="0">
                 <a:latin typeface="Georgia"/>
-                <a:cs typeface="Georgia"/>
-              </a:rPr>
-              <a:t> </a:t>
-            </a:r>
-            <a:r>
-              <a:rPr lang="pt-PT" sz="1400" spc="30" dirty="0">
+              </a:rPr>
+              <a:t> da </a:t>
+            </a:r>
+            <a:r>
+              <a:rPr lang="en-US" spc="25" dirty="0" err="1">
                 <a:latin typeface="Georgia"/>
-                <a:cs typeface="Georgia"/>
-              </a:rPr>
-              <a:t>propagação de atraso no pior caso são 3 XOR</a:t>
-            </a:r>
-            <a:endParaRPr sz="1400" dirty="0">
+              </a:rPr>
+              <a:t>implementação</a:t>
+            </a:r>
+            <a:endParaRPr lang="en-US" spc="25" dirty="0">
               <a:latin typeface="Georgia"/>
-              <a:cs typeface="Georgia"/>
             </a:endParaRPr>
           </a:p>
-        </p:txBody>
-      </p:sp>
-      <p:pic>
-        <p:nvPicPr>
-          <p:cNvPr id="1026" name="Picture 2">
-            <a:extLst>
-              <a:ext uri="{FF2B5EF4-FFF2-40B4-BE49-F238E27FC236}">
-                <a16:creationId xmlns:a16="http://schemas.microsoft.com/office/drawing/2014/main" id="{6B8972D1-65F5-5D38-0340-5A7475A5CA3B}"/>
-              </a:ext>
-            </a:extLst>
-          </p:cNvPr>
-          <p:cNvPicPr>
-            <a:picLocks noChangeAspect="1" noChangeArrowheads="1"/>
-          </p:cNvPicPr>
-          <p:nvPr/>
-        </p:nvPicPr>
-        <p:blipFill>
-          <a:blip r:embed="rId2">
-            <a:extLst>
-              <a:ext uri="{28A0092B-C50C-407E-A947-70E740481C1C}">
-                <a14:useLocalDpi xmlns:a14="http://schemas.microsoft.com/office/drawing/2010/main" val="0"/>
-              </a:ext>
-            </a:extLst>
-          </a:blip>
-          <a:srcRect/>
-          <a:stretch>
-            <a:fillRect/>
-          </a:stretch>
-        </p:blipFill>
-        <p:spPr bwMode="auto">
-          <a:xfrm>
-            <a:off x="3066261" y="3165584"/>
-            <a:ext cx="5768745" cy="3093029"/>
-          </a:xfrm>
-          <a:prstGeom prst="rect">
-            <a:avLst/>
-          </a:prstGeom>
-          <a:noFill/>
-          <a:extLst>
-            <a:ext uri="{909E8E84-426E-40DD-AFC4-6F175D3DCCD1}">
-              <a14:hiddenFill xmlns:a14="http://schemas.microsoft.com/office/drawing/2010/main">
-                <a:solidFill>
-                  <a:srgbClr val="FFFFFF"/>
-                </a:solidFill>
-              </a14:hiddenFill>
-            </a:ext>
-          </a:extLst>
-        </p:spPr>
-      </p:pic>
+          <a:p>
+            <a:pPr marL="469900" indent="-328295">
+              <a:lnSpc>
+                <a:spcPct val="100000"/>
+              </a:lnSpc>
+              <a:buFont typeface="Arial MT"/>
+              <a:buChar char="●"/>
+              <a:tabLst>
+                <a:tab pos="469265" algn="l"/>
+                <a:tab pos="469900" algn="l"/>
+              </a:tabLst>
+            </a:pPr>
+            <a:r>
+              <a:rPr lang="en-US" spc="25" dirty="0">
+                <a:highlight>
+                  <a:srgbClr val="FFFF00"/>
+                </a:highlight>
+                <a:latin typeface="Georgia"/>
+              </a:rPr>
+              <a:t>33 XORs</a:t>
+            </a:r>
+          </a:p>
+          <a:p>
+            <a:pPr marL="469900" indent="-328295">
+              <a:lnSpc>
+                <a:spcPct val="100000"/>
+              </a:lnSpc>
+              <a:buFont typeface="Arial MT"/>
+              <a:buChar char="●"/>
+              <a:tabLst>
+                <a:tab pos="469265" algn="l"/>
+                <a:tab pos="469900" algn="l"/>
+              </a:tabLst>
+            </a:pPr>
+            <a:r>
+              <a:rPr lang="en-US" spc="25" dirty="0">
+                <a:highlight>
+                  <a:srgbClr val="FFFF00"/>
+                </a:highlight>
+                <a:latin typeface="Georgia"/>
+              </a:rPr>
+              <a:t>19 ANDs</a:t>
+            </a:r>
+          </a:p>
+          <a:p>
+            <a:pPr marL="469900" indent="-328295">
+              <a:lnSpc>
+                <a:spcPct val="100000"/>
+              </a:lnSpc>
+              <a:buFont typeface="Arial MT"/>
+              <a:buChar char="●"/>
+              <a:tabLst>
+                <a:tab pos="469265" algn="l"/>
+                <a:tab pos="469900" algn="l"/>
+              </a:tabLst>
+            </a:pPr>
+            <a:r>
+              <a:rPr lang="en-US" spc="25" dirty="0">
+                <a:highlight>
+                  <a:srgbClr val="FFFF00"/>
+                </a:highlight>
+                <a:latin typeface="Georgia"/>
+              </a:rPr>
+              <a:t>4 NOTs</a:t>
+            </a:r>
+          </a:p>
+          <a:p>
+            <a:pPr marL="12700">
+              <a:lnSpc>
+                <a:spcPct val="100000"/>
+              </a:lnSpc>
+              <a:spcBef>
+                <a:spcPts val="1305"/>
+              </a:spcBef>
+            </a:pPr>
+            <a:r>
+              <a:rPr lang="pt-PT" spc="25" dirty="0">
+                <a:latin typeface="Georgia"/>
+              </a:rPr>
+              <a:t>❏	</a:t>
+            </a:r>
+            <a:r>
+              <a:rPr lang="en-US" spc="25" dirty="0" err="1">
+                <a:latin typeface="Georgia"/>
+              </a:rPr>
+              <a:t>Atraso</a:t>
+            </a:r>
+            <a:r>
+              <a:rPr lang="en-US" spc="25" dirty="0">
+                <a:latin typeface="Georgia"/>
+              </a:rPr>
+              <a:t> de </a:t>
+            </a:r>
+            <a:r>
+              <a:rPr lang="en-US" spc="25" dirty="0" err="1">
+                <a:latin typeface="Georgia"/>
+              </a:rPr>
+              <a:t>propagação</a:t>
+            </a:r>
+            <a:endParaRPr lang="en-US" spc="25" dirty="0">
+              <a:latin typeface="Georgia"/>
+            </a:endParaRPr>
+          </a:p>
+          <a:p>
+            <a:pPr marL="469900" indent="-328295">
+              <a:lnSpc>
+                <a:spcPct val="100000"/>
+              </a:lnSpc>
+              <a:buFont typeface="Arial MT"/>
+              <a:buChar char="●"/>
+              <a:tabLst>
+                <a:tab pos="469265" algn="l"/>
+                <a:tab pos="469900" algn="l"/>
+              </a:tabLst>
+            </a:pPr>
+            <a:r>
+              <a:rPr lang="en-US" spc="25" dirty="0">
+                <a:highlight>
+                  <a:srgbClr val="FFFF00"/>
+                </a:highlight>
+                <a:latin typeface="Georgia"/>
+              </a:rPr>
+              <a:t>4 </a:t>
+            </a:r>
+            <a:r>
+              <a:rPr lang="en-US" spc="25" dirty="0">
+                <a:latin typeface="Georgia"/>
+              </a:rPr>
+              <a:t>XOR gates + </a:t>
+            </a:r>
+            <a:r>
+              <a:rPr lang="en-US" spc="25" dirty="0">
+                <a:highlight>
+                  <a:srgbClr val="FFFF00"/>
+                </a:highlight>
+                <a:latin typeface="Georgia"/>
+              </a:rPr>
+              <a:t>2 </a:t>
+            </a:r>
+            <a:r>
+              <a:rPr lang="en-US" spc="25" dirty="0">
+                <a:latin typeface="Georgia"/>
+              </a:rPr>
+              <a:t>AND gates + </a:t>
+            </a:r>
+            <a:r>
+              <a:rPr lang="en-US" spc="25" dirty="0">
+                <a:highlight>
+                  <a:srgbClr val="FFFF00"/>
+                </a:highlight>
+                <a:latin typeface="Georgia"/>
+              </a:rPr>
+              <a:t>1 </a:t>
+            </a:r>
+            <a:r>
+              <a:rPr lang="en-US" spc="25" dirty="0">
+                <a:latin typeface="Georgia"/>
+              </a:rPr>
+              <a:t>NOT gate</a:t>
+            </a:r>
+          </a:p>
+          <a:p>
+            <a:pPr marL="141605">
+              <a:lnSpc>
+                <a:spcPct val="100000"/>
+              </a:lnSpc>
+              <a:tabLst>
+                <a:tab pos="469265" algn="l"/>
+                <a:tab pos="469900" algn="l"/>
+              </a:tabLst>
+            </a:pPr>
+            <a:endParaRPr lang="en-US" spc="25" dirty="0">
+              <a:latin typeface="Georgia"/>
+            </a:endParaRPr>
+          </a:p>
+          <a:p>
+            <a:pPr marL="469900" marR="5080" indent="-328295">
+              <a:lnSpc>
+                <a:spcPct val="103600"/>
+              </a:lnSpc>
+              <a:spcBef>
+                <a:spcPts val="155"/>
+              </a:spcBef>
+              <a:buSzPct val="118181"/>
+              <a:buFont typeface="Arial MT"/>
+              <a:buChar char="○"/>
+              <a:tabLst>
+                <a:tab pos="926465" algn="l"/>
+                <a:tab pos="927100" algn="l"/>
+              </a:tabLst>
+            </a:pPr>
+            <a:endParaRPr lang="en-US" spc="25" dirty="0">
+              <a:latin typeface="Georgia"/>
+            </a:endParaRPr>
+          </a:p>
+        </p:txBody>
+      </p:sp>
       <p:sp>
         <p:nvSpPr>
           <p:cNvPr id="9" name="Title 8">
@@ -4871,20 +5240,30 @@
           <a:p>
             <a:r>
               <a:rPr lang="pt-PT" dirty="0"/>
-              <a:t>Codificador em Paralelo</a:t>
+              <a:t>Descodificador em Paralelo</a:t>
             </a:r>
           </a:p>
         </p:txBody>
       </p:sp>
     </p:spTree>
+    <p:extLst>
+      <p:ext uri="{BB962C8B-B14F-4D97-AF65-F5344CB8AC3E}">
+        <p14:creationId xmlns:p14="http://schemas.microsoft.com/office/powerpoint/2010/main" val="3822879057"/>
+      </p:ext>
+    </p:extLst>
   </p:cSld>
   <p:clrMapOvr>
     <a:masterClrMapping/>
   </p:clrMapOvr>
+  <p:extLst>
+    <p:ext uri="{6950BFC3-D8DA-4A85-94F7-54DA5524770B}">
+      <p188:commentRel xmlns:p188="http://schemas.microsoft.com/office/powerpoint/2018/8/main" r:id="rId2"/>
+    </p:ext>
+  </p:extLst>
 </p:sld>
 </file>
 
-<file path=ppt/slides/slide3.xml><?xml version="1.0" encoding="utf-8"?>
+<file path=ppt/slides/slide11.xml><?xml version="1.0" encoding="utf-8"?>
 <p:sld xmlns:a="http://schemas.openxmlformats.org/drawingml/2006/main" xmlns:r="http://schemas.openxmlformats.org/officeDocument/2006/relationships" xmlns:p="http://schemas.openxmlformats.org/presentationml/2006/main">
   <p:cSld>
     <p:spTree>
@@ -4989,7 +5368,7 @@
             </a:pPr>
             <a:fld id="{81D60167-4931-47E6-BA6A-407CBD079E47}" type="slidenum">
               <a:rPr lang="pt-PT" smtClean="0"/>
-              <a:t>3</a:t>
+              <a:t>11</a:t>
             </a:fld>
             <a:endParaRPr lang="pt-PT" dirty="0"/>
           </a:p>
@@ -5104,19 +5483,19 @@
         </p:nvSpPr>
         <p:spPr>
           <a:xfrm>
-            <a:off x="1154083" y="977972"/>
+            <a:off x="1066800" y="462174"/>
             <a:ext cx="10058400" cy="734174"/>
           </a:xfrm>
         </p:spPr>
         <p:txBody>
           <a:bodyPr>
-            <a:normAutofit/>
+            <a:normAutofit fontScale="90000"/>
           </a:bodyPr>
           <a:lstStyle/>
           <a:p>
             <a:r>
               <a:rPr lang="pt-PT" dirty="0"/>
-              <a:t>Resultados do codificador em Paralelo</a:t>
+              <a:t>Resultados do Descodificador em Paralelo</a:t>
             </a:r>
           </a:p>
         </p:txBody>
@@ -5195,6 +5574,2390 @@
         </p:style>
       </p:cxnSp>
     </p:spTree>
+    <p:extLst>
+      <p:ext uri="{BB962C8B-B14F-4D97-AF65-F5344CB8AC3E}">
+        <p14:creationId xmlns:p14="http://schemas.microsoft.com/office/powerpoint/2010/main" val="375959453"/>
+      </p:ext>
+    </p:extLst>
+  </p:cSld>
+  <p:clrMapOvr>
+    <a:masterClrMapping/>
+  </p:clrMapOvr>
+</p:sld>
+</file>
+
+<file path=ppt/slides/slide12.xml><?xml version="1.0" encoding="utf-8"?>
+<p:sld xmlns:a="http://schemas.openxmlformats.org/drawingml/2006/main" xmlns:r="http://schemas.openxmlformats.org/officeDocument/2006/relationships" xmlns:p="http://schemas.openxmlformats.org/presentationml/2006/main">
+  <p:cSld>
+    <p:bg>
+      <p:bgPr>
+        <a:solidFill>
+          <a:schemeClr val="bg1"/>
+        </a:solidFill>
+        <a:effectLst/>
+      </p:bgPr>
+    </p:bg>
+    <p:spTree>
+      <p:nvGrpSpPr>
+        <p:cNvPr id="1" name=""/>
+        <p:cNvGrpSpPr/>
+        <p:nvPr/>
+      </p:nvGrpSpPr>
+      <p:grpSpPr>
+        <a:xfrm>
+          <a:off x="0" y="0"/>
+          <a:ext cx="0" cy="0"/>
+          <a:chOff x="0" y="0"/>
+          <a:chExt cx="0" cy="0"/>
+        </a:xfrm>
+      </p:grpSpPr>
+      <p:sp useBgFill="1">
+        <p:nvSpPr>
+          <p:cNvPr id="12" name="Rectangle 11">
+            <a:extLst>
+              <a:ext uri="{FF2B5EF4-FFF2-40B4-BE49-F238E27FC236}">
+                <a16:creationId xmlns:a16="http://schemas.microsoft.com/office/drawing/2014/main" id="{44CC594A-A820-450F-B363-C19201FCFEC6}"/>
+              </a:ext>
+              <a:ext uri="{C183D7F6-B498-43B3-948B-1728B52AA6E4}">
+                <adec:decorative xmlns:adec="http://schemas.microsoft.com/office/drawing/2017/decorative" val="1"/>
+              </a:ext>
+            </a:extLst>
+          </p:cNvPr>
+          <p:cNvSpPr>
+            <a:spLocks noGrp="1" noRot="1" noChangeAspect="1" noMove="1" noResize="1" noEditPoints="1" noAdjustHandles="1" noChangeArrowheads="1" noChangeShapeType="1" noTextEdit="1"/>
+          </p:cNvSpPr>
+          <p:nvPr>
+            <p:extLst>
+              <p:ext uri="{386F3935-93C4-4BCD-93E2-E3B085C9AB24}">
+                <p16:designElem xmlns:p16="http://schemas.microsoft.com/office/powerpoint/2015/main" val="1"/>
+              </p:ext>
+            </p:extLst>
+          </p:nvPr>
+        </p:nvSpPr>
+        <p:spPr>
+          <a:xfrm>
+            <a:off x="0" y="0"/>
+            <a:ext cx="12186315" cy="6858000"/>
+          </a:xfrm>
+          <a:prstGeom prst="rect">
+            <a:avLst/>
+          </a:prstGeom>
+          <a:ln>
+            <a:noFill/>
+          </a:ln>
+        </p:spPr>
+        <p:style>
+          <a:lnRef idx="2">
+            <a:schemeClr val="accent6">
+              <a:shade val="50000"/>
+            </a:schemeClr>
+          </a:lnRef>
+          <a:fillRef idx="1001">
+            <a:schemeClr val="lt1"/>
+          </a:fillRef>
+          <a:effectRef idx="0">
+            <a:schemeClr val="accent6"/>
+          </a:effectRef>
+          <a:fontRef idx="minor">
+            <a:schemeClr val="lt1"/>
+          </a:fontRef>
+        </p:style>
+        <p:txBody>
+          <a:bodyPr rtlCol="0" anchor="ctr"/>
+          <a:lstStyle/>
+          <a:p>
+            <a:pPr algn="ctr"/>
+            <a:endParaRPr lang="en-US"/>
+          </a:p>
+        </p:txBody>
+      </p:sp>
+      <p:sp>
+        <p:nvSpPr>
+          <p:cNvPr id="14" name="Rectangle 13">
+            <a:extLst>
+              <a:ext uri="{FF2B5EF4-FFF2-40B4-BE49-F238E27FC236}">
+                <a16:creationId xmlns:a16="http://schemas.microsoft.com/office/drawing/2014/main" id="{59FAB3DA-E9ED-4574-ABCC-378BC0FF1BBC}"/>
+              </a:ext>
+              <a:ext uri="{C183D7F6-B498-43B3-948B-1728B52AA6E4}">
+                <adec:decorative xmlns:adec="http://schemas.microsoft.com/office/drawing/2017/decorative" val="1"/>
+              </a:ext>
+            </a:extLst>
+          </p:cNvPr>
+          <p:cNvSpPr>
+            <a:spLocks noGrp="1" noRot="1" noChangeAspect="1" noMove="1" noResize="1" noEditPoints="1" noAdjustHandles="1" noChangeArrowheads="1" noChangeShapeType="1" noTextEdit="1"/>
+          </p:cNvSpPr>
+          <p:nvPr>
+            <p:extLst>
+              <p:ext uri="{386F3935-93C4-4BCD-93E2-E3B085C9AB24}">
+                <p16:designElem xmlns:p16="http://schemas.microsoft.com/office/powerpoint/2015/main" val="1"/>
+              </p:ext>
+            </p:extLst>
+          </p:nvPr>
+        </p:nvSpPr>
+        <p:spPr>
+          <a:xfrm>
+            <a:off x="16" y="0"/>
+            <a:ext cx="4050791" cy="6858000"/>
+          </a:xfrm>
+          <a:prstGeom prst="rect">
+            <a:avLst/>
+          </a:prstGeom>
+          <a:solidFill>
+            <a:schemeClr val="accent2"/>
+          </a:solidFill>
+          <a:ln>
+            <a:noFill/>
+          </a:ln>
+        </p:spPr>
+        <p:style>
+          <a:lnRef idx="2">
+            <a:schemeClr val="accent1">
+              <a:shade val="50000"/>
+            </a:schemeClr>
+          </a:lnRef>
+          <a:fillRef idx="1">
+            <a:schemeClr val="accent1"/>
+          </a:fillRef>
+          <a:effectRef idx="0">
+            <a:schemeClr val="accent1"/>
+          </a:effectRef>
+          <a:fontRef idx="minor">
+            <a:schemeClr val="lt1"/>
+          </a:fontRef>
+        </p:style>
+      </p:sp>
+      <p:sp>
+        <p:nvSpPr>
+          <p:cNvPr id="2" name="object 2"/>
+          <p:cNvSpPr txBox="1">
+            <a:spLocks noGrp="1"/>
+          </p:cNvSpPr>
+          <p:nvPr>
+            <p:ph type="title"/>
+          </p:nvPr>
+        </p:nvSpPr>
+        <p:spPr>
+          <a:xfrm>
+            <a:off x="152400" y="315310"/>
+            <a:ext cx="3571529" cy="563310"/>
+          </a:xfrm>
+          <a:prstGeom prst="rect">
+            <a:avLst/>
+          </a:prstGeom>
+        </p:spPr>
+        <p:txBody>
+          <a:bodyPr vert="horz" lIns="91440" tIns="45720" rIns="91440" bIns="45720" rtlCol="0" anchor="b">
+            <a:normAutofit fontScale="90000"/>
+          </a:bodyPr>
+          <a:lstStyle/>
+          <a:p>
+            <a:pPr>
+              <a:tabLst>
+                <a:tab pos="2571750" algn="l"/>
+                <a:tab pos="2952750" algn="l"/>
+                <a:tab pos="10151745" algn="l"/>
+              </a:tabLst>
+            </a:pPr>
+            <a:r>
+              <a:rPr lang="en-US" sz="3600" dirty="0" err="1">
+                <a:solidFill>
+                  <a:srgbClr val="FFFFFF"/>
+                </a:solidFill>
+              </a:rPr>
+              <a:t>Codificador</a:t>
+            </a:r>
+            <a:r>
+              <a:rPr lang="en-US" sz="3600" dirty="0">
+                <a:solidFill>
+                  <a:srgbClr val="FFFFFF"/>
+                </a:solidFill>
+              </a:rPr>
+              <a:t> em Série</a:t>
+            </a:r>
+          </a:p>
+        </p:txBody>
+      </p:sp>
+      <p:sp>
+        <p:nvSpPr>
+          <p:cNvPr id="3" name="object 3"/>
+          <p:cNvSpPr txBox="1"/>
+          <p:nvPr/>
+        </p:nvSpPr>
+        <p:spPr>
+          <a:xfrm>
+            <a:off x="152400" y="1193930"/>
+            <a:ext cx="3657600" cy="5630980"/>
+          </a:xfrm>
+          <a:prstGeom prst="rect">
+            <a:avLst/>
+          </a:prstGeom>
+        </p:spPr>
+        <p:txBody>
+          <a:bodyPr vert="horz" lIns="0" tIns="45720" rIns="0" bIns="45720" rtlCol="0">
+            <a:normAutofit/>
+          </a:bodyPr>
+          <a:lstStyle/>
+          <a:p>
+            <a:pPr marL="12700" defTabSz="914400">
+              <a:spcBef>
+                <a:spcPts val="980"/>
+              </a:spcBef>
+              <a:buClr>
+                <a:schemeClr val="accent1"/>
+              </a:buClr>
+              <a:buFont typeface="Calibri" panose="020F0502020204030204" pitchFamily="34" charset="0"/>
+              <a:tabLst>
+                <a:tab pos="558165" algn="l"/>
+              </a:tabLst>
+            </a:pPr>
+            <a:r>
+              <a:rPr lang="en-US" sz="1300" dirty="0">
+                <a:solidFill>
+                  <a:srgbClr val="FFFFFF"/>
+                </a:solidFill>
+              </a:rPr>
+              <a:t>❏	</a:t>
+            </a:r>
+            <a:r>
+              <a:rPr lang="en-US" sz="1300" b="1" spc="35" dirty="0" err="1">
+                <a:solidFill>
+                  <a:srgbClr val="FFFFFF"/>
+                </a:solidFill>
+              </a:rPr>
+              <a:t>Custo</a:t>
+            </a:r>
+            <a:r>
+              <a:rPr lang="en-US" sz="1300" b="1" spc="35" dirty="0">
+                <a:solidFill>
+                  <a:srgbClr val="FFFFFF"/>
+                </a:solidFill>
+              </a:rPr>
+              <a:t> de </a:t>
+            </a:r>
+            <a:r>
+              <a:rPr lang="en-US" sz="1300" b="1" spc="35" dirty="0" err="1">
+                <a:solidFill>
+                  <a:srgbClr val="FFFFFF"/>
+                </a:solidFill>
+              </a:rPr>
+              <a:t>implementação</a:t>
+            </a:r>
+            <a:r>
+              <a:rPr lang="en-US" sz="1300" b="1" spc="30" dirty="0">
+                <a:solidFill>
+                  <a:srgbClr val="FFFFFF"/>
+                </a:solidFill>
+              </a:rPr>
+              <a:t>:</a:t>
+            </a:r>
+            <a:endParaRPr lang="en-US" sz="1300" dirty="0">
+              <a:solidFill>
+                <a:srgbClr val="FFFFFF"/>
+              </a:solidFill>
+            </a:endParaRPr>
+          </a:p>
+          <a:p>
+            <a:pPr marL="148590" marR="0" lvl="0" indent="0" algn="l" defTabSz="914400" rtl="0" eaLnBrk="1" fontAlgn="auto" latinLnBrk="0" hangingPunct="1">
+              <a:lnSpc>
+                <a:spcPct val="100000"/>
+              </a:lnSpc>
+              <a:spcBef>
+                <a:spcPts val="5"/>
+              </a:spcBef>
+              <a:spcAft>
+                <a:spcPts val="0"/>
+              </a:spcAft>
+              <a:buClr>
+                <a:srgbClr val="E48312"/>
+              </a:buClr>
+              <a:buSzTx/>
+              <a:buFont typeface="Calibri" panose="020F0502020204030204" pitchFamily="34" charset="0"/>
+              <a:buNone/>
+              <a:tabLst>
+                <a:tab pos="558165" algn="l"/>
+              </a:tabLst>
+              <a:defRPr/>
+            </a:pPr>
+            <a:r>
+              <a:rPr kumimoji="0" lang="en-US" sz="1300" b="0" i="0" u="none" strike="noStrike" kern="1200" cap="none" spc="0" normalizeH="0" baseline="0" noProof="0" dirty="0">
+                <a:ln>
+                  <a:noFill/>
+                </a:ln>
+                <a:solidFill>
+                  <a:srgbClr val="FFFFFF"/>
+                </a:solidFill>
+                <a:effectLst/>
+                <a:uLnTx/>
+                <a:uFillTx/>
+                <a:latin typeface="Calibri" panose="020F0502020204030204"/>
+                <a:ea typeface="+mn-ea"/>
+                <a:cs typeface="+mn-cs"/>
+              </a:rPr>
+              <a:t>❏	</a:t>
+            </a:r>
+            <a:r>
+              <a:rPr kumimoji="0" lang="en-US" sz="1300" b="0" i="0" u="none" strike="noStrike" kern="1200" cap="none" spc="20" normalizeH="0" baseline="0" noProof="0" dirty="0">
+                <a:ln>
+                  <a:noFill/>
+                </a:ln>
+                <a:solidFill>
+                  <a:srgbClr val="FFFFFF"/>
+                </a:solidFill>
+                <a:effectLst/>
+                <a:uLnTx/>
+                <a:uFillTx/>
+                <a:latin typeface="Calibri" panose="020F0502020204030204"/>
+                <a:ea typeface="+mn-ea"/>
+                <a:cs typeface="+mn-cs"/>
+              </a:rPr>
+              <a:t>bitCounter_3bits</a:t>
+            </a:r>
+          </a:p>
+          <a:p>
+            <a:pPr marL="148590" marR="0" lvl="0" indent="0" algn="l" defTabSz="914400" rtl="0" eaLnBrk="1" fontAlgn="auto" latinLnBrk="0" hangingPunct="1">
+              <a:spcBef>
+                <a:spcPts val="5"/>
+              </a:spcBef>
+              <a:spcAft>
+                <a:spcPts val="0"/>
+              </a:spcAft>
+              <a:buClr>
+                <a:srgbClr val="E48312"/>
+              </a:buClr>
+              <a:buSzTx/>
+              <a:buFontTx/>
+              <a:buNone/>
+              <a:tabLst>
+                <a:tab pos="558165" algn="l"/>
+              </a:tabLst>
+              <a:defRPr/>
+            </a:pPr>
+            <a:r>
+              <a:rPr kumimoji="0" lang="en-US" sz="1300" b="0" i="0" u="none" strike="noStrike" kern="1200" cap="none" spc="20" normalizeH="0" baseline="0" noProof="0" dirty="0">
+                <a:ln>
+                  <a:noFill/>
+                </a:ln>
+                <a:solidFill>
+                  <a:srgbClr val="FFFFFF"/>
+                </a:solidFill>
+                <a:effectLst/>
+                <a:uLnTx/>
+                <a:uFillTx/>
+                <a:latin typeface="Calibri" panose="020F0502020204030204"/>
+                <a:ea typeface="+mn-ea"/>
+                <a:cs typeface="+mn-cs"/>
+              </a:rPr>
+              <a:t>	</a:t>
+            </a:r>
+            <a:r>
+              <a:rPr kumimoji="0" lang="en-US" sz="1300" b="0" i="0" u="none" strike="noStrike" kern="1200" cap="none" spc="0" normalizeH="0" baseline="0" noProof="0" dirty="0">
+                <a:ln>
+                  <a:noFill/>
+                </a:ln>
+                <a:solidFill>
+                  <a:srgbClr val="FFFFFF"/>
+                </a:solidFill>
+                <a:effectLst/>
+                <a:uLnTx/>
+                <a:uFillTx/>
+                <a:latin typeface="Calibri" panose="020F0502020204030204"/>
+                <a:ea typeface="+mn-ea"/>
+                <a:cs typeface="+mn-cs"/>
+              </a:rPr>
+              <a:t>❏	3 FlipFlopD, 2 XOR’s e 1 AND;</a:t>
+            </a:r>
+            <a:endParaRPr lang="en-US" sz="1300" dirty="0">
+              <a:solidFill>
+                <a:srgbClr val="FFFFFF"/>
+              </a:solidFill>
+            </a:endParaRPr>
+          </a:p>
+          <a:p>
+            <a:pPr marL="148590" defTabSz="914400">
+              <a:spcBef>
+                <a:spcPts val="1570"/>
+              </a:spcBef>
+              <a:buClr>
+                <a:schemeClr val="accent1"/>
+              </a:buClr>
+              <a:buFont typeface="Calibri" panose="020F0502020204030204" pitchFamily="34" charset="0"/>
+              <a:tabLst>
+                <a:tab pos="558165" algn="l"/>
+              </a:tabLst>
+            </a:pPr>
+            <a:r>
+              <a:rPr lang="en-US" sz="1300" dirty="0">
+                <a:solidFill>
+                  <a:srgbClr val="FFFFFF"/>
+                </a:solidFill>
+              </a:rPr>
+              <a:t>❏	</a:t>
+            </a:r>
+            <a:r>
+              <a:rPr lang="en-US" sz="1300" spc="35" dirty="0">
+                <a:solidFill>
+                  <a:srgbClr val="FFFFFF"/>
+                </a:solidFill>
+              </a:rPr>
+              <a:t>Control</a:t>
+            </a:r>
+            <a:r>
+              <a:rPr lang="en-US" sz="1300" spc="-70" dirty="0">
+                <a:solidFill>
+                  <a:srgbClr val="FFFFFF"/>
+                </a:solidFill>
+              </a:rPr>
+              <a:t>;</a:t>
+            </a:r>
+            <a:endParaRPr lang="en-US" sz="1300" dirty="0">
+              <a:solidFill>
+                <a:srgbClr val="FFFFFF"/>
+              </a:solidFill>
+            </a:endParaRPr>
+          </a:p>
+          <a:p>
+            <a:pPr marL="605790" defTabSz="914400">
+              <a:buClr>
+                <a:schemeClr val="accent1"/>
+              </a:buClr>
+              <a:buFont typeface="Calibri" panose="020F0502020204030204" pitchFamily="34" charset="0"/>
+              <a:tabLst>
+                <a:tab pos="1015365" algn="l"/>
+              </a:tabLst>
+            </a:pPr>
+            <a:r>
+              <a:rPr lang="en-US" sz="1300" dirty="0">
+                <a:solidFill>
+                  <a:srgbClr val="FFFFFF"/>
+                </a:solidFill>
+              </a:rPr>
+              <a:t>❏	</a:t>
+            </a:r>
+            <a:r>
+              <a:rPr lang="en-US" sz="1300" spc="-35" dirty="0">
+                <a:solidFill>
+                  <a:srgbClr val="FFFFFF"/>
+                </a:solidFill>
+              </a:rPr>
+              <a:t>4</a:t>
+            </a:r>
+            <a:r>
+              <a:rPr lang="en-US" sz="1300" spc="20" dirty="0">
+                <a:solidFill>
+                  <a:srgbClr val="FFFFFF"/>
+                </a:solidFill>
+              </a:rPr>
+              <a:t> </a:t>
+            </a:r>
+            <a:r>
+              <a:rPr lang="en-US" sz="1300" spc="-25" dirty="0">
+                <a:solidFill>
+                  <a:srgbClr val="FFFFFF"/>
+                </a:solidFill>
+              </a:rPr>
+              <a:t>NAND</a:t>
+            </a:r>
+            <a:r>
+              <a:rPr lang="en-US" sz="1300" spc="25" dirty="0">
+                <a:solidFill>
+                  <a:srgbClr val="FFFFFF"/>
+                </a:solidFill>
+              </a:rPr>
+              <a:t> </a:t>
+            </a:r>
+            <a:r>
+              <a:rPr lang="en-US" sz="1300" spc="35" dirty="0">
+                <a:solidFill>
+                  <a:srgbClr val="FFFFFF"/>
+                </a:solidFill>
+              </a:rPr>
+              <a:t>gates,</a:t>
+            </a:r>
+            <a:r>
+              <a:rPr lang="en-US" sz="1300" spc="25" dirty="0">
+                <a:solidFill>
+                  <a:srgbClr val="FFFFFF"/>
+                </a:solidFill>
+              </a:rPr>
+              <a:t> </a:t>
+            </a:r>
+            <a:r>
+              <a:rPr lang="en-US" sz="1300" spc="-95" dirty="0">
+                <a:solidFill>
+                  <a:srgbClr val="FFFFFF"/>
+                </a:solidFill>
+              </a:rPr>
+              <a:t>1</a:t>
+            </a:r>
+            <a:r>
+              <a:rPr lang="en-US" sz="1300" spc="20" dirty="0">
+                <a:solidFill>
+                  <a:srgbClr val="FFFFFF"/>
+                </a:solidFill>
+              </a:rPr>
+              <a:t> </a:t>
+            </a:r>
+            <a:r>
+              <a:rPr lang="en-US" sz="1300" spc="-25" dirty="0">
+                <a:solidFill>
+                  <a:srgbClr val="FFFFFF"/>
+                </a:solidFill>
+              </a:rPr>
+              <a:t>NOR</a:t>
+            </a:r>
+            <a:r>
+              <a:rPr lang="en-US" sz="1300" spc="25" dirty="0">
+                <a:solidFill>
+                  <a:srgbClr val="FFFFFF"/>
+                </a:solidFill>
+              </a:rPr>
+              <a:t> </a:t>
+            </a:r>
+            <a:r>
+              <a:rPr lang="en-US" sz="1300" spc="50" dirty="0">
+                <a:solidFill>
+                  <a:srgbClr val="FFFFFF"/>
+                </a:solidFill>
+              </a:rPr>
+              <a:t>gate</a:t>
+            </a:r>
+          </a:p>
+          <a:p>
+            <a:pPr marL="605790" defTabSz="914400">
+              <a:buClr>
+                <a:schemeClr val="accent1"/>
+              </a:buClr>
+              <a:tabLst>
+                <a:tab pos="1015365" algn="l"/>
+              </a:tabLst>
+            </a:pPr>
+            <a:r>
+              <a:rPr lang="en-US" sz="1300" dirty="0">
+                <a:solidFill>
+                  <a:srgbClr val="FFFFFF"/>
+                </a:solidFill>
+              </a:rPr>
+              <a:t>❏	</a:t>
+            </a:r>
+            <a:r>
+              <a:rPr lang="en-US" sz="1300" spc="-35" dirty="0">
+                <a:solidFill>
+                  <a:srgbClr val="FFFFFF"/>
+                </a:solidFill>
+              </a:rPr>
+              <a:t>1 Memoria síncrona</a:t>
+            </a:r>
+            <a:endParaRPr lang="en-US" sz="1300" dirty="0">
+              <a:solidFill>
+                <a:srgbClr val="FFFFFF"/>
+              </a:solidFill>
+            </a:endParaRPr>
+          </a:p>
+          <a:p>
+            <a:pPr marL="148590" defTabSz="914400">
+              <a:spcBef>
+                <a:spcPts val="5"/>
+              </a:spcBef>
+              <a:buClr>
+                <a:schemeClr val="accent1"/>
+              </a:buClr>
+              <a:buFont typeface="Calibri" panose="020F0502020204030204" pitchFamily="34" charset="0"/>
+              <a:tabLst>
+                <a:tab pos="558165" algn="l"/>
+              </a:tabLst>
+            </a:pPr>
+            <a:r>
+              <a:rPr lang="en-US" sz="1300" dirty="0">
+                <a:solidFill>
+                  <a:srgbClr val="FFFFFF"/>
+                </a:solidFill>
+              </a:rPr>
+              <a:t>❏	</a:t>
+            </a:r>
+            <a:r>
+              <a:rPr lang="en-US" sz="1300" b="1" dirty="0">
+                <a:solidFill>
+                  <a:schemeClr val="tx1">
+                    <a:lumMod val="95000"/>
+                    <a:lumOff val="5000"/>
+                  </a:schemeClr>
+                </a:solidFill>
+              </a:rPr>
+              <a:t>ParReg_8bit</a:t>
+            </a:r>
+            <a:r>
+              <a:rPr lang="en-US" sz="1300" spc="20" dirty="0">
+                <a:solidFill>
+                  <a:srgbClr val="FFFFFF"/>
+                </a:solidFill>
+              </a:rPr>
+              <a:t>;</a:t>
+            </a:r>
+          </a:p>
+          <a:p>
+            <a:pPr marL="148590" defTabSz="914400">
+              <a:spcBef>
+                <a:spcPts val="5"/>
+              </a:spcBef>
+              <a:buClr>
+                <a:schemeClr val="accent1"/>
+              </a:buClr>
+              <a:tabLst>
+                <a:tab pos="558165" algn="l"/>
+              </a:tabLst>
+            </a:pPr>
+            <a:r>
+              <a:rPr lang="en-US" sz="1300" spc="20" dirty="0">
+                <a:solidFill>
+                  <a:srgbClr val="FFFFFF"/>
+                </a:solidFill>
+              </a:rPr>
+              <a:t>	</a:t>
+            </a:r>
+            <a:r>
+              <a:rPr lang="en-US" sz="1300" dirty="0">
+                <a:solidFill>
+                  <a:srgbClr val="FFFFFF"/>
+                </a:solidFill>
+              </a:rPr>
+              <a:t>❏	8 AND, 1 para </a:t>
+            </a:r>
+            <a:r>
+              <a:rPr lang="en-US" sz="1300" dirty="0" err="1">
+                <a:solidFill>
+                  <a:srgbClr val="FFFFFF"/>
+                </a:solidFill>
+              </a:rPr>
+              <a:t>cada</a:t>
+            </a:r>
+            <a:r>
+              <a:rPr lang="en-US" sz="1300" dirty="0">
+                <a:solidFill>
+                  <a:srgbClr val="FFFFFF"/>
+                </a:solidFill>
+              </a:rPr>
+              <a:t> bit</a:t>
+            </a:r>
+          </a:p>
+          <a:p>
+            <a:pPr marL="148590" defTabSz="914400">
+              <a:spcBef>
+                <a:spcPts val="5"/>
+              </a:spcBef>
+              <a:buClr>
+                <a:schemeClr val="accent1"/>
+              </a:buClr>
+              <a:tabLst>
+                <a:tab pos="558165" algn="l"/>
+              </a:tabLst>
+            </a:pPr>
+            <a:endParaRPr lang="en-US" sz="1300" dirty="0">
+              <a:solidFill>
+                <a:srgbClr val="FFFFFF"/>
+              </a:solidFill>
+            </a:endParaRPr>
+          </a:p>
+          <a:p>
+            <a:pPr marL="148590" defTabSz="914400">
+              <a:spcBef>
+                <a:spcPts val="5"/>
+              </a:spcBef>
+              <a:buClr>
+                <a:schemeClr val="accent1"/>
+              </a:buClr>
+              <a:tabLst>
+                <a:tab pos="558165" algn="l"/>
+              </a:tabLst>
+            </a:pPr>
+            <a:r>
+              <a:rPr lang="en-US" sz="1300" dirty="0">
+                <a:solidFill>
+                  <a:srgbClr val="FFFFFF"/>
+                </a:solidFill>
+              </a:rPr>
+              <a:t>❏	</a:t>
+            </a:r>
+            <a:r>
+              <a:rPr lang="en-US" sz="1300" spc="15" dirty="0">
+                <a:solidFill>
+                  <a:srgbClr val="FFFFFF"/>
+                </a:solidFill>
+              </a:rPr>
+              <a:t>Flip</a:t>
+            </a:r>
+            <a:r>
+              <a:rPr lang="en-US" sz="1300" dirty="0">
+                <a:solidFill>
+                  <a:srgbClr val="FFFFFF"/>
+                </a:solidFill>
+              </a:rPr>
+              <a:t>Flop</a:t>
+            </a:r>
+            <a:r>
+              <a:rPr lang="en-US" sz="1300" spc="-40" dirty="0">
+                <a:solidFill>
+                  <a:srgbClr val="FFFFFF"/>
+                </a:solidFill>
+              </a:rPr>
+              <a:t>D;</a:t>
+            </a:r>
+            <a:endParaRPr lang="en-US" sz="1300" dirty="0">
+              <a:solidFill>
+                <a:srgbClr val="FFFFFF"/>
+              </a:solidFill>
+            </a:endParaRPr>
+          </a:p>
+          <a:p>
+            <a:pPr marL="148590" defTabSz="914400">
+              <a:spcBef>
+                <a:spcPts val="5"/>
+              </a:spcBef>
+              <a:buClr>
+                <a:schemeClr val="accent1"/>
+              </a:buClr>
+              <a:buFont typeface="Calibri" panose="020F0502020204030204" pitchFamily="34" charset="0"/>
+              <a:tabLst>
+                <a:tab pos="558165" algn="l"/>
+              </a:tabLst>
+            </a:pPr>
+            <a:r>
+              <a:rPr lang="en-US" sz="1300" dirty="0">
+                <a:solidFill>
+                  <a:srgbClr val="FFFFFF"/>
+                </a:solidFill>
+              </a:rPr>
+              <a:t>❏	</a:t>
+            </a:r>
+            <a:r>
+              <a:rPr lang="en-US" sz="1300" b="1" dirty="0">
+                <a:solidFill>
+                  <a:schemeClr val="tx1">
+                    <a:lumMod val="95000"/>
+                    <a:lumOff val="5000"/>
+                  </a:schemeClr>
+                </a:solidFill>
+              </a:rPr>
+              <a:t>GateAnd8</a:t>
+            </a:r>
+            <a:r>
+              <a:rPr lang="en-US" sz="1300" spc="20" dirty="0">
+                <a:solidFill>
+                  <a:srgbClr val="FFFFFF"/>
+                </a:solidFill>
+              </a:rPr>
+              <a:t>;</a:t>
+            </a:r>
+          </a:p>
+          <a:p>
+            <a:pPr marL="148590" defTabSz="914400">
+              <a:spcBef>
+                <a:spcPts val="5"/>
+              </a:spcBef>
+              <a:buClr>
+                <a:schemeClr val="accent1"/>
+              </a:buClr>
+              <a:tabLst>
+                <a:tab pos="558165" algn="l"/>
+              </a:tabLst>
+            </a:pPr>
+            <a:r>
+              <a:rPr lang="en-US" sz="1300" spc="20" dirty="0">
+                <a:solidFill>
+                  <a:srgbClr val="FFFFFF"/>
+                </a:solidFill>
+              </a:rPr>
+              <a:t>	</a:t>
+            </a:r>
+            <a:r>
+              <a:rPr lang="en-US" sz="1300" dirty="0">
+                <a:solidFill>
+                  <a:srgbClr val="FFFFFF"/>
+                </a:solidFill>
+              </a:rPr>
+              <a:t>❏	8 FlipFlopD</a:t>
+            </a:r>
+          </a:p>
+          <a:p>
+            <a:pPr marL="148590" defTabSz="914400">
+              <a:spcBef>
+                <a:spcPts val="5"/>
+              </a:spcBef>
+              <a:buClr>
+                <a:schemeClr val="accent1"/>
+              </a:buClr>
+              <a:tabLst>
+                <a:tab pos="558165" algn="l"/>
+              </a:tabLst>
+            </a:pPr>
+            <a:endParaRPr lang="en-US" sz="1300" dirty="0">
+              <a:solidFill>
+                <a:srgbClr val="FFFFFF"/>
+              </a:solidFill>
+            </a:endParaRPr>
+          </a:p>
+          <a:p>
+            <a:pPr marL="148590" defTabSz="914400">
+              <a:spcBef>
+                <a:spcPts val="5"/>
+              </a:spcBef>
+              <a:buClr>
+                <a:schemeClr val="accent1"/>
+              </a:buClr>
+              <a:tabLst>
+                <a:tab pos="558165" algn="l"/>
+              </a:tabLst>
+            </a:pPr>
+            <a:endParaRPr lang="en-US" sz="1300" dirty="0">
+              <a:solidFill>
+                <a:srgbClr val="FFFFFF"/>
+              </a:solidFill>
+            </a:endParaRPr>
+          </a:p>
+          <a:p>
+            <a:pPr marL="148590" defTabSz="914400">
+              <a:spcBef>
+                <a:spcPts val="5"/>
+              </a:spcBef>
+              <a:buClr>
+                <a:schemeClr val="accent1"/>
+              </a:buClr>
+              <a:buFont typeface="Calibri" panose="020F0502020204030204" pitchFamily="34" charset="0"/>
+              <a:tabLst>
+                <a:tab pos="558165" algn="l"/>
+              </a:tabLst>
+            </a:pPr>
+            <a:r>
+              <a:rPr lang="en-US" sz="1300" dirty="0">
+                <a:solidFill>
+                  <a:srgbClr val="FFFFFF"/>
+                </a:solidFill>
+              </a:rPr>
+              <a:t>❏	GateXor8</a:t>
+            </a:r>
+            <a:r>
+              <a:rPr lang="en-US" sz="1300" spc="20" dirty="0">
+                <a:solidFill>
+                  <a:srgbClr val="FFFFFF"/>
+                </a:solidFill>
+              </a:rPr>
+              <a:t>;</a:t>
+            </a:r>
+          </a:p>
+          <a:p>
+            <a:pPr marL="148590" defTabSz="914400">
+              <a:spcBef>
+                <a:spcPts val="5"/>
+              </a:spcBef>
+              <a:buClr>
+                <a:schemeClr val="accent1"/>
+              </a:buClr>
+              <a:tabLst>
+                <a:tab pos="558165" algn="l"/>
+              </a:tabLst>
+            </a:pPr>
+            <a:r>
+              <a:rPr lang="en-US" sz="1300" spc="20" dirty="0">
+                <a:solidFill>
+                  <a:srgbClr val="FFFFFF"/>
+                </a:solidFill>
+              </a:rPr>
+              <a:t>	</a:t>
+            </a:r>
+            <a:r>
+              <a:rPr lang="en-US" sz="1300" dirty="0">
+                <a:solidFill>
+                  <a:srgbClr val="FFFFFF"/>
+                </a:solidFill>
+              </a:rPr>
+              <a:t>❏	8 XORs, comparando o </a:t>
+            </a:r>
+            <a:r>
+              <a:rPr lang="en-US" sz="1300" b="1" dirty="0">
+                <a:solidFill>
+                  <a:schemeClr val="tx1">
+                    <a:lumMod val="95000"/>
+                    <a:lumOff val="5000"/>
+                  </a:schemeClr>
+                </a:solidFill>
+              </a:rPr>
+              <a:t>ParReg_8bit</a:t>
+            </a:r>
+            <a:r>
+              <a:rPr lang="en-US" sz="1300" b="1" spc="20" dirty="0">
+                <a:solidFill>
+                  <a:schemeClr val="tx1">
+                    <a:lumMod val="95000"/>
+                    <a:lumOff val="5000"/>
+                  </a:schemeClr>
+                </a:solidFill>
+              </a:rPr>
+              <a:t> </a:t>
+            </a:r>
+            <a:r>
+              <a:rPr lang="en-US" sz="1300" spc="20" dirty="0">
+                <a:solidFill>
+                  <a:srgbClr val="FFFFFF"/>
+                </a:solidFill>
+              </a:rPr>
+              <a:t>com 		</a:t>
+            </a:r>
+            <a:r>
+              <a:rPr lang="en-US" sz="1300" b="1" dirty="0">
+                <a:solidFill>
+                  <a:schemeClr val="tx1">
+                    <a:lumMod val="95000"/>
+                    <a:lumOff val="5000"/>
+                  </a:schemeClr>
+                </a:solidFill>
+              </a:rPr>
+              <a:t>GateAnd8</a:t>
+            </a:r>
+            <a:r>
+              <a:rPr lang="en-US" sz="1300" spc="20" dirty="0">
+                <a:solidFill>
+                  <a:srgbClr val="FFFFFF"/>
+                </a:solidFill>
+              </a:rPr>
+              <a:t>;</a:t>
+            </a:r>
+          </a:p>
+          <a:p>
+            <a:pPr marL="148590" defTabSz="914400">
+              <a:spcBef>
+                <a:spcPts val="5"/>
+              </a:spcBef>
+              <a:buClr>
+                <a:schemeClr val="accent1"/>
+              </a:buClr>
+              <a:tabLst>
+                <a:tab pos="558165" algn="l"/>
+              </a:tabLst>
+            </a:pPr>
+            <a:endParaRPr lang="en-US" sz="1300" spc="20" dirty="0">
+              <a:solidFill>
+                <a:srgbClr val="FFFFFF"/>
+              </a:solidFill>
+            </a:endParaRPr>
+          </a:p>
+          <a:p>
+            <a:pPr marL="148590" defTabSz="914400">
+              <a:spcBef>
+                <a:spcPts val="5"/>
+              </a:spcBef>
+              <a:buClr>
+                <a:schemeClr val="accent1"/>
+              </a:buClr>
+              <a:buFont typeface="Calibri" panose="020F0502020204030204" pitchFamily="34" charset="0"/>
+              <a:tabLst>
+                <a:tab pos="558165" algn="l"/>
+              </a:tabLst>
+            </a:pPr>
+            <a:r>
+              <a:rPr lang="en-US" sz="1300" dirty="0">
+                <a:solidFill>
+                  <a:srgbClr val="FFFFFF"/>
+                </a:solidFill>
+              </a:rPr>
+              <a:t>❏	ParReg_8bitFinal;</a:t>
+            </a:r>
+          </a:p>
+          <a:p>
+            <a:pPr marL="148590" defTabSz="914400">
+              <a:spcBef>
+                <a:spcPts val="5"/>
+              </a:spcBef>
+              <a:buClr>
+                <a:schemeClr val="accent1"/>
+              </a:buClr>
+              <a:tabLst>
+                <a:tab pos="558165" algn="l"/>
+              </a:tabLst>
+            </a:pPr>
+            <a:r>
+              <a:rPr lang="en-US" sz="1300" dirty="0">
+                <a:solidFill>
+                  <a:srgbClr val="FFFFFF"/>
+                </a:solidFill>
+              </a:rPr>
+              <a:t>	❏	8 FlipFlopD, 1 para </a:t>
+            </a:r>
+            <a:r>
+              <a:rPr lang="en-US" sz="1300" dirty="0" err="1">
+                <a:solidFill>
+                  <a:srgbClr val="FFFFFF"/>
+                </a:solidFill>
+              </a:rPr>
+              <a:t>cada</a:t>
+            </a:r>
+            <a:r>
+              <a:rPr lang="en-US" sz="1300" dirty="0">
+                <a:solidFill>
+                  <a:srgbClr val="FFFFFF"/>
+                </a:solidFill>
+              </a:rPr>
+              <a:t> bit</a:t>
+            </a:r>
+          </a:p>
+          <a:p>
+            <a:pPr marL="148590" defTabSz="914400">
+              <a:spcBef>
+                <a:spcPts val="5"/>
+              </a:spcBef>
+              <a:buClr>
+                <a:schemeClr val="accent1"/>
+              </a:buClr>
+              <a:tabLst>
+                <a:tab pos="558165" algn="l"/>
+              </a:tabLst>
+            </a:pPr>
+            <a:endParaRPr lang="en-US" sz="1300" dirty="0">
+              <a:solidFill>
+                <a:srgbClr val="FFFFFF"/>
+              </a:solidFill>
+            </a:endParaRPr>
+          </a:p>
+          <a:p>
+            <a:pPr marL="148590" defTabSz="914400">
+              <a:spcBef>
+                <a:spcPts val="5"/>
+              </a:spcBef>
+              <a:buClr>
+                <a:schemeClr val="accent1"/>
+              </a:buClr>
+              <a:buFont typeface="Calibri" panose="020F0502020204030204" pitchFamily="34" charset="0"/>
+              <a:tabLst>
+                <a:tab pos="558165" algn="l"/>
+              </a:tabLst>
+            </a:pPr>
+            <a:r>
+              <a:rPr lang="en-US" sz="1300" dirty="0">
+                <a:solidFill>
+                  <a:srgbClr val="FFFFFF"/>
+                </a:solidFill>
+              </a:rPr>
+              <a:t>❏	</a:t>
+            </a:r>
+            <a:r>
+              <a:rPr lang="en-US" sz="1300" dirty="0" err="1">
+                <a:solidFill>
+                  <a:srgbClr val="FFFFFF"/>
+                </a:solidFill>
+              </a:rPr>
+              <a:t>ValidOutput</a:t>
+            </a:r>
+            <a:r>
+              <a:rPr lang="en-US" sz="1300" dirty="0">
+                <a:solidFill>
+                  <a:srgbClr val="FFFFFF"/>
+                </a:solidFill>
+              </a:rPr>
+              <a:t>;</a:t>
+            </a:r>
+          </a:p>
+          <a:p>
+            <a:pPr marL="148590" defTabSz="914400">
+              <a:spcBef>
+                <a:spcPts val="5"/>
+              </a:spcBef>
+              <a:buClr>
+                <a:schemeClr val="accent1"/>
+              </a:buClr>
+              <a:buFont typeface="Calibri" panose="020F0502020204030204" pitchFamily="34" charset="0"/>
+              <a:tabLst>
+                <a:tab pos="558165" algn="l"/>
+              </a:tabLst>
+            </a:pPr>
+            <a:r>
+              <a:rPr lang="en-US" sz="1300" dirty="0">
+                <a:solidFill>
+                  <a:srgbClr val="FFFFFF"/>
+                </a:solidFill>
+              </a:rPr>
+              <a:t>	❏	1 AND </a:t>
+            </a:r>
+            <a:r>
+              <a:rPr lang="en-US" sz="1300" dirty="0" err="1">
+                <a:solidFill>
+                  <a:srgbClr val="FFFFFF"/>
+                </a:solidFill>
+              </a:rPr>
+              <a:t>seguido</a:t>
+            </a:r>
+            <a:r>
+              <a:rPr lang="en-US" sz="1300" dirty="0">
+                <a:solidFill>
+                  <a:srgbClr val="FFFFFF"/>
+                </a:solidFill>
+              </a:rPr>
+              <a:t> de 1 OR</a:t>
+            </a:r>
+          </a:p>
+          <a:p>
+            <a:pPr marL="12700" defTabSz="914400">
+              <a:spcBef>
+                <a:spcPts val="1575"/>
+              </a:spcBef>
+              <a:buClr>
+                <a:schemeClr val="accent1"/>
+              </a:buClr>
+              <a:buFont typeface="Calibri" panose="020F0502020204030204" pitchFamily="34" charset="0"/>
+              <a:tabLst>
+                <a:tab pos="558165" algn="l"/>
+              </a:tabLst>
+            </a:pPr>
+            <a:r>
+              <a:rPr lang="en-US" sz="1300" dirty="0">
+                <a:solidFill>
+                  <a:srgbClr val="FFFFFF"/>
+                </a:solidFill>
+                <a:highlight>
+                  <a:srgbClr val="FFFF00"/>
+                </a:highlight>
+              </a:rPr>
+              <a:t>❏	</a:t>
+            </a:r>
+            <a:r>
+              <a:rPr lang="en-US" sz="1300" b="1" spc="30" dirty="0">
+                <a:solidFill>
+                  <a:srgbClr val="FFFFFF"/>
+                </a:solidFill>
+                <a:highlight>
+                  <a:srgbClr val="FFFF00"/>
+                </a:highlight>
+              </a:rPr>
+              <a:t>Operation</a:t>
+            </a:r>
+            <a:r>
+              <a:rPr lang="en-US" sz="1300" b="1" spc="-10" dirty="0">
+                <a:solidFill>
+                  <a:srgbClr val="FFFFFF"/>
+                </a:solidFill>
+                <a:highlight>
+                  <a:srgbClr val="FFFF00"/>
+                </a:highlight>
+              </a:rPr>
+              <a:t> </a:t>
+            </a:r>
+            <a:r>
+              <a:rPr lang="en-US" sz="1300" b="1" spc="45" dirty="0">
+                <a:solidFill>
+                  <a:srgbClr val="FFFFFF"/>
+                </a:solidFill>
+                <a:highlight>
+                  <a:srgbClr val="FFFF00"/>
+                </a:highlight>
+              </a:rPr>
+              <a:t>time:</a:t>
+            </a:r>
+            <a:endParaRPr lang="en-US" sz="1300" dirty="0">
+              <a:solidFill>
+                <a:srgbClr val="FFFFFF"/>
+              </a:solidFill>
+              <a:highlight>
+                <a:srgbClr val="FFFF00"/>
+              </a:highlight>
+            </a:endParaRPr>
+          </a:p>
+          <a:p>
+            <a:pPr marL="129539" defTabSz="914400">
+              <a:spcBef>
+                <a:spcPts val="35"/>
+              </a:spcBef>
+              <a:buClr>
+                <a:schemeClr val="accent1"/>
+              </a:buClr>
+              <a:buFont typeface="Calibri" panose="020F0502020204030204" pitchFamily="34" charset="0"/>
+              <a:tabLst>
+                <a:tab pos="558165" algn="l"/>
+              </a:tabLst>
+            </a:pPr>
+            <a:r>
+              <a:rPr lang="en-US" sz="1300" dirty="0">
+                <a:solidFill>
+                  <a:srgbClr val="FFFFFF"/>
+                </a:solidFill>
+                <a:highlight>
+                  <a:srgbClr val="FFFF00"/>
+                </a:highlight>
+              </a:rPr>
+              <a:t>❏	</a:t>
+            </a:r>
+            <a:r>
+              <a:rPr lang="en-US" sz="1300" spc="-10" dirty="0">
+                <a:solidFill>
+                  <a:srgbClr val="FFFFFF"/>
+                </a:solidFill>
+                <a:highlight>
+                  <a:srgbClr val="FFFF00"/>
+                </a:highlight>
+              </a:rPr>
+              <a:t>26</a:t>
+            </a:r>
+            <a:r>
+              <a:rPr lang="en-US" sz="1300" spc="20" dirty="0">
+                <a:solidFill>
+                  <a:srgbClr val="FFFFFF"/>
+                </a:solidFill>
+                <a:highlight>
+                  <a:srgbClr val="FFFF00"/>
+                </a:highlight>
+              </a:rPr>
+              <a:t> </a:t>
+            </a:r>
+            <a:r>
+              <a:rPr lang="en-US" sz="1300" spc="50" dirty="0">
+                <a:solidFill>
+                  <a:srgbClr val="FFFFFF"/>
+                </a:solidFill>
+                <a:highlight>
+                  <a:srgbClr val="FFFF00"/>
+                </a:highlight>
+              </a:rPr>
+              <a:t>clock</a:t>
+            </a:r>
+            <a:r>
+              <a:rPr lang="en-US" sz="1300" spc="20" dirty="0">
+                <a:solidFill>
+                  <a:srgbClr val="FFFFFF"/>
+                </a:solidFill>
+                <a:highlight>
+                  <a:srgbClr val="FFFF00"/>
+                </a:highlight>
+              </a:rPr>
+              <a:t> </a:t>
+            </a:r>
+            <a:r>
+              <a:rPr lang="en-US" sz="1300" spc="55" dirty="0">
+                <a:solidFill>
+                  <a:srgbClr val="FFFFFF"/>
+                </a:solidFill>
+                <a:highlight>
+                  <a:srgbClr val="FFFF00"/>
+                </a:highlight>
+              </a:rPr>
+              <a:t>cycles</a:t>
+            </a:r>
+            <a:r>
+              <a:rPr lang="en-US" sz="1300" spc="20" dirty="0">
+                <a:solidFill>
+                  <a:srgbClr val="FFFFFF"/>
+                </a:solidFill>
+                <a:highlight>
+                  <a:srgbClr val="FFFF00"/>
+                </a:highlight>
+              </a:rPr>
+              <a:t> </a:t>
+            </a:r>
+            <a:r>
+              <a:rPr lang="en-US" sz="1300" spc="-85" dirty="0">
+                <a:solidFill>
+                  <a:srgbClr val="FFFFFF"/>
+                </a:solidFill>
+                <a:highlight>
+                  <a:srgbClr val="FFFF00"/>
+                </a:highlight>
+              </a:rPr>
+              <a:t>(24+2);</a:t>
+            </a:r>
+            <a:endParaRPr lang="en-US" sz="1300" dirty="0">
+              <a:solidFill>
+                <a:srgbClr val="FFFFFF"/>
+              </a:solidFill>
+              <a:highlight>
+                <a:srgbClr val="FFFF00"/>
+              </a:highlight>
+            </a:endParaRPr>
+          </a:p>
+        </p:txBody>
+      </p:sp>
+      <p:sp>
+        <p:nvSpPr>
+          <p:cNvPr id="16" name="Rectangle 15">
+            <a:extLst>
+              <a:ext uri="{FF2B5EF4-FFF2-40B4-BE49-F238E27FC236}">
+                <a16:creationId xmlns:a16="http://schemas.microsoft.com/office/drawing/2014/main" id="{53B8D6B0-55D6-48DC-86D8-FD95D5F118AB}"/>
+              </a:ext>
+              <a:ext uri="{C183D7F6-B498-43B3-948B-1728B52AA6E4}">
+                <adec:decorative xmlns:adec="http://schemas.microsoft.com/office/drawing/2017/decorative" val="1"/>
+              </a:ext>
+            </a:extLst>
+          </p:cNvPr>
+          <p:cNvSpPr>
+            <a:spLocks noGrp="1" noRot="1" noChangeAspect="1" noMove="1" noResize="1" noEditPoints="1" noAdjustHandles="1" noChangeArrowheads="1" noChangeShapeType="1" noTextEdit="1"/>
+          </p:cNvSpPr>
+          <p:nvPr>
+            <p:extLst>
+              <p:ext uri="{386F3935-93C4-4BCD-93E2-E3B085C9AB24}">
+                <p16:designElem xmlns:p16="http://schemas.microsoft.com/office/powerpoint/2015/main" val="1"/>
+              </p:ext>
+            </p:extLst>
+          </p:nvPr>
+        </p:nvSpPr>
+        <p:spPr>
+          <a:xfrm>
+            <a:off x="4040071" y="0"/>
+            <a:ext cx="64008" cy="6858000"/>
+          </a:xfrm>
+          <a:prstGeom prst="rect">
+            <a:avLst/>
+          </a:prstGeom>
+          <a:solidFill>
+            <a:schemeClr val="accent1"/>
+          </a:solidFill>
+          <a:ln>
+            <a:noFill/>
+          </a:ln>
+        </p:spPr>
+        <p:style>
+          <a:lnRef idx="2">
+            <a:schemeClr val="accent1">
+              <a:shade val="50000"/>
+            </a:schemeClr>
+          </a:lnRef>
+          <a:fillRef idx="1">
+            <a:schemeClr val="accent1"/>
+          </a:fillRef>
+          <a:effectRef idx="0">
+            <a:schemeClr val="accent1"/>
+          </a:effectRef>
+          <a:fontRef idx="minor">
+            <a:schemeClr val="lt1"/>
+          </a:fontRef>
+        </p:style>
+      </p:sp>
+      <p:pic>
+        <p:nvPicPr>
+          <p:cNvPr id="7" name="Picture 6">
+            <a:extLst>
+              <a:ext uri="{FF2B5EF4-FFF2-40B4-BE49-F238E27FC236}">
+                <a16:creationId xmlns:a16="http://schemas.microsoft.com/office/drawing/2014/main" id="{8C76CEDA-0A93-C190-3DB0-7A657F3EE454}"/>
+              </a:ext>
+            </a:extLst>
+          </p:cNvPr>
+          <p:cNvPicPr>
+            <a:picLocks noChangeAspect="1"/>
+          </p:cNvPicPr>
+          <p:nvPr/>
+        </p:nvPicPr>
+        <p:blipFill rotWithShape="1">
+          <a:blip r:embed="rId2"/>
+          <a:srcRect r="812"/>
+          <a:stretch/>
+        </p:blipFill>
+        <p:spPr>
+          <a:xfrm>
+            <a:off x="4128189" y="2999700"/>
+            <a:ext cx="8031889" cy="3324900"/>
+          </a:xfrm>
+          <a:prstGeom prst="rect">
+            <a:avLst/>
+          </a:prstGeom>
+        </p:spPr>
+      </p:pic>
+      <p:sp>
+        <p:nvSpPr>
+          <p:cNvPr id="5" name="object 5"/>
+          <p:cNvSpPr txBox="1">
+            <a:spLocks noGrp="1"/>
+          </p:cNvSpPr>
+          <p:nvPr>
+            <p:ph type="sldNum" sz="quarter" idx="12"/>
+          </p:nvPr>
+        </p:nvSpPr>
+        <p:spPr>
+          <a:xfrm>
+            <a:off x="9900458" y="6459785"/>
+            <a:ext cx="1312025" cy="365125"/>
+          </a:xfrm>
+          <a:prstGeom prst="rect">
+            <a:avLst/>
+          </a:prstGeom>
+        </p:spPr>
+        <p:txBody>
+          <a:bodyPr vert="horz" lIns="91440" tIns="45720" rIns="91440" bIns="45720" rtlCol="0" anchor="ctr">
+            <a:normAutofit/>
+          </a:bodyPr>
+          <a:lstStyle/>
+          <a:p>
+            <a:pPr defTabSz="914400">
+              <a:spcAft>
+                <a:spcPts val="600"/>
+              </a:spcAft>
+            </a:pPr>
+            <a:fld id="{81D60167-4931-47E6-BA6A-407CBD079E47}" type="slidenum">
+              <a:rPr lang="en-US">
+                <a:solidFill>
+                  <a:schemeClr val="tx2"/>
+                </a:solidFill>
+              </a:rPr>
+              <a:pPr defTabSz="914400">
+                <a:spcAft>
+                  <a:spcPts val="600"/>
+                </a:spcAft>
+              </a:pPr>
+              <a:t>12</a:t>
+            </a:fld>
+            <a:endParaRPr lang="en-US">
+              <a:solidFill>
+                <a:schemeClr val="tx2"/>
+              </a:solidFill>
+            </a:endParaRPr>
+          </a:p>
+        </p:txBody>
+      </p:sp>
+      <p:pic>
+        <p:nvPicPr>
+          <p:cNvPr id="11" name="Picture 10">
+            <a:extLst>
+              <a:ext uri="{FF2B5EF4-FFF2-40B4-BE49-F238E27FC236}">
+                <a16:creationId xmlns:a16="http://schemas.microsoft.com/office/drawing/2014/main" id="{C3252F31-CFA2-A7AA-19AB-4C404984F1B3}"/>
+              </a:ext>
+            </a:extLst>
+          </p:cNvPr>
+          <p:cNvPicPr>
+            <a:picLocks noChangeAspect="1"/>
+          </p:cNvPicPr>
+          <p:nvPr/>
+        </p:nvPicPr>
+        <p:blipFill>
+          <a:blip r:embed="rId3"/>
+          <a:stretch>
+            <a:fillRect/>
+          </a:stretch>
+        </p:blipFill>
+        <p:spPr>
+          <a:xfrm>
+            <a:off x="4666363" y="1453700"/>
+            <a:ext cx="7003387" cy="1478408"/>
+          </a:xfrm>
+          <a:prstGeom prst="rect">
+            <a:avLst/>
+          </a:prstGeom>
+        </p:spPr>
+      </p:pic>
+    </p:spTree>
+  </p:cSld>
+  <p:clrMapOvr>
+    <a:masterClrMapping/>
+  </p:clrMapOvr>
+</p:sld>
+</file>
+
+<file path=ppt/slides/slide2.xml><?xml version="1.0" encoding="utf-8"?>
+<p:sld xmlns:a="http://schemas.openxmlformats.org/drawingml/2006/main" xmlns:r="http://schemas.openxmlformats.org/officeDocument/2006/relationships" xmlns:p="http://schemas.openxmlformats.org/presentationml/2006/main">
+  <p:cSld>
+    <p:spTree>
+      <p:nvGrpSpPr>
+        <p:cNvPr id="1" name=""/>
+        <p:cNvGrpSpPr/>
+        <p:nvPr/>
+      </p:nvGrpSpPr>
+      <p:grpSpPr>
+        <a:xfrm>
+          <a:off x="0" y="0"/>
+          <a:ext cx="0" cy="0"/>
+          <a:chOff x="0" y="0"/>
+          <a:chExt cx="0" cy="0"/>
+        </a:xfrm>
+      </p:grpSpPr>
+      <p:sp>
+        <p:nvSpPr>
+          <p:cNvPr id="2" name="Título 1">
+            <a:extLst>
+              <a:ext uri="{FF2B5EF4-FFF2-40B4-BE49-F238E27FC236}">
+                <a16:creationId xmlns:a16="http://schemas.microsoft.com/office/drawing/2014/main" id="{45D0293C-E155-BF1A-643A-1693BD96AAE3}"/>
+              </a:ext>
+            </a:extLst>
+          </p:cNvPr>
+          <p:cNvSpPr>
+            <a:spLocks noGrp="1"/>
+          </p:cNvSpPr>
+          <p:nvPr>
+            <p:ph type="title"/>
+          </p:nvPr>
+        </p:nvSpPr>
+        <p:spPr/>
+        <p:txBody>
+          <a:bodyPr/>
+          <a:lstStyle/>
+          <a:p>
+            <a:r>
+              <a:rPr lang="pt-PT" dirty="0">
+                <a:cs typeface="Calibri Light"/>
+              </a:rPr>
+              <a:t>Descodificador em paralelo</a:t>
+            </a:r>
+            <a:endParaRPr lang="pt-PT" dirty="0"/>
+          </a:p>
+        </p:txBody>
+      </p:sp>
+      <p:sp>
+        <p:nvSpPr>
+          <p:cNvPr id="3" name="Marcador de Posição de Conteúdo 2">
+            <a:extLst>
+              <a:ext uri="{FF2B5EF4-FFF2-40B4-BE49-F238E27FC236}">
+                <a16:creationId xmlns:a16="http://schemas.microsoft.com/office/drawing/2014/main" id="{D7020BCA-4D31-60F0-9789-B3B581F6C3CE}"/>
+              </a:ext>
+            </a:extLst>
+          </p:cNvPr>
+          <p:cNvSpPr>
+            <a:spLocks noGrp="1"/>
+          </p:cNvSpPr>
+          <p:nvPr>
+            <p:ph idx="1"/>
+          </p:nvPr>
+        </p:nvSpPr>
+        <p:spPr/>
+        <p:txBody>
+          <a:bodyPr vert="horz" lIns="0" tIns="45720" rIns="0" bIns="45720" rtlCol="0" anchor="t">
+            <a:normAutofit/>
+          </a:bodyPr>
+          <a:lstStyle/>
+          <a:p>
+            <a:r>
+              <a:rPr lang="pt-PT" dirty="0">
+                <a:cs typeface="Calibri"/>
+              </a:rPr>
+              <a:t>É composto principalmente por 3 tipos blocos</a:t>
+            </a:r>
+            <a:endParaRPr lang="pt-PT" dirty="0"/>
+          </a:p>
+        </p:txBody>
+      </p:sp>
+      <p:pic>
+        <p:nvPicPr>
+          <p:cNvPr id="4" name="Imagem 4" descr="Uma imagem com texto&#10;&#10;Descrição gerada automaticamente">
+            <a:extLst>
+              <a:ext uri="{FF2B5EF4-FFF2-40B4-BE49-F238E27FC236}">
+                <a16:creationId xmlns:a16="http://schemas.microsoft.com/office/drawing/2014/main" id="{7E8573AC-6148-AFCD-0754-64946BEFCC7D}"/>
+              </a:ext>
+            </a:extLst>
+          </p:cNvPr>
+          <p:cNvPicPr>
+            <a:picLocks noChangeAspect="1"/>
+          </p:cNvPicPr>
+          <p:nvPr/>
+        </p:nvPicPr>
+        <p:blipFill>
+          <a:blip r:embed="rId2"/>
+          <a:stretch>
+            <a:fillRect/>
+          </a:stretch>
+        </p:blipFill>
+        <p:spPr>
+          <a:xfrm>
+            <a:off x="8139289" y="284176"/>
+            <a:ext cx="3730977" cy="1924609"/>
+          </a:xfrm>
+          <a:prstGeom prst="rect">
+            <a:avLst/>
+          </a:prstGeom>
+        </p:spPr>
+      </p:pic>
+      <p:pic>
+        <p:nvPicPr>
+          <p:cNvPr id="5" name="Imagem 5">
+            <a:extLst>
+              <a:ext uri="{FF2B5EF4-FFF2-40B4-BE49-F238E27FC236}">
+                <a16:creationId xmlns:a16="http://schemas.microsoft.com/office/drawing/2014/main" id="{CD8A64CE-E380-049F-58B7-D5ECBC69CA17}"/>
+              </a:ext>
+            </a:extLst>
+          </p:cNvPr>
+          <p:cNvPicPr>
+            <a:picLocks noChangeAspect="1"/>
+          </p:cNvPicPr>
+          <p:nvPr/>
+        </p:nvPicPr>
+        <p:blipFill>
+          <a:blip r:embed="rId3"/>
+          <a:stretch>
+            <a:fillRect/>
+          </a:stretch>
+        </p:blipFill>
+        <p:spPr>
+          <a:xfrm>
+            <a:off x="1130770" y="3431822"/>
+            <a:ext cx="1698978" cy="2553171"/>
+          </a:xfrm>
+          <a:prstGeom prst="rect">
+            <a:avLst/>
+          </a:prstGeom>
+        </p:spPr>
+      </p:pic>
+      <p:pic>
+        <p:nvPicPr>
+          <p:cNvPr id="6" name="Imagem 6" descr="Uma imagem com texto&#10;&#10;Descrição gerada automaticamente">
+            <a:extLst>
+              <a:ext uri="{FF2B5EF4-FFF2-40B4-BE49-F238E27FC236}">
+                <a16:creationId xmlns:a16="http://schemas.microsoft.com/office/drawing/2014/main" id="{04EDEABA-71F2-868A-7E76-63C84667D9F2}"/>
+              </a:ext>
+            </a:extLst>
+          </p:cNvPr>
+          <p:cNvPicPr>
+            <a:picLocks noChangeAspect="1"/>
+          </p:cNvPicPr>
+          <p:nvPr/>
+        </p:nvPicPr>
+        <p:blipFill>
+          <a:blip r:embed="rId4"/>
+          <a:stretch>
+            <a:fillRect/>
+          </a:stretch>
+        </p:blipFill>
+        <p:spPr>
+          <a:xfrm>
+            <a:off x="4589887" y="3425407"/>
+            <a:ext cx="2056460" cy="1709930"/>
+          </a:xfrm>
+          <a:prstGeom prst="rect">
+            <a:avLst/>
+          </a:prstGeom>
+        </p:spPr>
+      </p:pic>
+      <p:pic>
+        <p:nvPicPr>
+          <p:cNvPr id="7" name="Imagem 7" descr="Uma imagem com texto&#10;&#10;Descrição gerada automaticamente">
+            <a:extLst>
+              <a:ext uri="{FF2B5EF4-FFF2-40B4-BE49-F238E27FC236}">
+                <a16:creationId xmlns:a16="http://schemas.microsoft.com/office/drawing/2014/main" id="{440D31CA-76E0-893C-F0D8-730A837ED927}"/>
+              </a:ext>
+            </a:extLst>
+          </p:cNvPr>
+          <p:cNvPicPr>
+            <a:picLocks noChangeAspect="1"/>
+          </p:cNvPicPr>
+          <p:nvPr/>
+        </p:nvPicPr>
+        <p:blipFill>
+          <a:blip r:embed="rId5"/>
+          <a:stretch>
+            <a:fillRect/>
+          </a:stretch>
+        </p:blipFill>
+        <p:spPr>
+          <a:xfrm>
+            <a:off x="8816623" y="3427684"/>
+            <a:ext cx="2743200" cy="1432560"/>
+          </a:xfrm>
+          <a:prstGeom prst="rect">
+            <a:avLst/>
+          </a:prstGeom>
+        </p:spPr>
+      </p:pic>
+      <p:sp>
+        <p:nvSpPr>
+          <p:cNvPr id="8" name="CaixaDeTexto 7">
+            <a:extLst>
+              <a:ext uri="{FF2B5EF4-FFF2-40B4-BE49-F238E27FC236}">
+                <a16:creationId xmlns:a16="http://schemas.microsoft.com/office/drawing/2014/main" id="{92CE3281-1216-E3AC-0FC7-DD5FB8379EB8}"/>
+              </a:ext>
+            </a:extLst>
+          </p:cNvPr>
+          <p:cNvSpPr txBox="1"/>
+          <p:nvPr/>
+        </p:nvSpPr>
+        <p:spPr>
+          <a:xfrm>
+            <a:off x="1006591" y="2746962"/>
+            <a:ext cx="1958974" cy="584775"/>
+          </a:xfrm>
+          <a:prstGeom prst="rect">
+            <a:avLst/>
+          </a:prstGeom>
+          <a:noFill/>
+        </p:spPr>
+        <p:txBody>
+          <a:bodyPr rot="0" spcFirstLastPara="0" vertOverflow="overflow" horzOverflow="overflow" vert="horz" wrap="square" lIns="91440" tIns="45720" rIns="91440" bIns="45720" numCol="1" spcCol="0" rtlCol="0" fromWordArt="0" anchor="t" anchorCtr="0" forceAA="0" compatLnSpc="1">
+            <a:prstTxWarp prst="textNoShape">
+              <a:avLst/>
+            </a:prstTxWarp>
+            <a:spAutoFit/>
+          </a:bodyPr>
+          <a:lstStyle/>
+          <a:p>
+            <a:pPr algn="ctr"/>
+            <a:r>
+              <a:rPr lang="pt-PT" sz="1600" dirty="0">
+                <a:cs typeface="Calibri"/>
+              </a:rPr>
+              <a:t>3 </a:t>
+            </a:r>
+            <a:r>
+              <a:rPr lang="pt-PT" sz="1600" dirty="0" err="1">
+                <a:cs typeface="Calibri"/>
+              </a:rPr>
+              <a:t>decoders</a:t>
+            </a:r>
+            <a:r>
+              <a:rPr lang="pt-PT" sz="1600" dirty="0">
+                <a:cs typeface="Calibri"/>
+              </a:rPr>
+              <a:t> para os m# bits (# = 1,2,3)</a:t>
+            </a:r>
+            <a:endParaRPr lang="pt-PT" sz="1600" dirty="0"/>
+          </a:p>
+        </p:txBody>
+      </p:sp>
+      <p:sp>
+        <p:nvSpPr>
+          <p:cNvPr id="9" name="CaixaDeTexto 8">
+            <a:extLst>
+              <a:ext uri="{FF2B5EF4-FFF2-40B4-BE49-F238E27FC236}">
+                <a16:creationId xmlns:a16="http://schemas.microsoft.com/office/drawing/2014/main" id="{80C60C72-0F5F-C0ED-E473-CA906D83FBDB}"/>
+              </a:ext>
+            </a:extLst>
+          </p:cNvPr>
+          <p:cNvSpPr txBox="1"/>
+          <p:nvPr/>
+        </p:nvSpPr>
+        <p:spPr>
+          <a:xfrm>
+            <a:off x="4298084" y="2746962"/>
+            <a:ext cx="2641805" cy="584775"/>
+          </a:xfrm>
+          <a:prstGeom prst="rect">
+            <a:avLst/>
+          </a:prstGeom>
+          <a:noFill/>
+        </p:spPr>
+        <p:txBody>
+          <a:bodyPr rot="0" spcFirstLastPara="0" vertOverflow="overflow" horzOverflow="overflow" vert="horz" wrap="square" lIns="91440" tIns="45720" rIns="91440" bIns="45720" numCol="1" spcCol="0" rtlCol="0" fromWordArt="0" anchor="t" anchorCtr="0" forceAA="0" compatLnSpc="1">
+            <a:prstTxWarp prst="textNoShape">
+              <a:avLst/>
+            </a:prstTxWarp>
+            <a:spAutoFit/>
+          </a:bodyPr>
+          <a:lstStyle/>
+          <a:p>
+            <a:pPr algn="ctr"/>
+            <a:r>
+              <a:rPr lang="pt-PT" sz="1600" dirty="0">
+                <a:cs typeface="Calibri"/>
+              </a:rPr>
+              <a:t>1 </a:t>
+            </a:r>
+            <a:r>
+              <a:rPr lang="pt-PT" sz="1600" dirty="0" err="1">
+                <a:cs typeface="Calibri"/>
+              </a:rPr>
+              <a:t>partial</a:t>
+            </a:r>
+            <a:r>
+              <a:rPr lang="pt-PT" sz="1600" dirty="0">
+                <a:cs typeface="Calibri"/>
+              </a:rPr>
+              <a:t> </a:t>
+            </a:r>
+            <a:r>
+              <a:rPr lang="pt-PT" sz="1600" dirty="0" err="1">
+                <a:cs typeface="Calibri"/>
+              </a:rPr>
+              <a:t>encoder</a:t>
+            </a:r>
+            <a:r>
+              <a:rPr lang="pt-PT" sz="1600" dirty="0">
+                <a:cs typeface="Calibri"/>
+              </a:rPr>
+              <a:t> em paralelo que deduz m4 = '0' </a:t>
+            </a:r>
+          </a:p>
+        </p:txBody>
+      </p:sp>
+      <p:sp>
+        <p:nvSpPr>
+          <p:cNvPr id="10" name="CaixaDeTexto 9">
+            <a:extLst>
+              <a:ext uri="{FF2B5EF4-FFF2-40B4-BE49-F238E27FC236}">
+                <a16:creationId xmlns:a16="http://schemas.microsoft.com/office/drawing/2014/main" id="{1F248766-18FE-6963-9728-D568D5B001F0}"/>
+              </a:ext>
+            </a:extLst>
+          </p:cNvPr>
+          <p:cNvSpPr txBox="1"/>
+          <p:nvPr/>
+        </p:nvSpPr>
+        <p:spPr>
+          <a:xfrm>
+            <a:off x="8720054" y="2746962"/>
+            <a:ext cx="2937344" cy="584775"/>
+          </a:xfrm>
+          <a:prstGeom prst="rect">
+            <a:avLst/>
+          </a:prstGeom>
+          <a:noFill/>
+        </p:spPr>
+        <p:txBody>
+          <a:bodyPr rot="0" spcFirstLastPara="0" vertOverflow="overflow" horzOverflow="overflow" vert="horz" wrap="square" lIns="91440" tIns="45720" rIns="91440" bIns="45720" numCol="1" spcCol="0" rtlCol="0" fromWordArt="0" anchor="t" anchorCtr="0" forceAA="0" compatLnSpc="1">
+            <a:prstTxWarp prst="textNoShape">
+              <a:avLst/>
+            </a:prstTxWarp>
+            <a:spAutoFit/>
+          </a:bodyPr>
+          <a:lstStyle/>
+          <a:p>
+            <a:pPr algn="ctr"/>
+            <a:r>
+              <a:rPr lang="pt-PT" sz="1600" dirty="0">
+                <a:cs typeface="Calibri"/>
+              </a:rPr>
+              <a:t>1 </a:t>
+            </a:r>
+            <a:r>
+              <a:rPr lang="pt-PT" sz="1600" dirty="0" err="1">
+                <a:cs typeface="Calibri"/>
+              </a:rPr>
+              <a:t>popcounter</a:t>
+            </a:r>
+            <a:r>
+              <a:rPr lang="pt-PT" sz="1600" dirty="0">
+                <a:cs typeface="Calibri"/>
+              </a:rPr>
+              <a:t> de 8 bits para calcular a distância de </a:t>
+            </a:r>
+            <a:r>
+              <a:rPr lang="pt-PT" sz="1600" dirty="0" err="1">
+                <a:cs typeface="Calibri"/>
+              </a:rPr>
+              <a:t>hamming</a:t>
+            </a:r>
+            <a:endParaRPr lang="pt-PT" dirty="0" err="1"/>
+          </a:p>
+        </p:txBody>
+      </p:sp>
+    </p:spTree>
+    <p:extLst>
+      <p:ext uri="{BB962C8B-B14F-4D97-AF65-F5344CB8AC3E}">
+        <p14:creationId xmlns:p14="http://schemas.microsoft.com/office/powerpoint/2010/main" val="1380278852"/>
+      </p:ext>
+    </p:extLst>
+  </p:cSld>
+  <p:clrMapOvr>
+    <a:masterClrMapping/>
+  </p:clrMapOvr>
+</p:sld>
+</file>
+
+<file path=ppt/slides/slide3.xml><?xml version="1.0" encoding="utf-8"?>
+<p:sld xmlns:a="http://schemas.openxmlformats.org/drawingml/2006/main" xmlns:r="http://schemas.openxmlformats.org/officeDocument/2006/relationships" xmlns:p="http://schemas.openxmlformats.org/presentationml/2006/main">
+  <p:cSld>
+    <p:spTree>
+      <p:nvGrpSpPr>
+        <p:cNvPr id="1" name=""/>
+        <p:cNvGrpSpPr/>
+        <p:nvPr/>
+      </p:nvGrpSpPr>
+      <p:grpSpPr>
+        <a:xfrm>
+          <a:off x="0" y="0"/>
+          <a:ext cx="0" cy="0"/>
+          <a:chOff x="0" y="0"/>
+          <a:chExt cx="0" cy="0"/>
+        </a:xfrm>
+      </p:grpSpPr>
+      <p:pic>
+        <p:nvPicPr>
+          <p:cNvPr id="3" name="Imagem 5">
+            <a:extLst>
+              <a:ext uri="{FF2B5EF4-FFF2-40B4-BE49-F238E27FC236}">
+                <a16:creationId xmlns:a16="http://schemas.microsoft.com/office/drawing/2014/main" id="{343FDABF-C3E9-299C-C99F-84E29A676864}"/>
+              </a:ext>
+            </a:extLst>
+          </p:cNvPr>
+          <p:cNvPicPr>
+            <a:picLocks noChangeAspect="1"/>
+          </p:cNvPicPr>
+          <p:nvPr/>
+        </p:nvPicPr>
+        <p:blipFill>
+          <a:blip r:embed="rId2"/>
+          <a:stretch>
+            <a:fillRect/>
+          </a:stretch>
+        </p:blipFill>
+        <p:spPr>
+          <a:xfrm>
+            <a:off x="2614" y="-2126"/>
+            <a:ext cx="1698978" cy="2553171"/>
+          </a:xfrm>
+          <a:prstGeom prst="rect">
+            <a:avLst/>
+          </a:prstGeom>
+        </p:spPr>
+      </p:pic>
+      <p:cxnSp>
+        <p:nvCxnSpPr>
+          <p:cNvPr id="4" name="Conexão reta unidirecional 3">
+            <a:extLst>
+              <a:ext uri="{FF2B5EF4-FFF2-40B4-BE49-F238E27FC236}">
+                <a16:creationId xmlns:a16="http://schemas.microsoft.com/office/drawing/2014/main" id="{7FF7D965-E61E-2E6E-7C2B-D9E476D07E6E}"/>
+              </a:ext>
+            </a:extLst>
+          </p:cNvPr>
+          <p:cNvCxnSpPr/>
+          <p:nvPr/>
+        </p:nvCxnSpPr>
+        <p:spPr>
+          <a:xfrm flipH="1">
+            <a:off x="6454239" y="2969"/>
+            <a:ext cx="5938" cy="6852060"/>
+          </a:xfrm>
+          <a:prstGeom prst="straightConnector1">
+            <a:avLst/>
+          </a:prstGeom>
+          <a:ln w="57150"/>
+        </p:spPr>
+        <p:style>
+          <a:lnRef idx="1">
+            <a:schemeClr val="accent1"/>
+          </a:lnRef>
+          <a:fillRef idx="0">
+            <a:schemeClr val="accent1"/>
+          </a:fillRef>
+          <a:effectRef idx="0">
+            <a:schemeClr val="accent1"/>
+          </a:effectRef>
+          <a:fontRef idx="minor">
+            <a:schemeClr val="tx1"/>
+          </a:fontRef>
+        </p:style>
+      </p:cxnSp>
+      <p:pic>
+        <p:nvPicPr>
+          <p:cNvPr id="7" name="Imagem 7">
+            <a:extLst>
+              <a:ext uri="{FF2B5EF4-FFF2-40B4-BE49-F238E27FC236}">
+                <a16:creationId xmlns:a16="http://schemas.microsoft.com/office/drawing/2014/main" id="{8BF81626-EE9C-0CC5-CDDB-67BA34F1F6E3}"/>
+              </a:ext>
+            </a:extLst>
+          </p:cNvPr>
+          <p:cNvPicPr>
+            <a:picLocks noChangeAspect="1"/>
+          </p:cNvPicPr>
+          <p:nvPr/>
+        </p:nvPicPr>
+        <p:blipFill>
+          <a:blip r:embed="rId3"/>
+          <a:stretch>
+            <a:fillRect/>
+          </a:stretch>
+        </p:blipFill>
+        <p:spPr>
+          <a:xfrm>
+            <a:off x="3958" y="2724303"/>
+            <a:ext cx="6325589" cy="4130820"/>
+          </a:xfrm>
+          <a:prstGeom prst="rect">
+            <a:avLst/>
+          </a:prstGeom>
+        </p:spPr>
+      </p:pic>
+      <p:pic>
+        <p:nvPicPr>
+          <p:cNvPr id="9" name="Imagem 9" descr="Uma imagem com texto&#10;&#10;Descrição gerada automaticamente">
+            <a:extLst>
+              <a:ext uri="{FF2B5EF4-FFF2-40B4-BE49-F238E27FC236}">
+                <a16:creationId xmlns:a16="http://schemas.microsoft.com/office/drawing/2014/main" id="{6A820041-C63A-D305-7EAE-1C9595F42EFE}"/>
+              </a:ext>
+            </a:extLst>
+          </p:cNvPr>
+          <p:cNvPicPr>
+            <a:picLocks noChangeAspect="1"/>
+          </p:cNvPicPr>
+          <p:nvPr/>
+        </p:nvPicPr>
+        <p:blipFill>
+          <a:blip r:embed="rId4"/>
+          <a:stretch>
+            <a:fillRect/>
+          </a:stretch>
+        </p:blipFill>
+        <p:spPr>
+          <a:xfrm>
+            <a:off x="2379023" y="1860032"/>
+            <a:ext cx="3950524" cy="812350"/>
+          </a:xfrm>
+          <a:prstGeom prst="rect">
+            <a:avLst/>
+          </a:prstGeom>
+        </p:spPr>
+      </p:pic>
+      <p:pic>
+        <p:nvPicPr>
+          <p:cNvPr id="11" name="Imagem 6" descr="Uma imagem com texto&#10;&#10;Descrição gerada automaticamente">
+            <a:extLst>
+              <a:ext uri="{FF2B5EF4-FFF2-40B4-BE49-F238E27FC236}">
+                <a16:creationId xmlns:a16="http://schemas.microsoft.com/office/drawing/2014/main" id="{B7C6DE37-387C-DA11-D47A-E90B285435DD}"/>
+              </a:ext>
+            </a:extLst>
+          </p:cNvPr>
+          <p:cNvPicPr>
+            <a:picLocks noChangeAspect="1"/>
+          </p:cNvPicPr>
+          <p:nvPr/>
+        </p:nvPicPr>
+        <p:blipFill>
+          <a:blip r:embed="rId5"/>
+          <a:stretch>
+            <a:fillRect/>
+          </a:stretch>
+        </p:blipFill>
+        <p:spPr>
+          <a:xfrm>
+            <a:off x="6509732" y="1355"/>
+            <a:ext cx="2056460" cy="1709930"/>
+          </a:xfrm>
+          <a:prstGeom prst="rect">
+            <a:avLst/>
+          </a:prstGeom>
+        </p:spPr>
+      </p:pic>
+      <p:pic>
+        <p:nvPicPr>
+          <p:cNvPr id="12" name="Imagem 12" descr="Uma imagem com mesa&#10;&#10;Descrição gerada automaticamente">
+            <a:extLst>
+              <a:ext uri="{FF2B5EF4-FFF2-40B4-BE49-F238E27FC236}">
+                <a16:creationId xmlns:a16="http://schemas.microsoft.com/office/drawing/2014/main" id="{C3653EC8-BBA0-57EC-0A2B-BCE249C26E24}"/>
+              </a:ext>
+            </a:extLst>
+          </p:cNvPr>
+          <p:cNvPicPr>
+            <a:picLocks noChangeAspect="1"/>
+          </p:cNvPicPr>
+          <p:nvPr/>
+        </p:nvPicPr>
+        <p:blipFill>
+          <a:blip r:embed="rId6"/>
+          <a:stretch>
+            <a:fillRect/>
+          </a:stretch>
+        </p:blipFill>
+        <p:spPr>
+          <a:xfrm>
+            <a:off x="8702634" y="2399"/>
+            <a:ext cx="3485408" cy="1796294"/>
+          </a:xfrm>
+          <a:prstGeom prst="rect">
+            <a:avLst/>
+          </a:prstGeom>
+        </p:spPr>
+      </p:pic>
+      <p:cxnSp>
+        <p:nvCxnSpPr>
+          <p:cNvPr id="13" name="Conexão reta unidirecional 12">
+            <a:extLst>
+              <a:ext uri="{FF2B5EF4-FFF2-40B4-BE49-F238E27FC236}">
+                <a16:creationId xmlns:a16="http://schemas.microsoft.com/office/drawing/2014/main" id="{577AC822-6D29-2D5D-59BC-297F14D83CB4}"/>
+              </a:ext>
+            </a:extLst>
+          </p:cNvPr>
+          <p:cNvCxnSpPr>
+            <a:cxnSpLocks/>
+          </p:cNvCxnSpPr>
+          <p:nvPr/>
+        </p:nvCxnSpPr>
+        <p:spPr>
+          <a:xfrm flipH="1" flipV="1">
+            <a:off x="6454239" y="3074718"/>
+            <a:ext cx="5686300" cy="5938"/>
+          </a:xfrm>
+          <a:prstGeom prst="straightConnector1">
+            <a:avLst/>
+          </a:prstGeom>
+          <a:ln w="57150"/>
+        </p:spPr>
+        <p:style>
+          <a:lnRef idx="1">
+            <a:schemeClr val="accent1"/>
+          </a:lnRef>
+          <a:fillRef idx="0">
+            <a:schemeClr val="accent1"/>
+          </a:fillRef>
+          <a:effectRef idx="0">
+            <a:schemeClr val="accent1"/>
+          </a:effectRef>
+          <a:fontRef idx="minor">
+            <a:schemeClr val="tx1"/>
+          </a:fontRef>
+        </p:style>
+      </p:cxnSp>
+      <p:pic>
+        <p:nvPicPr>
+          <p:cNvPr id="15" name="Imagem 7" descr="Uma imagem com texto&#10;&#10;Descrição gerada automaticamente">
+            <a:extLst>
+              <a:ext uri="{FF2B5EF4-FFF2-40B4-BE49-F238E27FC236}">
+                <a16:creationId xmlns:a16="http://schemas.microsoft.com/office/drawing/2014/main" id="{2F4E6DD3-E0F4-1D3C-4EE8-1AC07C382DB3}"/>
+              </a:ext>
+            </a:extLst>
+          </p:cNvPr>
+          <p:cNvPicPr>
+            <a:picLocks noChangeAspect="1"/>
+          </p:cNvPicPr>
+          <p:nvPr/>
+        </p:nvPicPr>
+        <p:blipFill>
+          <a:blip r:embed="rId7"/>
+          <a:stretch>
+            <a:fillRect/>
+          </a:stretch>
+        </p:blipFill>
+        <p:spPr>
+          <a:xfrm>
+            <a:off x="6510831" y="3120905"/>
+            <a:ext cx="2743200" cy="1432560"/>
+          </a:xfrm>
+          <a:prstGeom prst="rect">
+            <a:avLst/>
+          </a:prstGeom>
+        </p:spPr>
+      </p:pic>
+      <p:sp>
+        <p:nvSpPr>
+          <p:cNvPr id="16" name="CaixaDeTexto 15">
+            <a:extLst>
+              <a:ext uri="{FF2B5EF4-FFF2-40B4-BE49-F238E27FC236}">
+                <a16:creationId xmlns:a16="http://schemas.microsoft.com/office/drawing/2014/main" id="{DA7EFC5C-A669-4FEA-CE2F-AA11A5393274}"/>
+              </a:ext>
+            </a:extLst>
+          </p:cNvPr>
+          <p:cNvSpPr txBox="1"/>
+          <p:nvPr/>
+        </p:nvSpPr>
+        <p:spPr>
+          <a:xfrm>
+            <a:off x="2375065" y="1553687"/>
+            <a:ext cx="2763857" cy="307777"/>
+          </a:xfrm>
+          <a:prstGeom prst="rect">
+            <a:avLst/>
+          </a:prstGeom>
+          <a:noFill/>
+        </p:spPr>
+        <p:txBody>
+          <a:bodyPr rot="0" spcFirstLastPara="0" vertOverflow="overflow" horzOverflow="overflow" vert="horz" wrap="square" lIns="91440" tIns="45720" rIns="91440" bIns="45720" numCol="1" spcCol="0" rtlCol="0" fromWordArt="0" anchor="t" anchorCtr="0" forceAA="0" compatLnSpc="1">
+            <a:prstTxWarp prst="textNoShape">
+              <a:avLst/>
+            </a:prstTxWarp>
+            <a:spAutoFit/>
+          </a:bodyPr>
+          <a:lstStyle/>
+          <a:p>
+            <a:pPr algn="ctr"/>
+            <a:r>
+              <a:rPr lang="pt-PT" sz="1400" dirty="0">
+                <a:cs typeface="Calibri"/>
+              </a:rPr>
+              <a:t>Neste caso, n representa a negação</a:t>
+            </a:r>
+          </a:p>
+        </p:txBody>
+      </p:sp>
+      <p:sp>
+        <p:nvSpPr>
+          <p:cNvPr id="17" name="CaixaDeTexto 16">
+            <a:extLst>
+              <a:ext uri="{FF2B5EF4-FFF2-40B4-BE49-F238E27FC236}">
+                <a16:creationId xmlns:a16="http://schemas.microsoft.com/office/drawing/2014/main" id="{8A4E3689-F8F6-3638-E970-C31050C056B7}"/>
+              </a:ext>
+            </a:extLst>
+          </p:cNvPr>
+          <p:cNvSpPr txBox="1"/>
+          <p:nvPr/>
+        </p:nvSpPr>
+        <p:spPr>
+          <a:xfrm>
+            <a:off x="1989116" y="29687"/>
+            <a:ext cx="2763857" cy="1384995"/>
+          </a:xfrm>
+          <a:prstGeom prst="rect">
+            <a:avLst/>
+          </a:prstGeom>
+          <a:noFill/>
+        </p:spPr>
+        <p:txBody>
+          <a:bodyPr rot="0" spcFirstLastPara="0" vertOverflow="overflow" horzOverflow="overflow" vert="horz" wrap="square" lIns="91440" tIns="45720" rIns="91440" bIns="45720" numCol="1" spcCol="0" rtlCol="0" fromWordArt="0" anchor="t" anchorCtr="0" forceAA="0" compatLnSpc="1">
+            <a:prstTxWarp prst="textNoShape">
+              <a:avLst/>
+            </a:prstTxWarp>
+            <a:spAutoFit/>
+          </a:bodyPr>
+          <a:lstStyle/>
+          <a:p>
+            <a:r>
+              <a:rPr lang="pt-PT" sz="1400" dirty="0">
+                <a:cs typeface="Calibri"/>
+              </a:rPr>
+              <a:t>Custo de implementação:</a:t>
+            </a:r>
+          </a:p>
+          <a:p>
+            <a:r>
+              <a:rPr lang="pt-PT" sz="1400" dirty="0">
+                <a:cs typeface="Calibri"/>
+              </a:rPr>
+              <a:t>4 XOR</a:t>
+            </a:r>
+          </a:p>
+          <a:p>
+            <a:r>
+              <a:rPr lang="pt-PT" sz="1400" dirty="0">
+                <a:cs typeface="Calibri"/>
+              </a:rPr>
+              <a:t>4 NOT</a:t>
+            </a:r>
+          </a:p>
+          <a:p>
+            <a:r>
+              <a:rPr lang="pt-PT" sz="1400" dirty="0">
+                <a:cs typeface="Calibri"/>
+              </a:rPr>
+              <a:t>6 OR</a:t>
+            </a:r>
+          </a:p>
+          <a:p>
+            <a:r>
+              <a:rPr lang="pt-PT" sz="1400" dirty="0">
+                <a:cs typeface="Calibri"/>
+              </a:rPr>
+              <a:t>4 AND3 (8 AND)</a:t>
+            </a:r>
+          </a:p>
+          <a:p>
+            <a:r>
+              <a:rPr lang="pt-PT" sz="1400" dirty="0">
+                <a:cs typeface="Calibri"/>
+              </a:rPr>
+              <a:t>1 NOR</a:t>
+            </a:r>
+          </a:p>
+        </p:txBody>
+      </p:sp>
+      <p:sp>
+        <p:nvSpPr>
+          <p:cNvPr id="18" name="CaixaDeTexto 17">
+            <a:extLst>
+              <a:ext uri="{FF2B5EF4-FFF2-40B4-BE49-F238E27FC236}">
+                <a16:creationId xmlns:a16="http://schemas.microsoft.com/office/drawing/2014/main" id="{F27746AA-2C56-9225-42EE-08556EA62523}"/>
+              </a:ext>
+            </a:extLst>
+          </p:cNvPr>
+          <p:cNvSpPr txBox="1"/>
+          <p:nvPr/>
+        </p:nvSpPr>
+        <p:spPr>
+          <a:xfrm>
+            <a:off x="6511634" y="1979219"/>
+            <a:ext cx="2763857" cy="738664"/>
+          </a:xfrm>
+          <a:prstGeom prst="rect">
+            <a:avLst/>
+          </a:prstGeom>
+          <a:noFill/>
+        </p:spPr>
+        <p:txBody>
+          <a:bodyPr rot="0" spcFirstLastPara="0" vertOverflow="overflow" horzOverflow="overflow" vert="horz" wrap="square" lIns="91440" tIns="45720" rIns="91440" bIns="45720" numCol="1" spcCol="0" rtlCol="0" fromWordArt="0" anchor="t" anchorCtr="0" forceAA="0" compatLnSpc="1">
+            <a:prstTxWarp prst="textNoShape">
+              <a:avLst/>
+            </a:prstTxWarp>
+            <a:spAutoFit/>
+          </a:bodyPr>
+          <a:lstStyle/>
+          <a:p>
+            <a:r>
+              <a:rPr lang="pt-PT" sz="1400" dirty="0">
+                <a:cs typeface="Calibri"/>
+              </a:rPr>
+              <a:t>Custo de implementação:</a:t>
+            </a:r>
+          </a:p>
+          <a:p>
+            <a:r>
+              <a:rPr lang="pt-PT" sz="1400" dirty="0">
+                <a:cs typeface="Calibri"/>
+              </a:rPr>
+              <a:t>7 XOR</a:t>
+            </a:r>
+          </a:p>
+          <a:p>
+            <a:endParaRPr lang="pt-PT" sz="1400" dirty="0">
+              <a:cs typeface="Calibri"/>
+            </a:endParaRPr>
+          </a:p>
+        </p:txBody>
+      </p:sp>
+      <p:sp>
+        <p:nvSpPr>
+          <p:cNvPr id="19" name="CaixaDeTexto 18">
+            <a:extLst>
+              <a:ext uri="{FF2B5EF4-FFF2-40B4-BE49-F238E27FC236}">
+                <a16:creationId xmlns:a16="http://schemas.microsoft.com/office/drawing/2014/main" id="{6FD9431F-F6BE-9CDA-EB57-5E5EC689DA48}"/>
+              </a:ext>
+            </a:extLst>
+          </p:cNvPr>
+          <p:cNvSpPr txBox="1"/>
+          <p:nvPr/>
+        </p:nvSpPr>
+        <p:spPr>
+          <a:xfrm>
+            <a:off x="6511635" y="4641271"/>
+            <a:ext cx="2338324" cy="1169551"/>
+          </a:xfrm>
+          <a:prstGeom prst="rect">
+            <a:avLst/>
+          </a:prstGeom>
+          <a:noFill/>
+        </p:spPr>
+        <p:txBody>
+          <a:bodyPr rot="0" spcFirstLastPara="0" vertOverflow="overflow" horzOverflow="overflow" vert="horz" wrap="square" lIns="91440" tIns="45720" rIns="91440" bIns="45720" numCol="1" spcCol="0" rtlCol="0" fromWordArt="0" anchor="t" anchorCtr="0" forceAA="0" compatLnSpc="1">
+            <a:prstTxWarp prst="textNoShape">
+              <a:avLst/>
+            </a:prstTxWarp>
+            <a:spAutoFit/>
+          </a:bodyPr>
+          <a:lstStyle/>
+          <a:p>
+            <a:r>
+              <a:rPr lang="pt-PT" sz="1400" dirty="0">
+                <a:cs typeface="Calibri"/>
+              </a:rPr>
+              <a:t>Custo de implementação:</a:t>
+            </a:r>
+          </a:p>
+          <a:p>
+            <a:r>
+              <a:rPr lang="pt-PT" sz="1400" dirty="0">
+                <a:cs typeface="Calibri"/>
+              </a:rPr>
+              <a:t>12 AND</a:t>
+            </a:r>
+          </a:p>
+          <a:p>
+            <a:r>
+              <a:rPr lang="pt-PT" sz="1400" dirty="0">
+                <a:cs typeface="Calibri"/>
+              </a:rPr>
+              <a:t>15 XOR</a:t>
+            </a:r>
+          </a:p>
+          <a:p>
+            <a:r>
+              <a:rPr lang="pt-PT" sz="1400" dirty="0">
+                <a:cs typeface="Calibri"/>
+              </a:rPr>
+              <a:t>1 OR</a:t>
+            </a:r>
+          </a:p>
+          <a:p>
+            <a:endParaRPr lang="pt-PT" sz="1400" dirty="0">
+              <a:cs typeface="Calibri"/>
+            </a:endParaRPr>
+          </a:p>
+        </p:txBody>
+      </p:sp>
+    </p:spTree>
+    <p:extLst>
+      <p:ext uri="{BB962C8B-B14F-4D97-AF65-F5344CB8AC3E}">
+        <p14:creationId xmlns:p14="http://schemas.microsoft.com/office/powerpoint/2010/main" val="162312961"/>
+      </p:ext>
+    </p:extLst>
   </p:cSld>
   <p:clrMapOvr>
     <a:masterClrMapping/>
@@ -5219,6 +7982,1051 @@
           <a:chExt cx="0" cy="0"/>
         </a:xfrm>
       </p:grpSpPr>
+      <p:pic>
+        <p:nvPicPr>
+          <p:cNvPr id="9" name="Imagem 9">
+            <a:extLst>
+              <a:ext uri="{FF2B5EF4-FFF2-40B4-BE49-F238E27FC236}">
+                <a16:creationId xmlns:a16="http://schemas.microsoft.com/office/drawing/2014/main" id="{E9E3D6E7-263F-7479-F692-549D28049B3B}"/>
+              </a:ext>
+            </a:extLst>
+          </p:cNvPr>
+          <p:cNvPicPr>
+            <a:picLocks noChangeAspect="1"/>
+          </p:cNvPicPr>
+          <p:nvPr/>
+        </p:nvPicPr>
+        <p:blipFill>
+          <a:blip r:embed="rId2"/>
+          <a:stretch>
+            <a:fillRect/>
+          </a:stretch>
+        </p:blipFill>
+        <p:spPr>
+          <a:xfrm>
+            <a:off x="3958" y="129047"/>
+            <a:ext cx="12184083" cy="6431671"/>
+          </a:xfrm>
+          <a:prstGeom prst="rect">
+            <a:avLst/>
+          </a:prstGeom>
+        </p:spPr>
+      </p:pic>
+      <p:sp>
+        <p:nvSpPr>
+          <p:cNvPr id="10" name="CaixaDeTexto 9">
+            <a:extLst>
+              <a:ext uri="{FF2B5EF4-FFF2-40B4-BE49-F238E27FC236}">
+                <a16:creationId xmlns:a16="http://schemas.microsoft.com/office/drawing/2014/main" id="{16F54837-8145-781A-0BAE-3C8775B8C904}"/>
+              </a:ext>
+            </a:extLst>
+          </p:cNvPr>
+          <p:cNvSpPr txBox="1"/>
+          <p:nvPr/>
+        </p:nvSpPr>
+        <p:spPr>
+          <a:xfrm>
+            <a:off x="79168" y="128649"/>
+            <a:ext cx="762000" cy="261610"/>
+          </a:xfrm>
+          <a:prstGeom prst="rect">
+            <a:avLst/>
+          </a:prstGeom>
+          <a:solidFill>
+            <a:schemeClr val="bg1"/>
+          </a:solidFill>
+        </p:spPr>
+        <p:txBody>
+          <a:bodyPr rot="0" spcFirstLastPara="0" vertOverflow="overflow" horzOverflow="overflow" vert="horz" wrap="square" lIns="91440" tIns="45720" rIns="91440" bIns="45720" numCol="1" spcCol="0" rtlCol="0" fromWordArt="0" anchor="t" anchorCtr="0" forceAA="0" compatLnSpc="1">
+            <a:prstTxWarp prst="textNoShape">
+              <a:avLst/>
+            </a:prstTxWarp>
+            <a:spAutoFit/>
+          </a:bodyPr>
+          <a:lstStyle/>
+          <a:p>
+            <a:pPr algn="ctr"/>
+            <a:r>
+              <a:rPr lang="pt-PT" sz="1100" dirty="0">
+                <a:cs typeface="Calibri"/>
+              </a:rPr>
+              <a:t>Y[7..0]</a:t>
+            </a:r>
+          </a:p>
+        </p:txBody>
+      </p:sp>
+      <p:sp>
+        <p:nvSpPr>
+          <p:cNvPr id="13" name="CaixaDeTexto 12">
+            <a:extLst>
+              <a:ext uri="{FF2B5EF4-FFF2-40B4-BE49-F238E27FC236}">
+                <a16:creationId xmlns:a16="http://schemas.microsoft.com/office/drawing/2014/main" id="{F26382BD-696D-49ED-59F2-D866DEF93B4E}"/>
+              </a:ext>
+            </a:extLst>
+          </p:cNvPr>
+          <p:cNvSpPr txBox="1"/>
+          <p:nvPr/>
+        </p:nvSpPr>
+        <p:spPr>
+          <a:xfrm>
+            <a:off x="5640778" y="6204856"/>
+            <a:ext cx="762000" cy="261610"/>
+          </a:xfrm>
+          <a:prstGeom prst="rect">
+            <a:avLst/>
+          </a:prstGeom>
+          <a:solidFill>
+            <a:schemeClr val="bg1"/>
+          </a:solidFill>
+        </p:spPr>
+        <p:txBody>
+          <a:bodyPr rot="0" spcFirstLastPara="0" vertOverflow="overflow" horzOverflow="overflow" vert="horz" wrap="square" lIns="91440" tIns="45720" rIns="91440" bIns="45720" numCol="1" spcCol="0" rtlCol="0" fromWordArt="0" anchor="t" anchorCtr="0" forceAA="0" compatLnSpc="1">
+            <a:prstTxWarp prst="textNoShape">
+              <a:avLst/>
+            </a:prstTxWarp>
+            <a:spAutoFit/>
+          </a:bodyPr>
+          <a:lstStyle/>
+          <a:p>
+            <a:pPr algn="ctr"/>
+            <a:r>
+              <a:rPr lang="pt-PT" sz="1100" dirty="0">
+                <a:cs typeface="Calibri"/>
+              </a:rPr>
+              <a:t>m[3..0]</a:t>
+            </a:r>
+          </a:p>
+        </p:txBody>
+      </p:sp>
+      <p:sp>
+        <p:nvSpPr>
+          <p:cNvPr id="14" name="CaixaDeTexto 13">
+            <a:extLst>
+              <a:ext uri="{FF2B5EF4-FFF2-40B4-BE49-F238E27FC236}">
+                <a16:creationId xmlns:a16="http://schemas.microsoft.com/office/drawing/2014/main" id="{0B6953F7-B476-3878-08FA-112154929F6E}"/>
+              </a:ext>
+            </a:extLst>
+          </p:cNvPr>
+          <p:cNvSpPr txBox="1"/>
+          <p:nvPr/>
+        </p:nvSpPr>
+        <p:spPr>
+          <a:xfrm>
+            <a:off x="3879271" y="6204856"/>
+            <a:ext cx="762000" cy="261610"/>
+          </a:xfrm>
+          <a:prstGeom prst="rect">
+            <a:avLst/>
+          </a:prstGeom>
+          <a:solidFill>
+            <a:schemeClr val="bg1"/>
+          </a:solidFill>
+        </p:spPr>
+        <p:txBody>
+          <a:bodyPr rot="0" spcFirstLastPara="0" vertOverflow="overflow" horzOverflow="overflow" vert="horz" wrap="square" lIns="91440" tIns="45720" rIns="91440" bIns="45720" numCol="1" spcCol="0" rtlCol="0" fromWordArt="0" anchor="t" anchorCtr="0" forceAA="0" compatLnSpc="1">
+            <a:prstTxWarp prst="textNoShape">
+              <a:avLst/>
+            </a:prstTxWarp>
+            <a:spAutoFit/>
+          </a:bodyPr>
+          <a:lstStyle/>
+          <a:p>
+            <a:pPr algn="ctr"/>
+            <a:r>
+              <a:rPr lang="pt-PT" sz="1100" dirty="0" err="1">
+                <a:cs typeface="Calibri"/>
+              </a:rPr>
+              <a:t>valid</a:t>
+            </a:r>
+            <a:endParaRPr lang="pt-PT" sz="1100">
+              <a:cs typeface="Calibri"/>
+            </a:endParaRPr>
+          </a:p>
+        </p:txBody>
+      </p:sp>
+      <p:sp>
+        <p:nvSpPr>
+          <p:cNvPr id="15" name="CaixaDeTexto 14">
+            <a:extLst>
+              <a:ext uri="{FF2B5EF4-FFF2-40B4-BE49-F238E27FC236}">
+                <a16:creationId xmlns:a16="http://schemas.microsoft.com/office/drawing/2014/main" id="{AACE3AE0-F292-CBEB-6851-4C913D44D467}"/>
+              </a:ext>
+            </a:extLst>
+          </p:cNvPr>
+          <p:cNvSpPr txBox="1"/>
+          <p:nvPr/>
+        </p:nvSpPr>
+        <p:spPr>
+          <a:xfrm>
+            <a:off x="5066805" y="613558"/>
+            <a:ext cx="1533896" cy="271506"/>
+          </a:xfrm>
+          <a:prstGeom prst="rect">
+            <a:avLst/>
+          </a:prstGeom>
+          <a:noFill/>
+        </p:spPr>
+        <p:txBody>
+          <a:bodyPr rot="0" spcFirstLastPara="0" vertOverflow="overflow" horzOverflow="overflow" vert="horz" wrap="square" lIns="91440" tIns="45720" rIns="91440" bIns="45720" numCol="1" spcCol="0" rtlCol="0" fromWordArt="0" anchor="t" anchorCtr="0" forceAA="0" compatLnSpc="1">
+            <a:prstTxWarp prst="textNoShape">
+              <a:avLst/>
+            </a:prstTxWarp>
+            <a:spAutoFit/>
+          </a:bodyPr>
+          <a:lstStyle/>
+          <a:p>
+            <a:pPr algn="ctr"/>
+            <a:r>
+              <a:rPr lang="pt-PT" sz="1100" dirty="0">
+                <a:cs typeface="Calibri"/>
+              </a:rPr>
+              <a:t>(m1_isOne AND </a:t>
+            </a:r>
+            <a:r>
+              <a:rPr lang="pt-PT" sz="1100" dirty="0" err="1">
+                <a:cs typeface="Calibri"/>
+              </a:rPr>
+              <a:t>valid</a:t>
+            </a:r>
+            <a:r>
+              <a:rPr lang="pt-PT" sz="1100" dirty="0">
+                <a:cs typeface="Calibri"/>
+              </a:rPr>
+              <a:t>)</a:t>
+            </a:r>
+          </a:p>
+        </p:txBody>
+      </p:sp>
+      <p:sp>
+        <p:nvSpPr>
+          <p:cNvPr id="16" name="CaixaDeTexto 15">
+            <a:extLst>
+              <a:ext uri="{FF2B5EF4-FFF2-40B4-BE49-F238E27FC236}">
+                <a16:creationId xmlns:a16="http://schemas.microsoft.com/office/drawing/2014/main" id="{7F638D32-3F3B-6172-F22E-2D4E7F8B5BCC}"/>
+              </a:ext>
+            </a:extLst>
+          </p:cNvPr>
+          <p:cNvSpPr txBox="1"/>
+          <p:nvPr/>
+        </p:nvSpPr>
+        <p:spPr>
+          <a:xfrm>
+            <a:off x="5066805" y="1840674"/>
+            <a:ext cx="1533896" cy="271506"/>
+          </a:xfrm>
+          <a:prstGeom prst="rect">
+            <a:avLst/>
+          </a:prstGeom>
+          <a:noFill/>
+        </p:spPr>
+        <p:txBody>
+          <a:bodyPr rot="0" spcFirstLastPara="0" vertOverflow="overflow" horzOverflow="overflow" vert="horz" wrap="square" lIns="91440" tIns="45720" rIns="91440" bIns="45720" numCol="1" spcCol="0" rtlCol="0" fromWordArt="0" anchor="t" anchorCtr="0" forceAA="0" compatLnSpc="1">
+            <a:prstTxWarp prst="textNoShape">
+              <a:avLst/>
+            </a:prstTxWarp>
+            <a:spAutoFit/>
+          </a:bodyPr>
+          <a:lstStyle/>
+          <a:p>
+            <a:pPr algn="ctr"/>
+            <a:r>
+              <a:rPr lang="pt-PT" sz="1100" dirty="0">
+                <a:cs typeface="Calibri"/>
+              </a:rPr>
+              <a:t>(m2_isOne AND </a:t>
+            </a:r>
+            <a:r>
+              <a:rPr lang="pt-PT" sz="1100" dirty="0" err="1">
+                <a:cs typeface="Calibri"/>
+              </a:rPr>
+              <a:t>valid</a:t>
+            </a:r>
+            <a:r>
+              <a:rPr lang="pt-PT" sz="1100" dirty="0">
+                <a:cs typeface="Calibri"/>
+              </a:rPr>
+              <a:t>)</a:t>
+            </a:r>
+          </a:p>
+        </p:txBody>
+      </p:sp>
+      <p:sp>
+        <p:nvSpPr>
+          <p:cNvPr id="17" name="CaixaDeTexto 16">
+            <a:extLst>
+              <a:ext uri="{FF2B5EF4-FFF2-40B4-BE49-F238E27FC236}">
+                <a16:creationId xmlns:a16="http://schemas.microsoft.com/office/drawing/2014/main" id="{87D9BCBE-3B83-6346-3C74-8517612AD2D6}"/>
+              </a:ext>
+            </a:extLst>
+          </p:cNvPr>
+          <p:cNvSpPr txBox="1"/>
+          <p:nvPr/>
+        </p:nvSpPr>
+        <p:spPr>
+          <a:xfrm>
+            <a:off x="5017323" y="3295402"/>
+            <a:ext cx="1533896" cy="271506"/>
+          </a:xfrm>
+          <a:prstGeom prst="rect">
+            <a:avLst/>
+          </a:prstGeom>
+          <a:noFill/>
+        </p:spPr>
+        <p:txBody>
+          <a:bodyPr rot="0" spcFirstLastPara="0" vertOverflow="overflow" horzOverflow="overflow" vert="horz" wrap="square" lIns="91440" tIns="45720" rIns="91440" bIns="45720" numCol="1" spcCol="0" rtlCol="0" fromWordArt="0" anchor="t" anchorCtr="0" forceAA="0" compatLnSpc="1">
+            <a:prstTxWarp prst="textNoShape">
+              <a:avLst/>
+            </a:prstTxWarp>
+            <a:spAutoFit/>
+          </a:bodyPr>
+          <a:lstStyle/>
+          <a:p>
+            <a:pPr algn="ctr"/>
+            <a:r>
+              <a:rPr lang="pt-PT" sz="1100" dirty="0">
+                <a:cs typeface="Calibri"/>
+              </a:rPr>
+              <a:t>(m3_isOne AND </a:t>
+            </a:r>
+            <a:r>
+              <a:rPr lang="pt-PT" sz="1100" dirty="0" err="1">
+                <a:cs typeface="Calibri"/>
+              </a:rPr>
+              <a:t>valid</a:t>
+            </a:r>
+            <a:r>
+              <a:rPr lang="pt-PT" sz="1100" dirty="0">
+                <a:cs typeface="Calibri"/>
+              </a:rPr>
+              <a:t>)</a:t>
+            </a:r>
+          </a:p>
+        </p:txBody>
+      </p:sp>
+      <p:sp>
+        <p:nvSpPr>
+          <p:cNvPr id="18" name="CaixaDeTexto 17">
+            <a:extLst>
+              <a:ext uri="{FF2B5EF4-FFF2-40B4-BE49-F238E27FC236}">
+                <a16:creationId xmlns:a16="http://schemas.microsoft.com/office/drawing/2014/main" id="{857578B3-5A5E-E30C-FFBE-D440C29BED51}"/>
+              </a:ext>
+            </a:extLst>
+          </p:cNvPr>
+          <p:cNvSpPr txBox="1"/>
+          <p:nvPr/>
+        </p:nvSpPr>
+        <p:spPr>
+          <a:xfrm>
+            <a:off x="6739246" y="5373584"/>
+            <a:ext cx="613559" cy="261610"/>
+          </a:xfrm>
+          <a:prstGeom prst="rect">
+            <a:avLst/>
+          </a:prstGeom>
+          <a:noFill/>
+        </p:spPr>
+        <p:txBody>
+          <a:bodyPr rot="0" spcFirstLastPara="0" vertOverflow="overflow" horzOverflow="overflow" vert="horz" wrap="square" lIns="91440" tIns="45720" rIns="91440" bIns="45720" numCol="1" spcCol="0" rtlCol="0" fromWordArt="0" anchor="t" anchorCtr="0" forceAA="0" compatLnSpc="1">
+            <a:prstTxWarp prst="textNoShape">
+              <a:avLst/>
+            </a:prstTxWarp>
+            <a:spAutoFit/>
+          </a:bodyPr>
+          <a:lstStyle/>
+          <a:p>
+            <a:pPr algn="ctr"/>
+            <a:r>
+              <a:rPr lang="pt-PT" sz="1100" dirty="0">
+                <a:cs typeface="Calibri"/>
+              </a:rPr>
+              <a:t>m'4</a:t>
+            </a:r>
+          </a:p>
+        </p:txBody>
+      </p:sp>
+      <p:sp>
+        <p:nvSpPr>
+          <p:cNvPr id="19" name="CaixaDeTexto 18">
+            <a:extLst>
+              <a:ext uri="{FF2B5EF4-FFF2-40B4-BE49-F238E27FC236}">
+                <a16:creationId xmlns:a16="http://schemas.microsoft.com/office/drawing/2014/main" id="{FF16FB3A-91FF-ED63-0BB0-E77E63F0DEC9}"/>
+              </a:ext>
+            </a:extLst>
+          </p:cNvPr>
+          <p:cNvSpPr txBox="1"/>
+          <p:nvPr/>
+        </p:nvSpPr>
+        <p:spPr>
+          <a:xfrm>
+            <a:off x="6858701" y="4035984"/>
+            <a:ext cx="742208" cy="261610"/>
+          </a:xfrm>
+          <a:prstGeom prst="rect">
+            <a:avLst/>
+          </a:prstGeom>
+          <a:noFill/>
+        </p:spPr>
+        <p:txBody>
+          <a:bodyPr rot="0" spcFirstLastPara="0" vertOverflow="overflow" horzOverflow="overflow" vert="horz" wrap="square" lIns="91440" tIns="45720" rIns="91440" bIns="45720" numCol="1" spcCol="0" rtlCol="0" fromWordArt="0" anchor="t" anchorCtr="0" forceAA="0" compatLnSpc="1">
+            <a:prstTxWarp prst="textNoShape">
+              <a:avLst/>
+            </a:prstTxWarp>
+            <a:spAutoFit/>
+          </a:bodyPr>
+          <a:lstStyle/>
+          <a:p>
+            <a:pPr algn="ctr"/>
+            <a:r>
+              <a:rPr lang="pt-PT" sz="1100" dirty="0">
+                <a:cs typeface="Calibri"/>
+              </a:rPr>
+              <a:t>(y XOR z)</a:t>
+            </a:r>
+          </a:p>
+        </p:txBody>
+      </p:sp>
+      <p:sp>
+        <p:nvSpPr>
+          <p:cNvPr id="20" name="CaixaDeTexto 19">
+            <a:extLst>
+              <a:ext uri="{FF2B5EF4-FFF2-40B4-BE49-F238E27FC236}">
+                <a16:creationId xmlns:a16="http://schemas.microsoft.com/office/drawing/2014/main" id="{6F3837B8-7B20-3D73-BF7C-9CEC15E5FFBC}"/>
+              </a:ext>
+            </a:extLst>
+          </p:cNvPr>
+          <p:cNvSpPr txBox="1"/>
+          <p:nvPr/>
+        </p:nvSpPr>
+        <p:spPr>
+          <a:xfrm>
+            <a:off x="10628412" y="3344882"/>
+            <a:ext cx="1533896" cy="600164"/>
+          </a:xfrm>
+          <a:prstGeom prst="rect">
+            <a:avLst/>
+          </a:prstGeom>
+          <a:solidFill>
+            <a:schemeClr val="bg1"/>
+          </a:solidFill>
+        </p:spPr>
+        <p:txBody>
+          <a:bodyPr rot="0" spcFirstLastPara="0" vertOverflow="overflow" horzOverflow="overflow" vert="horz" wrap="square" lIns="91440" tIns="45720" rIns="91440" bIns="45720" numCol="1" spcCol="0" rtlCol="0" fromWordArt="0" anchor="t" anchorCtr="0" forceAA="0" compatLnSpc="1">
+            <a:prstTxWarp prst="textNoShape">
+              <a:avLst/>
+            </a:prstTxWarp>
+            <a:spAutoFit/>
+          </a:bodyPr>
+          <a:lstStyle/>
+          <a:p>
+            <a:pPr algn="ctr"/>
+            <a:r>
+              <a:rPr lang="pt-PT" sz="1100" dirty="0" err="1">
+                <a:cs typeface="Calibri"/>
+              </a:rPr>
+              <a:t>Popcounter</a:t>
+            </a:r>
+            <a:r>
+              <a:rPr lang="pt-PT" sz="1100" dirty="0">
+                <a:cs typeface="Calibri"/>
+              </a:rPr>
+              <a:t> para distância de </a:t>
+            </a:r>
+            <a:r>
+              <a:rPr lang="pt-PT" sz="1100" dirty="0" err="1">
+                <a:cs typeface="Calibri"/>
+              </a:rPr>
+              <a:t>Hamming</a:t>
+            </a:r>
+            <a:r>
+              <a:rPr lang="pt-PT" sz="1100" dirty="0">
+                <a:cs typeface="Calibri"/>
+              </a:rPr>
+              <a:t> entre y e z</a:t>
+            </a:r>
+          </a:p>
+        </p:txBody>
+      </p:sp>
+      <p:sp>
+        <p:nvSpPr>
+          <p:cNvPr id="21" name="CaixaDeTexto 20">
+            <a:extLst>
+              <a:ext uri="{FF2B5EF4-FFF2-40B4-BE49-F238E27FC236}">
+                <a16:creationId xmlns:a16="http://schemas.microsoft.com/office/drawing/2014/main" id="{D8D6A66A-724E-1933-AC5E-B473E3814092}"/>
+              </a:ext>
+            </a:extLst>
+          </p:cNvPr>
+          <p:cNvSpPr txBox="1"/>
+          <p:nvPr/>
+        </p:nvSpPr>
+        <p:spPr>
+          <a:xfrm>
+            <a:off x="7868103" y="5005802"/>
+            <a:ext cx="1029195" cy="261610"/>
+          </a:xfrm>
+          <a:prstGeom prst="rect">
+            <a:avLst/>
+          </a:prstGeom>
+          <a:noFill/>
+        </p:spPr>
+        <p:txBody>
+          <a:bodyPr rot="0" spcFirstLastPara="0" vertOverflow="overflow" horzOverflow="overflow" vert="horz" wrap="square" lIns="91440" tIns="45720" rIns="91440" bIns="45720" numCol="1" spcCol="0" rtlCol="0" fromWordArt="0" anchor="t" anchorCtr="0" forceAA="0" compatLnSpc="1">
+            <a:prstTxWarp prst="textNoShape">
+              <a:avLst/>
+            </a:prstTxWarp>
+            <a:spAutoFit/>
+          </a:bodyPr>
+          <a:lstStyle/>
+          <a:p>
+            <a:pPr algn="ctr"/>
+            <a:r>
+              <a:rPr lang="pt-PT" sz="1100" dirty="0">
+                <a:cs typeface="Calibri"/>
+              </a:rPr>
+              <a:t>(c[3] XOR c[2])</a:t>
+            </a:r>
+          </a:p>
+        </p:txBody>
+      </p:sp>
+      <p:pic>
+        <p:nvPicPr>
+          <p:cNvPr id="23" name="Imagem 23" descr="Uma imagem com texto&#10;&#10;Descrição gerada automaticamente">
+            <a:extLst>
+              <a:ext uri="{FF2B5EF4-FFF2-40B4-BE49-F238E27FC236}">
+                <a16:creationId xmlns:a16="http://schemas.microsoft.com/office/drawing/2014/main" id="{5418551F-8D47-690E-7F95-33F22F778EEF}"/>
+              </a:ext>
+            </a:extLst>
+          </p:cNvPr>
+          <p:cNvPicPr>
+            <a:picLocks noChangeAspect="1"/>
+          </p:cNvPicPr>
+          <p:nvPr/>
+        </p:nvPicPr>
+        <p:blipFill>
+          <a:blip r:embed="rId3"/>
+          <a:stretch>
+            <a:fillRect/>
+          </a:stretch>
+        </p:blipFill>
+        <p:spPr>
+          <a:xfrm>
+            <a:off x="83993" y="881248"/>
+            <a:ext cx="1039339" cy="770907"/>
+          </a:xfrm>
+          <a:prstGeom prst="rect">
+            <a:avLst/>
+          </a:prstGeom>
+        </p:spPr>
+      </p:pic>
+      <p:pic>
+        <p:nvPicPr>
+          <p:cNvPr id="24" name="Imagem 24" descr="Uma imagem com texto&#10;&#10;Descrição gerada automaticamente">
+            <a:extLst>
+              <a:ext uri="{FF2B5EF4-FFF2-40B4-BE49-F238E27FC236}">
+                <a16:creationId xmlns:a16="http://schemas.microsoft.com/office/drawing/2014/main" id="{E26DCDC1-6827-1ECD-5078-B28819CA195B}"/>
+              </a:ext>
+            </a:extLst>
+          </p:cNvPr>
+          <p:cNvPicPr>
+            <a:picLocks noChangeAspect="1"/>
+          </p:cNvPicPr>
+          <p:nvPr/>
+        </p:nvPicPr>
+        <p:blipFill>
+          <a:blip r:embed="rId4"/>
+          <a:stretch>
+            <a:fillRect/>
+          </a:stretch>
+        </p:blipFill>
+        <p:spPr>
+          <a:xfrm>
+            <a:off x="83993" y="1934256"/>
+            <a:ext cx="1039339" cy="733178"/>
+          </a:xfrm>
+          <a:prstGeom prst="rect">
+            <a:avLst/>
+          </a:prstGeom>
+        </p:spPr>
+      </p:pic>
+      <p:pic>
+        <p:nvPicPr>
+          <p:cNvPr id="25" name="Imagem 25" descr="Uma imagem com texto&#10;&#10;Descrição gerada automaticamente">
+            <a:extLst>
+              <a:ext uri="{FF2B5EF4-FFF2-40B4-BE49-F238E27FC236}">
+                <a16:creationId xmlns:a16="http://schemas.microsoft.com/office/drawing/2014/main" id="{E156A559-4636-E3D9-ABA0-00F946E54FBF}"/>
+              </a:ext>
+            </a:extLst>
+          </p:cNvPr>
+          <p:cNvPicPr>
+            <a:picLocks noChangeAspect="1"/>
+          </p:cNvPicPr>
+          <p:nvPr/>
+        </p:nvPicPr>
+        <p:blipFill>
+          <a:blip r:embed="rId5"/>
+          <a:stretch>
+            <a:fillRect/>
+          </a:stretch>
+        </p:blipFill>
+        <p:spPr>
+          <a:xfrm>
+            <a:off x="83993" y="3062411"/>
+            <a:ext cx="1039339" cy="733178"/>
+          </a:xfrm>
+          <a:prstGeom prst="rect">
+            <a:avLst/>
+          </a:prstGeom>
+        </p:spPr>
+      </p:pic>
+      <p:sp>
+        <p:nvSpPr>
+          <p:cNvPr id="2" name="CaixaDeTexto 1">
+            <a:extLst>
+              <a:ext uri="{FF2B5EF4-FFF2-40B4-BE49-F238E27FC236}">
+                <a16:creationId xmlns:a16="http://schemas.microsoft.com/office/drawing/2014/main" id="{83BCFA7C-9977-76F5-0085-B3622E9EE2C0}"/>
+              </a:ext>
+            </a:extLst>
+          </p:cNvPr>
+          <p:cNvSpPr txBox="1"/>
+          <p:nvPr/>
+        </p:nvSpPr>
+        <p:spPr>
+          <a:xfrm>
+            <a:off x="79167" y="4858985"/>
+            <a:ext cx="2556038" cy="1600438"/>
+          </a:xfrm>
+          <a:prstGeom prst="rect">
+            <a:avLst/>
+          </a:prstGeom>
+          <a:solidFill>
+            <a:schemeClr val="bg1"/>
+          </a:solidFill>
+        </p:spPr>
+        <p:txBody>
+          <a:bodyPr rot="0" spcFirstLastPara="0" vert="horz" wrap="square" lIns="91440" tIns="45720" rIns="91440" bIns="45720" numCol="1" spcCol="0" rtlCol="0" fromWordArt="0" anchor="t" anchorCtr="0" forceAA="0" compatLnSpc="1">
+            <a:prstTxWarp prst="textNoShape">
+              <a:avLst/>
+            </a:prstTxWarp>
+            <a:spAutoFit/>
+          </a:bodyPr>
+          <a:lstStyle>
+            <a:defPPr>
+              <a:defRPr lang="en-US"/>
+            </a:defPPr>
+            <a:lvl1pPr marL="0" algn="l" defTabSz="457200" rtl="0" eaLnBrk="1" latinLnBrk="0" hangingPunct="1">
+              <a:defRPr sz="1800" kern="1200">
+                <a:solidFill>
+                  <a:schemeClr val="tx1"/>
+                </a:solidFill>
+                <a:latin typeface="+mn-lt"/>
+                <a:ea typeface="+mn-ea"/>
+                <a:cs typeface="+mn-cs"/>
+              </a:defRPr>
+            </a:lvl1pPr>
+            <a:lvl2pPr marL="457200" algn="l" defTabSz="457200" rtl="0" eaLnBrk="1" latinLnBrk="0" hangingPunct="1">
+              <a:defRPr sz="1800" kern="1200">
+                <a:solidFill>
+                  <a:schemeClr val="tx1"/>
+                </a:solidFill>
+                <a:latin typeface="+mn-lt"/>
+                <a:ea typeface="+mn-ea"/>
+                <a:cs typeface="+mn-cs"/>
+              </a:defRPr>
+            </a:lvl2pPr>
+            <a:lvl3pPr marL="914400" algn="l" defTabSz="457200" rtl="0" eaLnBrk="1" latinLnBrk="0" hangingPunct="1">
+              <a:defRPr sz="1800" kern="1200">
+                <a:solidFill>
+                  <a:schemeClr val="tx1"/>
+                </a:solidFill>
+                <a:latin typeface="+mn-lt"/>
+                <a:ea typeface="+mn-ea"/>
+                <a:cs typeface="+mn-cs"/>
+              </a:defRPr>
+            </a:lvl3pPr>
+            <a:lvl4pPr marL="1371600" algn="l" defTabSz="457200" rtl="0" eaLnBrk="1" latinLnBrk="0" hangingPunct="1">
+              <a:defRPr sz="1800" kern="1200">
+                <a:solidFill>
+                  <a:schemeClr val="tx1"/>
+                </a:solidFill>
+                <a:latin typeface="+mn-lt"/>
+                <a:ea typeface="+mn-ea"/>
+                <a:cs typeface="+mn-cs"/>
+              </a:defRPr>
+            </a:lvl4pPr>
+            <a:lvl5pPr marL="1828800" algn="l" defTabSz="457200" rtl="0" eaLnBrk="1" latinLnBrk="0" hangingPunct="1">
+              <a:defRPr sz="1800" kern="1200">
+                <a:solidFill>
+                  <a:schemeClr val="tx1"/>
+                </a:solidFill>
+                <a:latin typeface="+mn-lt"/>
+                <a:ea typeface="+mn-ea"/>
+                <a:cs typeface="+mn-cs"/>
+              </a:defRPr>
+            </a:lvl5pPr>
+            <a:lvl6pPr marL="2286000" algn="l" defTabSz="457200" rtl="0" eaLnBrk="1" latinLnBrk="0" hangingPunct="1">
+              <a:defRPr sz="1800" kern="1200">
+                <a:solidFill>
+                  <a:schemeClr val="tx1"/>
+                </a:solidFill>
+                <a:latin typeface="+mn-lt"/>
+                <a:ea typeface="+mn-ea"/>
+                <a:cs typeface="+mn-cs"/>
+              </a:defRPr>
+            </a:lvl6pPr>
+            <a:lvl7pPr marL="2743200" algn="l" defTabSz="457200" rtl="0" eaLnBrk="1" latinLnBrk="0" hangingPunct="1">
+              <a:defRPr sz="1800" kern="1200">
+                <a:solidFill>
+                  <a:schemeClr val="tx1"/>
+                </a:solidFill>
+                <a:latin typeface="+mn-lt"/>
+                <a:ea typeface="+mn-ea"/>
+                <a:cs typeface="+mn-cs"/>
+              </a:defRPr>
+            </a:lvl7pPr>
+            <a:lvl8pPr marL="3200400" algn="l" defTabSz="457200" rtl="0" eaLnBrk="1" latinLnBrk="0" hangingPunct="1">
+              <a:defRPr sz="1800" kern="1200">
+                <a:solidFill>
+                  <a:schemeClr val="tx1"/>
+                </a:solidFill>
+                <a:latin typeface="+mn-lt"/>
+                <a:ea typeface="+mn-ea"/>
+                <a:cs typeface="+mn-cs"/>
+              </a:defRPr>
+            </a:lvl8pPr>
+            <a:lvl9pPr marL="3657600" algn="l" defTabSz="457200" rtl="0" eaLnBrk="1" latinLnBrk="0" hangingPunct="1">
+              <a:defRPr sz="1800" kern="1200">
+                <a:solidFill>
+                  <a:schemeClr val="tx1"/>
+                </a:solidFill>
+                <a:latin typeface="+mn-lt"/>
+                <a:ea typeface="+mn-ea"/>
+                <a:cs typeface="+mn-cs"/>
+              </a:defRPr>
+            </a:lvl9pPr>
+          </a:lstStyle>
+          <a:p>
+            <a:r>
+              <a:rPr lang="pt-PT" sz="1400" dirty="0">
+                <a:cs typeface="Calibri"/>
+              </a:rPr>
+              <a:t>Custo total de implementação:</a:t>
+            </a:r>
+          </a:p>
+          <a:p>
+            <a:r>
+              <a:rPr lang="pt-PT" sz="1400" dirty="0">
+                <a:cs typeface="Calibri"/>
+              </a:rPr>
+              <a:t>39   AND</a:t>
+            </a:r>
+          </a:p>
+          <a:p>
+            <a:r>
+              <a:rPr lang="pt-PT" sz="1400" dirty="0">
+                <a:cs typeface="Calibri"/>
+              </a:rPr>
+              <a:t>43   XOR</a:t>
+            </a:r>
+          </a:p>
+          <a:p>
+            <a:r>
+              <a:rPr lang="pt-PT" sz="1400" dirty="0">
+                <a:cs typeface="Calibri"/>
+              </a:rPr>
+              <a:t>19   OR</a:t>
+            </a:r>
+          </a:p>
+          <a:p>
+            <a:r>
+              <a:rPr lang="pt-PT" sz="1400" dirty="0">
+                <a:cs typeface="Calibri"/>
+              </a:rPr>
+              <a:t>4     NOR</a:t>
+            </a:r>
+          </a:p>
+          <a:p>
+            <a:r>
+              <a:rPr lang="pt-PT" sz="1400" dirty="0">
+                <a:cs typeface="Calibri"/>
+              </a:rPr>
+              <a:t>12   NOT</a:t>
+            </a:r>
+          </a:p>
+          <a:p>
+            <a:endParaRPr lang="pt-PT" sz="1400" dirty="0">
+              <a:cs typeface="Calibri"/>
+            </a:endParaRPr>
+          </a:p>
+        </p:txBody>
+      </p:sp>
+      <p:sp>
+        <p:nvSpPr>
+          <p:cNvPr id="3" name="CaixaDeTexto 2">
+            <a:extLst>
+              <a:ext uri="{FF2B5EF4-FFF2-40B4-BE49-F238E27FC236}">
+                <a16:creationId xmlns:a16="http://schemas.microsoft.com/office/drawing/2014/main" id="{F26A0E63-35E0-C177-245F-115173EEBC7D}"/>
+              </a:ext>
+            </a:extLst>
+          </p:cNvPr>
+          <p:cNvSpPr txBox="1"/>
+          <p:nvPr/>
+        </p:nvSpPr>
+        <p:spPr>
+          <a:xfrm>
+            <a:off x="6739245" y="6115790"/>
+            <a:ext cx="5455596" cy="738664"/>
+          </a:xfrm>
+          <a:prstGeom prst="rect">
+            <a:avLst/>
+          </a:prstGeom>
+          <a:solidFill>
+            <a:schemeClr val="bg1"/>
+          </a:solidFill>
+        </p:spPr>
+        <p:txBody>
+          <a:bodyPr rot="0" spcFirstLastPara="0" vert="horz" wrap="square" lIns="91440" tIns="45720" rIns="91440" bIns="45720" numCol="1" spcCol="0" rtlCol="0" fromWordArt="0" anchor="t" anchorCtr="0" forceAA="0" compatLnSpc="1">
+            <a:prstTxWarp prst="textNoShape">
+              <a:avLst/>
+            </a:prstTxWarp>
+            <a:spAutoFit/>
+          </a:bodyPr>
+          <a:lstStyle>
+            <a:defPPr>
+              <a:defRPr lang="en-US"/>
+            </a:defPPr>
+            <a:lvl1pPr marL="0" algn="l" defTabSz="457200" rtl="0" eaLnBrk="1" latinLnBrk="0" hangingPunct="1">
+              <a:defRPr sz="1800" kern="1200">
+                <a:solidFill>
+                  <a:schemeClr val="tx1"/>
+                </a:solidFill>
+                <a:latin typeface="+mn-lt"/>
+                <a:ea typeface="+mn-ea"/>
+                <a:cs typeface="+mn-cs"/>
+              </a:defRPr>
+            </a:lvl1pPr>
+            <a:lvl2pPr marL="457200" algn="l" defTabSz="457200" rtl="0" eaLnBrk="1" latinLnBrk="0" hangingPunct="1">
+              <a:defRPr sz="1800" kern="1200">
+                <a:solidFill>
+                  <a:schemeClr val="tx1"/>
+                </a:solidFill>
+                <a:latin typeface="+mn-lt"/>
+                <a:ea typeface="+mn-ea"/>
+                <a:cs typeface="+mn-cs"/>
+              </a:defRPr>
+            </a:lvl2pPr>
+            <a:lvl3pPr marL="914400" algn="l" defTabSz="457200" rtl="0" eaLnBrk="1" latinLnBrk="0" hangingPunct="1">
+              <a:defRPr sz="1800" kern="1200">
+                <a:solidFill>
+                  <a:schemeClr val="tx1"/>
+                </a:solidFill>
+                <a:latin typeface="+mn-lt"/>
+                <a:ea typeface="+mn-ea"/>
+                <a:cs typeface="+mn-cs"/>
+              </a:defRPr>
+            </a:lvl3pPr>
+            <a:lvl4pPr marL="1371600" algn="l" defTabSz="457200" rtl="0" eaLnBrk="1" latinLnBrk="0" hangingPunct="1">
+              <a:defRPr sz="1800" kern="1200">
+                <a:solidFill>
+                  <a:schemeClr val="tx1"/>
+                </a:solidFill>
+                <a:latin typeface="+mn-lt"/>
+                <a:ea typeface="+mn-ea"/>
+                <a:cs typeface="+mn-cs"/>
+              </a:defRPr>
+            </a:lvl4pPr>
+            <a:lvl5pPr marL="1828800" algn="l" defTabSz="457200" rtl="0" eaLnBrk="1" latinLnBrk="0" hangingPunct="1">
+              <a:defRPr sz="1800" kern="1200">
+                <a:solidFill>
+                  <a:schemeClr val="tx1"/>
+                </a:solidFill>
+                <a:latin typeface="+mn-lt"/>
+                <a:ea typeface="+mn-ea"/>
+                <a:cs typeface="+mn-cs"/>
+              </a:defRPr>
+            </a:lvl5pPr>
+            <a:lvl6pPr marL="2286000" algn="l" defTabSz="457200" rtl="0" eaLnBrk="1" latinLnBrk="0" hangingPunct="1">
+              <a:defRPr sz="1800" kern="1200">
+                <a:solidFill>
+                  <a:schemeClr val="tx1"/>
+                </a:solidFill>
+                <a:latin typeface="+mn-lt"/>
+                <a:ea typeface="+mn-ea"/>
+                <a:cs typeface="+mn-cs"/>
+              </a:defRPr>
+            </a:lvl6pPr>
+            <a:lvl7pPr marL="2743200" algn="l" defTabSz="457200" rtl="0" eaLnBrk="1" latinLnBrk="0" hangingPunct="1">
+              <a:defRPr sz="1800" kern="1200">
+                <a:solidFill>
+                  <a:schemeClr val="tx1"/>
+                </a:solidFill>
+                <a:latin typeface="+mn-lt"/>
+                <a:ea typeface="+mn-ea"/>
+                <a:cs typeface="+mn-cs"/>
+              </a:defRPr>
+            </a:lvl7pPr>
+            <a:lvl8pPr marL="3200400" algn="l" defTabSz="457200" rtl="0" eaLnBrk="1" latinLnBrk="0" hangingPunct="1">
+              <a:defRPr sz="1800" kern="1200">
+                <a:solidFill>
+                  <a:schemeClr val="tx1"/>
+                </a:solidFill>
+                <a:latin typeface="+mn-lt"/>
+                <a:ea typeface="+mn-ea"/>
+                <a:cs typeface="+mn-cs"/>
+              </a:defRPr>
+            </a:lvl8pPr>
+            <a:lvl9pPr marL="3657600" algn="l" defTabSz="457200" rtl="0" eaLnBrk="1" latinLnBrk="0" hangingPunct="1">
+              <a:defRPr sz="1800" kern="1200">
+                <a:solidFill>
+                  <a:schemeClr val="tx1"/>
+                </a:solidFill>
+                <a:latin typeface="+mn-lt"/>
+                <a:ea typeface="+mn-ea"/>
+                <a:cs typeface="+mn-cs"/>
+              </a:defRPr>
+            </a:lvl9pPr>
+          </a:lstStyle>
+          <a:p>
+            <a:r>
+              <a:rPr lang="pt-PT" sz="1400" dirty="0">
+                <a:cs typeface="Calibri"/>
+              </a:rPr>
+              <a:t>Atraso de propagação:</a:t>
+            </a:r>
+          </a:p>
+          <a:p>
+            <a:r>
+              <a:rPr lang="pt-PT" sz="1400" dirty="0">
+                <a:cs typeface="Calibri"/>
+              </a:rPr>
+              <a:t>(12 XOR + 12 NOT + 12 OR + 12 AND + 4 NOR) + 1 NOR + 3 AND + 4 XOR</a:t>
+            </a:r>
+          </a:p>
+          <a:p>
+            <a:endParaRPr lang="pt-PT" sz="1400" dirty="0">
+              <a:cs typeface="Calibri"/>
+            </a:endParaRPr>
+          </a:p>
+        </p:txBody>
+      </p:sp>
+    </p:spTree>
+    <p:extLst>
+      <p:ext uri="{BB962C8B-B14F-4D97-AF65-F5344CB8AC3E}">
+        <p14:creationId xmlns:p14="http://schemas.microsoft.com/office/powerpoint/2010/main" val="2336599768"/>
+      </p:ext>
+    </p:extLst>
+  </p:cSld>
+  <p:clrMapOvr>
+    <a:masterClrMapping/>
+  </p:clrMapOvr>
+</p:sld>
+</file>
+
+<file path=ppt/slides/slide5.xml><?xml version="1.0" encoding="utf-8"?>
+<p:sld xmlns:a="http://schemas.openxmlformats.org/drawingml/2006/main" xmlns:r="http://schemas.openxmlformats.org/officeDocument/2006/relationships" xmlns:p="http://schemas.openxmlformats.org/presentationml/2006/main">
+  <p:cSld>
+    <p:spTree>
+      <p:nvGrpSpPr>
+        <p:cNvPr id="1" name=""/>
+        <p:cNvGrpSpPr/>
+        <p:nvPr/>
+      </p:nvGrpSpPr>
+      <p:grpSpPr>
+        <a:xfrm>
+          <a:off x="0" y="0"/>
+          <a:ext cx="0" cy="0"/>
+          <a:chOff x="0" y="0"/>
+          <a:chExt cx="0" cy="0"/>
+        </a:xfrm>
+      </p:grpSpPr>
+    </p:spTree>
+    <p:extLst>
+      <p:ext uri="{BB962C8B-B14F-4D97-AF65-F5344CB8AC3E}">
+        <p14:creationId xmlns:p14="http://schemas.microsoft.com/office/powerpoint/2010/main" val="1990263574"/>
+      </p:ext>
+    </p:extLst>
+  </p:cSld>
+  <p:clrMapOvr>
+    <a:masterClrMapping/>
+  </p:clrMapOvr>
+</p:sld>
+</file>
+
+<file path=ppt/slides/slide6.xml><?xml version="1.0" encoding="utf-8"?>
+<p:sld xmlns:a="http://schemas.openxmlformats.org/drawingml/2006/main" xmlns:r="http://schemas.openxmlformats.org/officeDocument/2006/relationships" xmlns:p="http://schemas.openxmlformats.org/presentationml/2006/main">
+  <p:cSld>
+    <p:spTree>
+      <p:nvGrpSpPr>
+        <p:cNvPr id="1" name=""/>
+        <p:cNvGrpSpPr/>
+        <p:nvPr/>
+      </p:nvGrpSpPr>
+      <p:grpSpPr>
+        <a:xfrm>
+          <a:off x="0" y="0"/>
+          <a:ext cx="0" cy="0"/>
+          <a:chOff x="0" y="0"/>
+          <a:chExt cx="0" cy="0"/>
+        </a:xfrm>
+      </p:grpSpPr>
+    </p:spTree>
+    <p:extLst>
+      <p:ext uri="{BB962C8B-B14F-4D97-AF65-F5344CB8AC3E}">
+        <p14:creationId xmlns:p14="http://schemas.microsoft.com/office/powerpoint/2010/main" val="2059703500"/>
+      </p:ext>
+    </p:extLst>
+  </p:cSld>
+  <p:clrMapOvr>
+    <a:masterClrMapping/>
+  </p:clrMapOvr>
+</p:sld>
+</file>
+
+<file path=ppt/slides/slide7.xml><?xml version="1.0" encoding="utf-8"?>
+<p:sld xmlns:a="http://schemas.openxmlformats.org/drawingml/2006/main" xmlns:r="http://schemas.openxmlformats.org/officeDocument/2006/relationships" xmlns:p="http://schemas.openxmlformats.org/presentationml/2006/main">
+  <p:cSld>
+    <p:spTree>
+      <p:nvGrpSpPr>
+        <p:cNvPr id="1" name=""/>
+        <p:cNvGrpSpPr/>
+        <p:nvPr/>
+      </p:nvGrpSpPr>
+      <p:grpSpPr>
+        <a:xfrm>
+          <a:off x="0" y="0"/>
+          <a:ext cx="0" cy="0"/>
+          <a:chOff x="0" y="0"/>
+          <a:chExt cx="0" cy="0"/>
+        </a:xfrm>
+      </p:grpSpPr>
+    </p:spTree>
+    <p:extLst>
+      <p:ext uri="{BB962C8B-B14F-4D97-AF65-F5344CB8AC3E}">
+        <p14:creationId xmlns:p14="http://schemas.microsoft.com/office/powerpoint/2010/main" val="2318933286"/>
+      </p:ext>
+    </p:extLst>
+  </p:cSld>
+  <p:clrMapOvr>
+    <a:masterClrMapping/>
+  </p:clrMapOvr>
+</p:sld>
+</file>
+
+<file path=ppt/slides/slide8.xml><?xml version="1.0" encoding="utf-8"?>
+<p:sld xmlns:a="http://schemas.openxmlformats.org/drawingml/2006/main" xmlns:r="http://schemas.openxmlformats.org/officeDocument/2006/relationships" xmlns:p="http://schemas.openxmlformats.org/presentationml/2006/main">
+  <p:cSld>
+    <p:spTree>
+      <p:nvGrpSpPr>
+        <p:cNvPr id="1" name=""/>
+        <p:cNvGrpSpPr/>
+        <p:nvPr/>
+      </p:nvGrpSpPr>
+      <p:grpSpPr>
+        <a:xfrm>
+          <a:off x="0" y="0"/>
+          <a:ext cx="0" cy="0"/>
+          <a:chOff x="0" y="0"/>
+          <a:chExt cx="0" cy="0"/>
+        </a:xfrm>
+      </p:grpSpPr>
       <p:sp>
         <p:nvSpPr>
           <p:cNvPr id="6" name="object 6"/>
@@ -5247,7 +9055,7 @@
             </a:pPr>
             <a:fld id="{81D60167-4931-47E6-BA6A-407CBD079E47}" type="slidenum">
               <a:rPr dirty="0"/>
-              <a:t>4</a:t>
+              <a:t>8</a:t>
             </a:fld>
             <a:endParaRPr dirty="0"/>
           </a:p>
@@ -5261,8 +9069,8 @@
         </p:nvSpPr>
         <p:spPr>
           <a:xfrm>
-            <a:off x="995729" y="1752600"/>
-            <a:ext cx="9909810" cy="4806572"/>
+            <a:off x="995729" y="1746387"/>
+            <a:ext cx="9909810" cy="1218026"/>
           </a:xfrm>
           <a:prstGeom prst="rect">
             <a:avLst/>
@@ -5275,526 +9083,177 @@
           <a:lstStyle/>
           <a:p>
             <a:pPr marL="12700">
+              <a:spcBef>
+                <a:spcPts val="980"/>
+              </a:spcBef>
+              <a:tabLst>
+                <a:tab pos="558165" algn="l"/>
+              </a:tabLst>
+            </a:pPr>
+            <a:r>
+              <a:rPr sz="2500" dirty="0">
+                <a:solidFill>
+                  <a:srgbClr val="E48312"/>
+                </a:solidFill>
+                <a:latin typeface="MS UI Gothic"/>
+                <a:cs typeface="MS UI Gothic"/>
+              </a:rPr>
+              <a:t>❏	</a:t>
+            </a:r>
+            <a:r>
+              <a:rPr lang="pt-PT" sz="1600" spc="30" dirty="0">
+                <a:solidFill>
+                  <a:srgbClr val="E48312"/>
+                </a:solidFill>
+                <a:latin typeface="Georgia"/>
+                <a:cs typeface="MS UI Gothic"/>
+              </a:rPr>
+              <a:t>Solução discutida na aula</a:t>
+            </a:r>
+            <a:r>
+              <a:rPr sz="1600" spc="5" dirty="0">
+                <a:latin typeface="Georgia"/>
+                <a:cs typeface="Georgia"/>
+              </a:rPr>
+              <a:t>:</a:t>
+            </a:r>
+            <a:endParaRPr sz="1600" dirty="0">
+              <a:latin typeface="Georgia"/>
+              <a:cs typeface="Georgia"/>
+            </a:endParaRPr>
+          </a:p>
+          <a:p>
+            <a:pPr marL="605790">
               <a:lnSpc>
-                <a:spcPct val="100000"/>
+                <a:spcPct val="150000"/>
               </a:lnSpc>
               <a:spcBef>
-                <a:spcPts val="100"/>
+                <a:spcPts val="495"/>
               </a:spcBef>
-            </a:pPr>
-            <a:r>
-              <a:rPr spc="25" dirty="0">
-                <a:latin typeface="Georgia"/>
-              </a:rPr>
-              <a:t>❏	</a:t>
-            </a:r>
-            <a:r>
-              <a:rPr lang="en-US" spc="25" dirty="0">
-                <a:latin typeface="Georgia"/>
-              </a:rPr>
-              <a:t>Divide-se em 3 </a:t>
-            </a:r>
-            <a:r>
-              <a:rPr lang="en-US" spc="25" dirty="0" err="1">
-                <a:latin typeface="Georgia"/>
-              </a:rPr>
-              <a:t>partes</a:t>
-            </a:r>
-            <a:r>
-              <a:rPr lang="en-US" spc="25" dirty="0">
-                <a:latin typeface="Georgia"/>
-              </a:rPr>
-              <a:t>:</a:t>
-            </a:r>
-          </a:p>
-          <a:p>
-            <a:pPr marL="469900" indent="-328295">
-              <a:lnSpc>
-                <a:spcPct val="100000"/>
-              </a:lnSpc>
-              <a:buFont typeface="Arial"/>
-              <a:buChar char="●"/>
               <a:tabLst>
-                <a:tab pos="469265" algn="l"/>
-                <a:tab pos="469900" algn="l"/>
+                <a:tab pos="1015365" algn="l"/>
               </a:tabLst>
             </a:pPr>
             <a:r>
-              <a:rPr lang="en-US" spc="25" dirty="0" err="1">
+              <a:rPr sz="1400" dirty="0">
+                <a:latin typeface="MS UI Gothic"/>
+                <a:cs typeface="MS UI Gothic"/>
+              </a:rPr>
+              <a:t>❏	</a:t>
+            </a:r>
+            <a:r>
+              <a:rPr lang="pt-PT" sz="1400" spc="-10" dirty="0">
                 <a:latin typeface="Georgia"/>
-              </a:rPr>
-              <a:t>Verificar</a:t>
-            </a:r>
-            <a:r>
-              <a:rPr lang="en-US" spc="25" dirty="0">
+                <a:cs typeface="MS UI Gothic"/>
+              </a:rPr>
+              <a:t>São precisas 12 portas XOR</a:t>
+            </a:r>
+            <a:r>
+              <a:rPr sz="1400" spc="30" dirty="0">
                 <a:latin typeface="Georgia"/>
-              </a:rPr>
-              <a:t> a </a:t>
-            </a:r>
-            <a:r>
-              <a:rPr lang="en-US" spc="25" dirty="0" err="1">
-                <a:latin typeface="Georgia"/>
-              </a:rPr>
-              <a:t>paridade</a:t>
-            </a:r>
-            <a:endParaRPr lang="en-US" spc="25" dirty="0">
+                <a:cs typeface="Georgia"/>
+              </a:rPr>
+              <a:t>;</a:t>
+            </a:r>
+            <a:endParaRPr sz="1400" dirty="0">
               <a:latin typeface="Georgia"/>
+              <a:cs typeface="Georgia"/>
             </a:endParaRPr>
           </a:p>
           <a:p>
-            <a:pPr marL="927100" marR="59055" lvl="1" indent="-328295">
+            <a:pPr marL="605790">
               <a:lnSpc>
-                <a:spcPct val="103600"/>
+                <a:spcPct val="150000"/>
               </a:lnSpc>
               <a:spcBef>
-                <a:spcPts val="150"/>
+                <a:spcPts val="270"/>
               </a:spcBef>
-              <a:buSzPct val="118181"/>
-              <a:buFont typeface="Arial MT"/>
-              <a:buChar char="○"/>
               <a:tabLst>
-                <a:tab pos="926465" algn="l"/>
-                <a:tab pos="927100" algn="l"/>
+                <a:tab pos="1015365" algn="l"/>
               </a:tabLst>
             </a:pPr>
             <a:r>
-              <a:rPr lang="pt-PT" spc="25" dirty="0">
+              <a:rPr sz="1400" dirty="0">
+                <a:latin typeface="MS UI Gothic"/>
+                <a:cs typeface="MS UI Gothic"/>
+              </a:rPr>
+              <a:t>❏	</a:t>
+            </a:r>
+            <a:r>
+              <a:rPr lang="pt-PT" sz="1400" spc="-95" dirty="0">
                 <a:latin typeface="Georgia"/>
-              </a:rPr>
-              <a:t>Composto por 22 </a:t>
-            </a:r>
-            <a:r>
-              <a:rPr lang="pt-PT" spc="25" dirty="0" err="1">
+                <a:cs typeface="MS UI Gothic"/>
+              </a:rPr>
+              <a:t>Tempo de </a:t>
+            </a:r>
+            <a:r>
+              <a:rPr sz="1400" spc="30" dirty="0">
                 <a:latin typeface="Georgia"/>
-              </a:rPr>
-              <a:t>xors</a:t>
-            </a:r>
-            <a:r>
-              <a:rPr lang="pt-PT" spc="25" dirty="0">
+                <a:cs typeface="Georgia"/>
+              </a:rPr>
+              <a:t> </a:t>
+            </a:r>
+            <a:r>
+              <a:rPr lang="pt-PT" sz="1400" spc="30" dirty="0">
                 <a:latin typeface="Georgia"/>
-              </a:rPr>
-              <a:t> para gerar os bits que verificam se houve ou não um erro.</a:t>
-            </a:r>
-            <a:endParaRPr lang="en-US" spc="25" dirty="0">
+                <a:cs typeface="Georgia"/>
+              </a:rPr>
+              <a:t>propagação de atraso no pior caso são 3 XOR</a:t>
+            </a:r>
+            <a:endParaRPr sz="1400" dirty="0">
               <a:latin typeface="Georgia"/>
+              <a:cs typeface="Georgia"/>
             </a:endParaRPr>
           </a:p>
-          <a:p>
-            <a:pPr marL="469900" indent="-328295">
-              <a:lnSpc>
-                <a:spcPts val="1550"/>
-              </a:lnSpc>
-              <a:buFont typeface="Arial"/>
-              <a:buChar char="●"/>
-              <a:tabLst>
-                <a:tab pos="469265" algn="l"/>
-                <a:tab pos="469900" algn="l"/>
-              </a:tabLst>
-            </a:pPr>
-            <a:r>
-              <a:rPr lang="en-US" spc="25" dirty="0" err="1">
-                <a:latin typeface="Georgia"/>
-              </a:rPr>
-              <a:t>Descodificador</a:t>
-            </a:r>
-            <a:r>
-              <a:rPr lang="en-US" spc="25" dirty="0">
-                <a:latin typeface="Georgia"/>
-              </a:rPr>
-              <a:t> </a:t>
-            </a:r>
-            <a:r>
-              <a:rPr lang="en-US" spc="25" dirty="0">
-                <a:highlight>
-                  <a:srgbClr val="FFFF00"/>
-                </a:highlight>
-                <a:latin typeface="Georgia"/>
-              </a:rPr>
-              <a:t>4:11</a:t>
-            </a:r>
-          </a:p>
-          <a:p>
-            <a:pPr marL="927100" indent="-328295">
-              <a:lnSpc>
-                <a:spcPct val="100000"/>
-              </a:lnSpc>
-              <a:spcBef>
-                <a:spcPts val="200"/>
-              </a:spcBef>
-              <a:buSzPct val="118181"/>
-              <a:buFont typeface="Arial"/>
-              <a:buChar char="○"/>
-              <a:tabLst>
-                <a:tab pos="926465" algn="l"/>
-                <a:tab pos="927100" algn="l"/>
-              </a:tabLst>
-            </a:pPr>
-            <a:r>
-              <a:rPr lang="pt-PT" spc="25" dirty="0">
-                <a:latin typeface="Georgia"/>
-              </a:rPr>
-              <a:t>Para encontrar o bit que precisa de ser corrigido.</a:t>
-            </a:r>
-            <a:endParaRPr lang="en-US" spc="25" dirty="0">
-              <a:latin typeface="Georgia"/>
-            </a:endParaRPr>
-          </a:p>
-          <a:p>
-            <a:pPr marL="469900" indent="-328295">
-              <a:lnSpc>
-                <a:spcPct val="100000"/>
-              </a:lnSpc>
-              <a:spcBef>
-                <a:spcPts val="40"/>
-              </a:spcBef>
-              <a:buFont typeface="Arial"/>
-              <a:buChar char="●"/>
-              <a:tabLst>
-                <a:tab pos="469265" algn="l"/>
-                <a:tab pos="469900" algn="l"/>
-              </a:tabLst>
-            </a:pPr>
-            <a:r>
-              <a:rPr lang="en-US" spc="25" dirty="0">
-                <a:latin typeface="Georgia"/>
-              </a:rPr>
-              <a:t>Bit ERROR</a:t>
-            </a:r>
-          </a:p>
-          <a:p>
-            <a:pPr marL="927100" marR="5080" lvl="1" indent="-328295">
-              <a:lnSpc>
-                <a:spcPct val="103600"/>
-              </a:lnSpc>
-              <a:spcBef>
-                <a:spcPts val="155"/>
-              </a:spcBef>
-              <a:buSzPct val="118181"/>
-              <a:buFont typeface="Arial MT"/>
-              <a:buChar char="○"/>
-              <a:tabLst>
-                <a:tab pos="926465" algn="l"/>
-                <a:tab pos="927100" algn="l"/>
-              </a:tabLst>
-            </a:pPr>
-            <a:r>
-              <a:rPr lang="en-US" spc="25" dirty="0" err="1">
-                <a:latin typeface="Georgia"/>
-              </a:rPr>
-              <a:t>Composto</a:t>
-            </a:r>
-            <a:r>
-              <a:rPr lang="en-US" spc="25" dirty="0">
-                <a:latin typeface="Georgia"/>
-              </a:rPr>
-              <a:t> por </a:t>
-            </a:r>
-            <a:r>
-              <a:rPr lang="en-US" spc="25" dirty="0">
-                <a:highlight>
-                  <a:srgbClr val="FFFF00"/>
-                </a:highlight>
-                <a:latin typeface="Georgia"/>
-              </a:rPr>
-              <a:t>11</a:t>
-            </a:r>
-            <a:r>
-              <a:rPr lang="en-US" spc="25" dirty="0">
-                <a:latin typeface="Georgia"/>
-              </a:rPr>
-              <a:t> </a:t>
-            </a:r>
-            <a:r>
-              <a:rPr lang="en-US" spc="25" dirty="0" err="1">
-                <a:latin typeface="Georgia"/>
-              </a:rPr>
-              <a:t>xors</a:t>
-            </a:r>
-            <a:r>
-              <a:rPr lang="en-US" spc="25" dirty="0">
-                <a:latin typeface="Georgia"/>
-              </a:rPr>
-              <a:t> para ﬂip a </a:t>
-            </a:r>
-            <a:r>
-              <a:rPr lang="en-US" spc="25" dirty="0" err="1">
-                <a:latin typeface="Georgia"/>
-              </a:rPr>
-              <a:t>parte</a:t>
-            </a:r>
-            <a:r>
-              <a:rPr lang="en-US" spc="25" dirty="0">
-                <a:latin typeface="Georgia"/>
-              </a:rPr>
-              <a:t> </a:t>
-            </a:r>
-            <a:r>
-              <a:rPr lang="en-US" spc="25" dirty="0" err="1">
-                <a:latin typeface="Georgia"/>
-              </a:rPr>
-              <a:t>errada</a:t>
-            </a:r>
-            <a:r>
-              <a:rPr lang="en-US" spc="25" dirty="0">
-                <a:latin typeface="Georgia"/>
-              </a:rPr>
-              <a:t>.</a:t>
-            </a:r>
-          </a:p>
-          <a:p>
-            <a:pPr marL="927100" marR="5080" lvl="1" indent="-328295">
-              <a:lnSpc>
-                <a:spcPct val="103600"/>
-              </a:lnSpc>
-              <a:spcBef>
-                <a:spcPts val="155"/>
-              </a:spcBef>
-              <a:buSzPct val="118181"/>
-              <a:buFont typeface="Arial MT"/>
-              <a:buChar char="○"/>
-              <a:tabLst>
-                <a:tab pos="926465" algn="l"/>
-                <a:tab pos="927100" algn="l"/>
-              </a:tabLst>
-            </a:pPr>
-            <a:endParaRPr lang="en-US" spc="25" dirty="0">
-              <a:latin typeface="Georgia"/>
-            </a:endParaRPr>
-          </a:p>
-          <a:p>
-            <a:pPr marL="12700">
-              <a:lnSpc>
-                <a:spcPct val="100000"/>
-              </a:lnSpc>
-              <a:spcBef>
-                <a:spcPts val="5"/>
-              </a:spcBef>
-            </a:pPr>
-            <a:r>
-              <a:rPr lang="pt-PT" spc="25" dirty="0">
-                <a:latin typeface="Georgia"/>
-              </a:rPr>
-              <a:t>❏	</a:t>
-            </a:r>
-            <a:r>
-              <a:rPr lang="en-US" spc="25" dirty="0" err="1">
-                <a:latin typeface="Georgia"/>
-              </a:rPr>
-              <a:t>Custo</a:t>
-            </a:r>
-            <a:r>
-              <a:rPr lang="en-US" spc="25" dirty="0">
-                <a:latin typeface="Georgia"/>
-              </a:rPr>
-              <a:t> da </a:t>
-            </a:r>
-            <a:r>
-              <a:rPr lang="en-US" spc="25" dirty="0" err="1">
-                <a:latin typeface="Georgia"/>
-              </a:rPr>
-              <a:t>implementação</a:t>
-            </a:r>
-            <a:endParaRPr lang="en-US" spc="25" dirty="0">
-              <a:latin typeface="Georgia"/>
-            </a:endParaRPr>
-          </a:p>
-          <a:p>
-            <a:pPr marL="469900" indent="-328295">
-              <a:lnSpc>
-                <a:spcPct val="100000"/>
-              </a:lnSpc>
-              <a:buFont typeface="Arial MT"/>
-              <a:buChar char="●"/>
-              <a:tabLst>
-                <a:tab pos="469265" algn="l"/>
-                <a:tab pos="469900" algn="l"/>
-              </a:tabLst>
-            </a:pPr>
-            <a:r>
-              <a:rPr lang="en-US" spc="25" dirty="0">
-                <a:highlight>
-                  <a:srgbClr val="FFFF00"/>
-                </a:highlight>
-                <a:latin typeface="Georgia"/>
-              </a:rPr>
-              <a:t>33 XORs</a:t>
-            </a:r>
-          </a:p>
-          <a:p>
-            <a:pPr marL="469900" indent="-328295">
-              <a:lnSpc>
-                <a:spcPct val="100000"/>
-              </a:lnSpc>
-              <a:buFont typeface="Arial MT"/>
-              <a:buChar char="●"/>
-              <a:tabLst>
-                <a:tab pos="469265" algn="l"/>
-                <a:tab pos="469900" algn="l"/>
-              </a:tabLst>
-            </a:pPr>
-            <a:r>
-              <a:rPr lang="en-US" spc="25" dirty="0">
-                <a:highlight>
-                  <a:srgbClr val="FFFF00"/>
-                </a:highlight>
-                <a:latin typeface="Georgia"/>
-              </a:rPr>
-              <a:t>19 ANDs</a:t>
-            </a:r>
-          </a:p>
-          <a:p>
-            <a:pPr marL="469900" indent="-328295">
-              <a:lnSpc>
-                <a:spcPct val="100000"/>
-              </a:lnSpc>
-              <a:buFont typeface="Arial MT"/>
-              <a:buChar char="●"/>
-              <a:tabLst>
-                <a:tab pos="469265" algn="l"/>
-                <a:tab pos="469900" algn="l"/>
-              </a:tabLst>
-            </a:pPr>
-            <a:r>
-              <a:rPr lang="en-US" spc="25" dirty="0">
-                <a:highlight>
-                  <a:srgbClr val="FFFF00"/>
-                </a:highlight>
-                <a:latin typeface="Georgia"/>
-              </a:rPr>
-              <a:t>4 NOTs</a:t>
-            </a:r>
-          </a:p>
-          <a:p>
-            <a:pPr marL="12700">
-              <a:lnSpc>
-                <a:spcPct val="100000"/>
-              </a:lnSpc>
-              <a:spcBef>
-                <a:spcPts val="1305"/>
-              </a:spcBef>
-            </a:pPr>
-            <a:r>
-              <a:rPr lang="pt-PT" spc="25" dirty="0">
-                <a:latin typeface="Georgia"/>
-              </a:rPr>
-              <a:t>❏	</a:t>
-            </a:r>
-            <a:r>
-              <a:rPr lang="en-US" spc="25" dirty="0" err="1">
-                <a:latin typeface="Georgia"/>
-              </a:rPr>
-              <a:t>Atraso</a:t>
-            </a:r>
-            <a:r>
-              <a:rPr lang="en-US" spc="25" dirty="0">
-                <a:latin typeface="Georgia"/>
-              </a:rPr>
-              <a:t> de </a:t>
-            </a:r>
-            <a:r>
-              <a:rPr lang="en-US" spc="25" dirty="0" err="1">
-                <a:latin typeface="Georgia"/>
-              </a:rPr>
-              <a:t>propagação</a:t>
-            </a:r>
-            <a:endParaRPr lang="en-US" spc="25" dirty="0">
-              <a:latin typeface="Georgia"/>
-            </a:endParaRPr>
-          </a:p>
-          <a:p>
-            <a:pPr marL="469900" indent="-328295">
-              <a:lnSpc>
-                <a:spcPct val="100000"/>
-              </a:lnSpc>
-              <a:buFont typeface="Arial MT"/>
-              <a:buChar char="●"/>
-              <a:tabLst>
-                <a:tab pos="469265" algn="l"/>
-                <a:tab pos="469900" algn="l"/>
-              </a:tabLst>
-            </a:pPr>
-            <a:r>
-              <a:rPr lang="en-US" spc="25" dirty="0">
-                <a:highlight>
-                  <a:srgbClr val="FFFF00"/>
-                </a:highlight>
-                <a:latin typeface="Georgia"/>
-              </a:rPr>
-              <a:t>4 </a:t>
-            </a:r>
-            <a:r>
-              <a:rPr lang="en-US" spc="25" dirty="0">
-                <a:latin typeface="Georgia"/>
-              </a:rPr>
-              <a:t>XOR gates + </a:t>
-            </a:r>
-            <a:r>
-              <a:rPr lang="en-US" spc="25" dirty="0">
-                <a:highlight>
-                  <a:srgbClr val="FFFF00"/>
-                </a:highlight>
-                <a:latin typeface="Georgia"/>
-              </a:rPr>
-              <a:t>2 </a:t>
-            </a:r>
-            <a:r>
-              <a:rPr lang="en-US" spc="25" dirty="0">
-                <a:latin typeface="Georgia"/>
-              </a:rPr>
-              <a:t>AND gates + </a:t>
-            </a:r>
-            <a:r>
-              <a:rPr lang="en-US" spc="25" dirty="0">
-                <a:highlight>
-                  <a:srgbClr val="FFFF00"/>
-                </a:highlight>
-                <a:latin typeface="Georgia"/>
-              </a:rPr>
-              <a:t>1 </a:t>
-            </a:r>
-            <a:r>
-              <a:rPr lang="en-US" spc="25" dirty="0">
-                <a:latin typeface="Georgia"/>
-              </a:rPr>
-              <a:t>NOT gate</a:t>
-            </a:r>
-          </a:p>
-          <a:p>
-            <a:pPr marL="141605">
-              <a:lnSpc>
-                <a:spcPct val="100000"/>
-              </a:lnSpc>
-              <a:tabLst>
-                <a:tab pos="469265" algn="l"/>
-                <a:tab pos="469900" algn="l"/>
-              </a:tabLst>
-            </a:pPr>
-            <a:endParaRPr lang="en-US" spc="25" dirty="0">
-              <a:latin typeface="Georgia"/>
-            </a:endParaRPr>
-          </a:p>
-          <a:p>
-            <a:pPr marL="469900" marR="5080" indent="-328295">
-              <a:lnSpc>
-                <a:spcPct val="103600"/>
-              </a:lnSpc>
-              <a:spcBef>
-                <a:spcPts val="155"/>
-              </a:spcBef>
-              <a:buSzPct val="118181"/>
-              <a:buFont typeface="Arial MT"/>
-              <a:buChar char="○"/>
-              <a:tabLst>
-                <a:tab pos="926465" algn="l"/>
-                <a:tab pos="927100" algn="l"/>
-              </a:tabLst>
-            </a:pPr>
-            <a:endParaRPr lang="en-US" spc="25" dirty="0">
-              <a:latin typeface="Georgia"/>
-            </a:endParaRPr>
-          </a:p>
-        </p:txBody>
-      </p:sp>
+        </p:txBody>
+      </p:sp>
+      <p:pic>
+        <p:nvPicPr>
+          <p:cNvPr id="1026" name="Picture 2">
+            <a:extLst>
+              <a:ext uri="{FF2B5EF4-FFF2-40B4-BE49-F238E27FC236}">
+                <a16:creationId xmlns:a16="http://schemas.microsoft.com/office/drawing/2014/main" id="{6B8972D1-65F5-5D38-0340-5A7475A5CA3B}"/>
+              </a:ext>
+            </a:extLst>
+          </p:cNvPr>
+          <p:cNvPicPr>
+            <a:picLocks noChangeAspect="1" noChangeArrowheads="1"/>
+          </p:cNvPicPr>
+          <p:nvPr/>
+        </p:nvPicPr>
+        <p:blipFill>
+          <a:blip r:embed="rId2">
+            <a:extLst>
+              <a:ext uri="{28A0092B-C50C-407E-A947-70E740481C1C}">
+                <a14:useLocalDpi xmlns:a14="http://schemas.microsoft.com/office/drawing/2010/main" val="0"/>
+              </a:ext>
+            </a:extLst>
+          </a:blip>
+          <a:srcRect/>
+          <a:stretch>
+            <a:fillRect/>
+          </a:stretch>
+        </p:blipFill>
+        <p:spPr bwMode="auto">
+          <a:xfrm>
+            <a:off x="3066261" y="3165584"/>
+            <a:ext cx="5768745" cy="3093029"/>
+          </a:xfrm>
+          <a:prstGeom prst="rect">
+            <a:avLst/>
+          </a:prstGeom>
+          <a:noFill/>
+          <a:extLst>
+            <a:ext uri="{909E8E84-426E-40DD-AFC4-6F175D3DCCD1}">
+              <a14:hiddenFill xmlns:a14="http://schemas.microsoft.com/office/drawing/2010/main">
+                <a:solidFill>
+                  <a:srgbClr val="FFFFFF"/>
+                </a:solidFill>
+              </a14:hiddenFill>
+            </a:ext>
+          </a:extLst>
+        </p:spPr>
+      </p:pic>
       <p:sp>
         <p:nvSpPr>
           <p:cNvPr id="9" name="Title 8">
@@ -5818,30 +9277,20 @@
           <a:p>
             <a:r>
               <a:rPr lang="pt-PT" dirty="0"/>
-              <a:t>Descodificador em Paralelo</a:t>
+              <a:t>Codificador em Paralelo</a:t>
             </a:r>
           </a:p>
         </p:txBody>
       </p:sp>
     </p:spTree>
-    <p:extLst>
-      <p:ext uri="{BB962C8B-B14F-4D97-AF65-F5344CB8AC3E}">
-        <p14:creationId xmlns:p14="http://schemas.microsoft.com/office/powerpoint/2010/main" val="3822879057"/>
-      </p:ext>
-    </p:extLst>
   </p:cSld>
   <p:clrMapOvr>
     <a:masterClrMapping/>
   </p:clrMapOvr>
-  <p:extLst>
-    <p:ext uri="{6950BFC3-D8DA-4A85-94F7-54DA5524770B}">
-      <p188:commentRel xmlns:p188="http://schemas.microsoft.com/office/powerpoint/2018/8/main" r:id="rId2"/>
-    </p:ext>
-  </p:extLst>
 </p:sld>
 </file>
 
-<file path=ppt/slides/slide5.xml><?xml version="1.0" encoding="utf-8"?>
+<file path=ppt/slides/slide9.xml><?xml version="1.0" encoding="utf-8"?>
 <p:sld xmlns:a="http://schemas.openxmlformats.org/drawingml/2006/main" xmlns:r="http://schemas.openxmlformats.org/officeDocument/2006/relationships" xmlns:p="http://schemas.openxmlformats.org/presentationml/2006/main">
   <p:cSld>
     <p:spTree>
@@ -5946,7 +9395,7 @@
             </a:pPr>
             <a:fld id="{81D60167-4931-47E6-BA6A-407CBD079E47}" type="slidenum">
               <a:rPr lang="pt-PT" smtClean="0"/>
-              <a:t>5</a:t>
+              <a:t>9</a:t>
             </a:fld>
             <a:endParaRPr lang="pt-PT" dirty="0"/>
           </a:p>
@@ -5968,7 +9417,7 @@
           </a:prstGeom>
         </p:spPr>
         <p:txBody>
-          <a:bodyPr vert="horz" wrap="square" lIns="0" tIns="61594" rIns="0" bIns="0" rtlCol="0">
+          <a:bodyPr vert="horz" wrap="square" lIns="0" tIns="61594" rIns="0" bIns="0" rtlCol="0" anchor="t">
             <a:spAutoFit/>
           </a:bodyPr>
           <a:lstStyle/>
@@ -6061,19 +9510,19 @@
         </p:nvSpPr>
         <p:spPr>
           <a:xfrm>
-            <a:off x="1066800" y="462174"/>
+            <a:off x="1154083" y="977972"/>
             <a:ext cx="10058400" cy="734174"/>
           </a:xfrm>
         </p:spPr>
         <p:txBody>
           <a:bodyPr>
-            <a:normAutofit fontScale="90000"/>
+            <a:normAutofit/>
           </a:bodyPr>
           <a:lstStyle/>
           <a:p>
             <a:r>
               <a:rPr lang="pt-PT" dirty="0"/>
-              <a:t>Resultados do Descodificador em Paralelo</a:t>
+              <a:t>Resultados do codificador em Paralelo</a:t>
             </a:r>
           </a:p>
         </p:txBody>
@@ -6151,1468 +9600,6 @@
           </a:fontRef>
         </p:style>
       </p:cxnSp>
-    </p:spTree>
-    <p:extLst>
-      <p:ext uri="{BB962C8B-B14F-4D97-AF65-F5344CB8AC3E}">
-        <p14:creationId xmlns:p14="http://schemas.microsoft.com/office/powerpoint/2010/main" val="375959453"/>
-      </p:ext>
-    </p:extLst>
-  </p:cSld>
-  <p:clrMapOvr>
-    <a:masterClrMapping/>
-  </p:clrMapOvr>
-</p:sld>
-</file>
-
-<file path=ppt/slides/slide6.xml><?xml version="1.0" encoding="utf-8"?>
-<p:sld xmlns:a="http://schemas.openxmlformats.org/drawingml/2006/main" xmlns:r="http://schemas.openxmlformats.org/officeDocument/2006/relationships" xmlns:p="http://schemas.openxmlformats.org/presentationml/2006/main">
-  <p:cSld>
-    <p:bg>
-      <p:bgPr>
-        <a:solidFill>
-          <a:schemeClr val="bg1"/>
-        </a:solidFill>
-        <a:effectLst/>
-      </p:bgPr>
-    </p:bg>
-    <p:spTree>
-      <p:nvGrpSpPr>
-        <p:cNvPr id="1" name=""/>
-        <p:cNvGrpSpPr/>
-        <p:nvPr/>
-      </p:nvGrpSpPr>
-      <p:grpSpPr>
-        <a:xfrm>
-          <a:off x="0" y="0"/>
-          <a:ext cx="0" cy="0"/>
-          <a:chOff x="0" y="0"/>
-          <a:chExt cx="0" cy="0"/>
-        </a:xfrm>
-      </p:grpSpPr>
-      <p:sp useBgFill="1">
-        <p:nvSpPr>
-          <p:cNvPr id="12" name="Rectangle 11">
-            <a:extLst>
-              <a:ext uri="{FF2B5EF4-FFF2-40B4-BE49-F238E27FC236}">
-                <a16:creationId xmlns:a16="http://schemas.microsoft.com/office/drawing/2014/main" id="{44CC594A-A820-450F-B363-C19201FCFEC6}"/>
-              </a:ext>
-              <a:ext uri="{C183D7F6-B498-43B3-948B-1728B52AA6E4}">
-                <adec:decorative xmlns:adec="http://schemas.microsoft.com/office/drawing/2017/decorative" val="1"/>
-              </a:ext>
-            </a:extLst>
-          </p:cNvPr>
-          <p:cNvSpPr>
-            <a:spLocks noGrp="1" noRot="1" noChangeAspect="1" noMove="1" noResize="1" noEditPoints="1" noAdjustHandles="1" noChangeArrowheads="1" noChangeShapeType="1" noTextEdit="1"/>
-          </p:cNvSpPr>
-          <p:nvPr>
-            <p:extLst>
-              <p:ext uri="{386F3935-93C4-4BCD-93E2-E3B085C9AB24}">
-                <p16:designElem xmlns:p16="http://schemas.microsoft.com/office/powerpoint/2015/main" val="1"/>
-              </p:ext>
-            </p:extLst>
-          </p:nvPr>
-        </p:nvSpPr>
-        <p:spPr>
-          <a:xfrm>
-            <a:off x="0" y="0"/>
-            <a:ext cx="12186315" cy="6858000"/>
-          </a:xfrm>
-          <a:prstGeom prst="rect">
-            <a:avLst/>
-          </a:prstGeom>
-          <a:ln>
-            <a:noFill/>
-          </a:ln>
-        </p:spPr>
-        <p:style>
-          <a:lnRef idx="2">
-            <a:schemeClr val="accent6">
-              <a:shade val="50000"/>
-            </a:schemeClr>
-          </a:lnRef>
-          <a:fillRef idx="1001">
-            <a:schemeClr val="lt1"/>
-          </a:fillRef>
-          <a:effectRef idx="0">
-            <a:schemeClr val="accent6"/>
-          </a:effectRef>
-          <a:fontRef idx="minor">
-            <a:schemeClr val="lt1"/>
-          </a:fontRef>
-        </p:style>
-        <p:txBody>
-          <a:bodyPr rtlCol="0" anchor="ctr"/>
-          <a:lstStyle/>
-          <a:p>
-            <a:pPr algn="ctr"/>
-            <a:endParaRPr lang="en-US"/>
-          </a:p>
-        </p:txBody>
-      </p:sp>
-      <p:sp>
-        <p:nvSpPr>
-          <p:cNvPr id="14" name="Rectangle 13">
-            <a:extLst>
-              <a:ext uri="{FF2B5EF4-FFF2-40B4-BE49-F238E27FC236}">
-                <a16:creationId xmlns:a16="http://schemas.microsoft.com/office/drawing/2014/main" id="{59FAB3DA-E9ED-4574-ABCC-378BC0FF1BBC}"/>
-              </a:ext>
-              <a:ext uri="{C183D7F6-B498-43B3-948B-1728B52AA6E4}">
-                <adec:decorative xmlns:adec="http://schemas.microsoft.com/office/drawing/2017/decorative" val="1"/>
-              </a:ext>
-            </a:extLst>
-          </p:cNvPr>
-          <p:cNvSpPr>
-            <a:spLocks noGrp="1" noRot="1" noChangeAspect="1" noMove="1" noResize="1" noEditPoints="1" noAdjustHandles="1" noChangeArrowheads="1" noChangeShapeType="1" noTextEdit="1"/>
-          </p:cNvSpPr>
-          <p:nvPr>
-            <p:extLst>
-              <p:ext uri="{386F3935-93C4-4BCD-93E2-E3B085C9AB24}">
-                <p16:designElem xmlns:p16="http://schemas.microsoft.com/office/powerpoint/2015/main" val="1"/>
-              </p:ext>
-            </p:extLst>
-          </p:nvPr>
-        </p:nvSpPr>
-        <p:spPr>
-          <a:xfrm>
-            <a:off x="16" y="0"/>
-            <a:ext cx="4050791" cy="6858000"/>
-          </a:xfrm>
-          <a:prstGeom prst="rect">
-            <a:avLst/>
-          </a:prstGeom>
-          <a:solidFill>
-            <a:schemeClr val="accent2"/>
-          </a:solidFill>
-          <a:ln>
-            <a:noFill/>
-          </a:ln>
-        </p:spPr>
-        <p:style>
-          <a:lnRef idx="2">
-            <a:schemeClr val="accent1">
-              <a:shade val="50000"/>
-            </a:schemeClr>
-          </a:lnRef>
-          <a:fillRef idx="1">
-            <a:schemeClr val="accent1"/>
-          </a:fillRef>
-          <a:effectRef idx="0">
-            <a:schemeClr val="accent1"/>
-          </a:effectRef>
-          <a:fontRef idx="minor">
-            <a:schemeClr val="lt1"/>
-          </a:fontRef>
-        </p:style>
-      </p:sp>
-      <p:sp>
-        <p:nvSpPr>
-          <p:cNvPr id="2" name="object 2"/>
-          <p:cNvSpPr txBox="1">
-            <a:spLocks noGrp="1"/>
-          </p:cNvSpPr>
-          <p:nvPr>
-            <p:ph type="title"/>
-          </p:nvPr>
-        </p:nvSpPr>
-        <p:spPr>
-          <a:xfrm>
-            <a:off x="152400" y="315310"/>
-            <a:ext cx="3571529" cy="563310"/>
-          </a:xfrm>
-          <a:prstGeom prst="rect">
-            <a:avLst/>
-          </a:prstGeom>
-        </p:spPr>
-        <p:txBody>
-          <a:bodyPr vert="horz" lIns="91440" tIns="45720" rIns="91440" bIns="45720" rtlCol="0" anchor="b">
-            <a:normAutofit fontScale="90000"/>
-          </a:bodyPr>
-          <a:lstStyle/>
-          <a:p>
-            <a:pPr>
-              <a:tabLst>
-                <a:tab pos="2571750" algn="l"/>
-                <a:tab pos="2952750" algn="l"/>
-                <a:tab pos="10151745" algn="l"/>
-              </a:tabLst>
-            </a:pPr>
-            <a:r>
-              <a:rPr lang="en-US" sz="3600" dirty="0" err="1">
-                <a:solidFill>
-                  <a:srgbClr val="FFFFFF"/>
-                </a:solidFill>
-              </a:rPr>
-              <a:t>Codificador</a:t>
-            </a:r>
-            <a:r>
-              <a:rPr lang="en-US" sz="3600" dirty="0">
-                <a:solidFill>
-                  <a:srgbClr val="FFFFFF"/>
-                </a:solidFill>
-              </a:rPr>
-              <a:t> em Série</a:t>
-            </a:r>
-          </a:p>
-        </p:txBody>
-      </p:sp>
-      <p:sp>
-        <p:nvSpPr>
-          <p:cNvPr id="3" name="object 3"/>
-          <p:cNvSpPr txBox="1"/>
-          <p:nvPr/>
-        </p:nvSpPr>
-        <p:spPr>
-          <a:xfrm>
-            <a:off x="152400" y="1193930"/>
-            <a:ext cx="3657600" cy="5630980"/>
-          </a:xfrm>
-          <a:prstGeom prst="rect">
-            <a:avLst/>
-          </a:prstGeom>
-        </p:spPr>
-        <p:txBody>
-          <a:bodyPr vert="horz" lIns="0" tIns="45720" rIns="0" bIns="45720" rtlCol="0">
-            <a:normAutofit/>
-          </a:bodyPr>
-          <a:lstStyle/>
-          <a:p>
-            <a:pPr marL="12700" defTabSz="914400">
-              <a:spcBef>
-                <a:spcPts val="980"/>
-              </a:spcBef>
-              <a:buClr>
-                <a:schemeClr val="accent1"/>
-              </a:buClr>
-              <a:buFont typeface="Calibri" panose="020F0502020204030204" pitchFamily="34" charset="0"/>
-              <a:tabLst>
-                <a:tab pos="558165" algn="l"/>
-              </a:tabLst>
-            </a:pPr>
-            <a:r>
-              <a:rPr lang="en-US" sz="1300" dirty="0">
-                <a:solidFill>
-                  <a:srgbClr val="FFFFFF"/>
-                </a:solidFill>
-              </a:rPr>
-              <a:t>❏	</a:t>
-            </a:r>
-            <a:r>
-              <a:rPr lang="en-US" sz="1300" b="1" spc="35" dirty="0" err="1">
-                <a:solidFill>
-                  <a:srgbClr val="FFFFFF"/>
-                </a:solidFill>
-              </a:rPr>
-              <a:t>Custo</a:t>
-            </a:r>
-            <a:r>
-              <a:rPr lang="en-US" sz="1300" b="1" spc="35" dirty="0">
-                <a:solidFill>
-                  <a:srgbClr val="FFFFFF"/>
-                </a:solidFill>
-              </a:rPr>
-              <a:t> de </a:t>
-            </a:r>
-            <a:r>
-              <a:rPr lang="en-US" sz="1300" b="1" spc="35" dirty="0" err="1">
-                <a:solidFill>
-                  <a:srgbClr val="FFFFFF"/>
-                </a:solidFill>
-              </a:rPr>
-              <a:t>implementação</a:t>
-            </a:r>
-            <a:r>
-              <a:rPr lang="en-US" sz="1300" b="1" spc="30" dirty="0">
-                <a:solidFill>
-                  <a:srgbClr val="FFFFFF"/>
-                </a:solidFill>
-              </a:rPr>
-              <a:t>:</a:t>
-            </a:r>
-            <a:endParaRPr lang="en-US" sz="1300" dirty="0">
-              <a:solidFill>
-                <a:srgbClr val="FFFFFF"/>
-              </a:solidFill>
-            </a:endParaRPr>
-          </a:p>
-          <a:p>
-            <a:pPr marL="148590" marR="0" lvl="0" indent="0" algn="l" defTabSz="914400" rtl="0" eaLnBrk="1" fontAlgn="auto" latinLnBrk="0" hangingPunct="1">
-              <a:lnSpc>
-                <a:spcPct val="100000"/>
-              </a:lnSpc>
-              <a:spcBef>
-                <a:spcPts val="5"/>
-              </a:spcBef>
-              <a:spcAft>
-                <a:spcPts val="0"/>
-              </a:spcAft>
-              <a:buClr>
-                <a:srgbClr val="E48312"/>
-              </a:buClr>
-              <a:buSzTx/>
-              <a:buFont typeface="Calibri" panose="020F0502020204030204" pitchFamily="34" charset="0"/>
-              <a:buNone/>
-              <a:tabLst>
-                <a:tab pos="558165" algn="l"/>
-              </a:tabLst>
-              <a:defRPr/>
-            </a:pPr>
-            <a:r>
-              <a:rPr kumimoji="0" lang="en-US" sz="1300" b="0" i="0" u="none" strike="noStrike" kern="1200" cap="none" spc="0" normalizeH="0" baseline="0" noProof="0" dirty="0">
-                <a:ln>
-                  <a:noFill/>
-                </a:ln>
-                <a:solidFill>
-                  <a:srgbClr val="FFFFFF"/>
-                </a:solidFill>
-                <a:effectLst/>
-                <a:uLnTx/>
-                <a:uFillTx/>
-                <a:latin typeface="Calibri" panose="020F0502020204030204"/>
-                <a:ea typeface="+mn-ea"/>
-                <a:cs typeface="+mn-cs"/>
-              </a:rPr>
-              <a:t>❏	</a:t>
-            </a:r>
-            <a:r>
-              <a:rPr kumimoji="0" lang="en-US" sz="1300" b="0" i="0" u="none" strike="noStrike" kern="1200" cap="none" spc="20" normalizeH="0" baseline="0" noProof="0" dirty="0">
-                <a:ln>
-                  <a:noFill/>
-                </a:ln>
-                <a:solidFill>
-                  <a:srgbClr val="FFFFFF"/>
-                </a:solidFill>
-                <a:effectLst/>
-                <a:uLnTx/>
-                <a:uFillTx/>
-                <a:latin typeface="Calibri" panose="020F0502020204030204"/>
-                <a:ea typeface="+mn-ea"/>
-                <a:cs typeface="+mn-cs"/>
-              </a:rPr>
-              <a:t>bitCounter_3bits</a:t>
-            </a:r>
-          </a:p>
-          <a:p>
-            <a:pPr marL="148590" marR="0" lvl="0" indent="0" algn="l" defTabSz="914400" rtl="0" eaLnBrk="1" fontAlgn="auto" latinLnBrk="0" hangingPunct="1">
-              <a:spcBef>
-                <a:spcPts val="5"/>
-              </a:spcBef>
-              <a:spcAft>
-                <a:spcPts val="0"/>
-              </a:spcAft>
-              <a:buClr>
-                <a:srgbClr val="E48312"/>
-              </a:buClr>
-              <a:buSzTx/>
-              <a:buFontTx/>
-              <a:buNone/>
-              <a:tabLst>
-                <a:tab pos="558165" algn="l"/>
-              </a:tabLst>
-              <a:defRPr/>
-            </a:pPr>
-            <a:r>
-              <a:rPr kumimoji="0" lang="en-US" sz="1300" b="0" i="0" u="none" strike="noStrike" kern="1200" cap="none" spc="20" normalizeH="0" baseline="0" noProof="0" dirty="0">
-                <a:ln>
-                  <a:noFill/>
-                </a:ln>
-                <a:solidFill>
-                  <a:srgbClr val="FFFFFF"/>
-                </a:solidFill>
-                <a:effectLst/>
-                <a:uLnTx/>
-                <a:uFillTx/>
-                <a:latin typeface="Calibri" panose="020F0502020204030204"/>
-                <a:ea typeface="+mn-ea"/>
-                <a:cs typeface="+mn-cs"/>
-              </a:rPr>
-              <a:t>	</a:t>
-            </a:r>
-            <a:r>
-              <a:rPr kumimoji="0" lang="en-US" sz="1300" b="0" i="0" u="none" strike="noStrike" kern="1200" cap="none" spc="0" normalizeH="0" baseline="0" noProof="0" dirty="0">
-                <a:ln>
-                  <a:noFill/>
-                </a:ln>
-                <a:solidFill>
-                  <a:srgbClr val="FFFFFF"/>
-                </a:solidFill>
-                <a:effectLst/>
-                <a:uLnTx/>
-                <a:uFillTx/>
-                <a:latin typeface="Calibri" panose="020F0502020204030204"/>
-                <a:ea typeface="+mn-ea"/>
-                <a:cs typeface="+mn-cs"/>
-              </a:rPr>
-              <a:t>❏	3 FlipFlopD, 2 XOR’s e 1 AND;</a:t>
-            </a:r>
-            <a:endParaRPr lang="en-US" sz="1300" dirty="0">
-              <a:solidFill>
-                <a:srgbClr val="FFFFFF"/>
-              </a:solidFill>
-            </a:endParaRPr>
-          </a:p>
-          <a:p>
-            <a:pPr marL="148590" defTabSz="914400">
-              <a:spcBef>
-                <a:spcPts val="1570"/>
-              </a:spcBef>
-              <a:buClr>
-                <a:schemeClr val="accent1"/>
-              </a:buClr>
-              <a:buFont typeface="Calibri" panose="020F0502020204030204" pitchFamily="34" charset="0"/>
-              <a:tabLst>
-                <a:tab pos="558165" algn="l"/>
-              </a:tabLst>
-            </a:pPr>
-            <a:r>
-              <a:rPr lang="en-US" sz="1300" dirty="0">
-                <a:solidFill>
-                  <a:srgbClr val="FFFFFF"/>
-                </a:solidFill>
-              </a:rPr>
-              <a:t>❏	</a:t>
-            </a:r>
-            <a:r>
-              <a:rPr lang="en-US" sz="1300" spc="35" dirty="0">
-                <a:solidFill>
-                  <a:srgbClr val="FFFFFF"/>
-                </a:solidFill>
-              </a:rPr>
-              <a:t>Control</a:t>
-            </a:r>
-            <a:r>
-              <a:rPr lang="en-US" sz="1300" spc="-70" dirty="0">
-                <a:solidFill>
-                  <a:srgbClr val="FFFFFF"/>
-                </a:solidFill>
-              </a:rPr>
-              <a:t>;</a:t>
-            </a:r>
-            <a:endParaRPr lang="en-US" sz="1300" dirty="0">
-              <a:solidFill>
-                <a:srgbClr val="FFFFFF"/>
-              </a:solidFill>
-            </a:endParaRPr>
-          </a:p>
-          <a:p>
-            <a:pPr marL="605790" defTabSz="914400">
-              <a:buClr>
-                <a:schemeClr val="accent1"/>
-              </a:buClr>
-              <a:buFont typeface="Calibri" panose="020F0502020204030204" pitchFamily="34" charset="0"/>
-              <a:tabLst>
-                <a:tab pos="1015365" algn="l"/>
-              </a:tabLst>
-            </a:pPr>
-            <a:r>
-              <a:rPr lang="en-US" sz="1300" dirty="0">
-                <a:solidFill>
-                  <a:srgbClr val="FFFFFF"/>
-                </a:solidFill>
-              </a:rPr>
-              <a:t>❏	</a:t>
-            </a:r>
-            <a:r>
-              <a:rPr lang="en-US" sz="1300" spc="-35" dirty="0">
-                <a:solidFill>
-                  <a:srgbClr val="FFFFFF"/>
-                </a:solidFill>
-              </a:rPr>
-              <a:t>4</a:t>
-            </a:r>
-            <a:r>
-              <a:rPr lang="en-US" sz="1300" spc="20" dirty="0">
-                <a:solidFill>
-                  <a:srgbClr val="FFFFFF"/>
-                </a:solidFill>
-              </a:rPr>
-              <a:t> </a:t>
-            </a:r>
-            <a:r>
-              <a:rPr lang="en-US" sz="1300" spc="-25" dirty="0">
-                <a:solidFill>
-                  <a:srgbClr val="FFFFFF"/>
-                </a:solidFill>
-              </a:rPr>
-              <a:t>NAND</a:t>
-            </a:r>
-            <a:r>
-              <a:rPr lang="en-US" sz="1300" spc="25" dirty="0">
-                <a:solidFill>
-                  <a:srgbClr val="FFFFFF"/>
-                </a:solidFill>
-              </a:rPr>
-              <a:t> </a:t>
-            </a:r>
-            <a:r>
-              <a:rPr lang="en-US" sz="1300" spc="35" dirty="0">
-                <a:solidFill>
-                  <a:srgbClr val="FFFFFF"/>
-                </a:solidFill>
-              </a:rPr>
-              <a:t>gates,</a:t>
-            </a:r>
-            <a:r>
-              <a:rPr lang="en-US" sz="1300" spc="25" dirty="0">
-                <a:solidFill>
-                  <a:srgbClr val="FFFFFF"/>
-                </a:solidFill>
-              </a:rPr>
-              <a:t> </a:t>
-            </a:r>
-            <a:r>
-              <a:rPr lang="en-US" sz="1300" spc="-95" dirty="0">
-                <a:solidFill>
-                  <a:srgbClr val="FFFFFF"/>
-                </a:solidFill>
-              </a:rPr>
-              <a:t>1</a:t>
-            </a:r>
-            <a:r>
-              <a:rPr lang="en-US" sz="1300" spc="20" dirty="0">
-                <a:solidFill>
-                  <a:srgbClr val="FFFFFF"/>
-                </a:solidFill>
-              </a:rPr>
-              <a:t> </a:t>
-            </a:r>
-            <a:r>
-              <a:rPr lang="en-US" sz="1300" spc="-25" dirty="0">
-                <a:solidFill>
-                  <a:srgbClr val="FFFFFF"/>
-                </a:solidFill>
-              </a:rPr>
-              <a:t>NOR</a:t>
-            </a:r>
-            <a:r>
-              <a:rPr lang="en-US" sz="1300" spc="25" dirty="0">
-                <a:solidFill>
-                  <a:srgbClr val="FFFFFF"/>
-                </a:solidFill>
-              </a:rPr>
-              <a:t> </a:t>
-            </a:r>
-            <a:r>
-              <a:rPr lang="en-US" sz="1300" spc="50" dirty="0">
-                <a:solidFill>
-                  <a:srgbClr val="FFFFFF"/>
-                </a:solidFill>
-              </a:rPr>
-              <a:t>gate</a:t>
-            </a:r>
-          </a:p>
-          <a:p>
-            <a:pPr marL="605790" defTabSz="914400">
-              <a:buClr>
-                <a:schemeClr val="accent1"/>
-              </a:buClr>
-              <a:tabLst>
-                <a:tab pos="1015365" algn="l"/>
-              </a:tabLst>
-            </a:pPr>
-            <a:r>
-              <a:rPr lang="en-US" sz="1300" dirty="0">
-                <a:solidFill>
-                  <a:srgbClr val="FFFFFF"/>
-                </a:solidFill>
-              </a:rPr>
-              <a:t>❏	</a:t>
-            </a:r>
-            <a:r>
-              <a:rPr lang="en-US" sz="1300" spc="-35" dirty="0">
-                <a:solidFill>
-                  <a:srgbClr val="FFFFFF"/>
-                </a:solidFill>
-              </a:rPr>
-              <a:t>1 Memoria síncrona</a:t>
-            </a:r>
-            <a:endParaRPr lang="en-US" sz="1300" dirty="0">
-              <a:solidFill>
-                <a:srgbClr val="FFFFFF"/>
-              </a:solidFill>
-            </a:endParaRPr>
-          </a:p>
-          <a:p>
-            <a:pPr marL="148590" defTabSz="914400">
-              <a:spcBef>
-                <a:spcPts val="5"/>
-              </a:spcBef>
-              <a:buClr>
-                <a:schemeClr val="accent1"/>
-              </a:buClr>
-              <a:buFont typeface="Calibri" panose="020F0502020204030204" pitchFamily="34" charset="0"/>
-              <a:tabLst>
-                <a:tab pos="558165" algn="l"/>
-              </a:tabLst>
-            </a:pPr>
-            <a:r>
-              <a:rPr lang="en-US" sz="1300" dirty="0">
-                <a:solidFill>
-                  <a:srgbClr val="FFFFFF"/>
-                </a:solidFill>
-              </a:rPr>
-              <a:t>❏	</a:t>
-            </a:r>
-            <a:r>
-              <a:rPr lang="en-US" sz="1300" b="1" dirty="0">
-                <a:solidFill>
-                  <a:schemeClr val="tx1">
-                    <a:lumMod val="95000"/>
-                    <a:lumOff val="5000"/>
-                  </a:schemeClr>
-                </a:solidFill>
-              </a:rPr>
-              <a:t>ParReg_8bit</a:t>
-            </a:r>
-            <a:r>
-              <a:rPr lang="en-US" sz="1300" spc="20" dirty="0">
-                <a:solidFill>
-                  <a:srgbClr val="FFFFFF"/>
-                </a:solidFill>
-              </a:rPr>
-              <a:t>;</a:t>
-            </a:r>
-          </a:p>
-          <a:p>
-            <a:pPr marL="148590" defTabSz="914400">
-              <a:spcBef>
-                <a:spcPts val="5"/>
-              </a:spcBef>
-              <a:buClr>
-                <a:schemeClr val="accent1"/>
-              </a:buClr>
-              <a:tabLst>
-                <a:tab pos="558165" algn="l"/>
-              </a:tabLst>
-            </a:pPr>
-            <a:r>
-              <a:rPr lang="en-US" sz="1300" spc="20" dirty="0">
-                <a:solidFill>
-                  <a:srgbClr val="FFFFFF"/>
-                </a:solidFill>
-              </a:rPr>
-              <a:t>	</a:t>
-            </a:r>
-            <a:r>
-              <a:rPr lang="en-US" sz="1300" dirty="0">
-                <a:solidFill>
-                  <a:srgbClr val="FFFFFF"/>
-                </a:solidFill>
-              </a:rPr>
-              <a:t>❏	8 AND, 1 para </a:t>
-            </a:r>
-            <a:r>
-              <a:rPr lang="en-US" sz="1300" dirty="0" err="1">
-                <a:solidFill>
-                  <a:srgbClr val="FFFFFF"/>
-                </a:solidFill>
-              </a:rPr>
-              <a:t>cada</a:t>
-            </a:r>
-            <a:r>
-              <a:rPr lang="en-US" sz="1300" dirty="0">
-                <a:solidFill>
-                  <a:srgbClr val="FFFFFF"/>
-                </a:solidFill>
-              </a:rPr>
-              <a:t> bit</a:t>
-            </a:r>
-          </a:p>
-          <a:p>
-            <a:pPr marL="148590" defTabSz="914400">
-              <a:spcBef>
-                <a:spcPts val="5"/>
-              </a:spcBef>
-              <a:buClr>
-                <a:schemeClr val="accent1"/>
-              </a:buClr>
-              <a:tabLst>
-                <a:tab pos="558165" algn="l"/>
-              </a:tabLst>
-            </a:pPr>
-            <a:endParaRPr lang="en-US" sz="1300" dirty="0">
-              <a:solidFill>
-                <a:srgbClr val="FFFFFF"/>
-              </a:solidFill>
-            </a:endParaRPr>
-          </a:p>
-          <a:p>
-            <a:pPr marL="148590" defTabSz="914400">
-              <a:spcBef>
-                <a:spcPts val="5"/>
-              </a:spcBef>
-              <a:buClr>
-                <a:schemeClr val="accent1"/>
-              </a:buClr>
-              <a:tabLst>
-                <a:tab pos="558165" algn="l"/>
-              </a:tabLst>
-            </a:pPr>
-            <a:r>
-              <a:rPr lang="en-US" sz="1300" dirty="0">
-                <a:solidFill>
-                  <a:srgbClr val="FFFFFF"/>
-                </a:solidFill>
-              </a:rPr>
-              <a:t>❏	</a:t>
-            </a:r>
-            <a:r>
-              <a:rPr lang="en-US" sz="1300" spc="15" dirty="0">
-                <a:solidFill>
-                  <a:srgbClr val="FFFFFF"/>
-                </a:solidFill>
-              </a:rPr>
-              <a:t>Flip</a:t>
-            </a:r>
-            <a:r>
-              <a:rPr lang="en-US" sz="1300" dirty="0">
-                <a:solidFill>
-                  <a:srgbClr val="FFFFFF"/>
-                </a:solidFill>
-              </a:rPr>
-              <a:t>Flop</a:t>
-            </a:r>
-            <a:r>
-              <a:rPr lang="en-US" sz="1300" spc="-40" dirty="0">
-                <a:solidFill>
-                  <a:srgbClr val="FFFFFF"/>
-                </a:solidFill>
-              </a:rPr>
-              <a:t>D;</a:t>
-            </a:r>
-            <a:endParaRPr lang="en-US" sz="1300" dirty="0">
-              <a:solidFill>
-                <a:srgbClr val="FFFFFF"/>
-              </a:solidFill>
-            </a:endParaRPr>
-          </a:p>
-          <a:p>
-            <a:pPr marL="148590" defTabSz="914400">
-              <a:spcBef>
-                <a:spcPts val="5"/>
-              </a:spcBef>
-              <a:buClr>
-                <a:schemeClr val="accent1"/>
-              </a:buClr>
-              <a:buFont typeface="Calibri" panose="020F0502020204030204" pitchFamily="34" charset="0"/>
-              <a:tabLst>
-                <a:tab pos="558165" algn="l"/>
-              </a:tabLst>
-            </a:pPr>
-            <a:r>
-              <a:rPr lang="en-US" sz="1300" dirty="0">
-                <a:solidFill>
-                  <a:srgbClr val="FFFFFF"/>
-                </a:solidFill>
-              </a:rPr>
-              <a:t>❏	</a:t>
-            </a:r>
-            <a:r>
-              <a:rPr lang="en-US" sz="1300" b="1" dirty="0">
-                <a:solidFill>
-                  <a:schemeClr val="tx1">
-                    <a:lumMod val="95000"/>
-                    <a:lumOff val="5000"/>
-                  </a:schemeClr>
-                </a:solidFill>
-              </a:rPr>
-              <a:t>GateAnd8</a:t>
-            </a:r>
-            <a:r>
-              <a:rPr lang="en-US" sz="1300" spc="20" dirty="0">
-                <a:solidFill>
-                  <a:srgbClr val="FFFFFF"/>
-                </a:solidFill>
-              </a:rPr>
-              <a:t>;</a:t>
-            </a:r>
-          </a:p>
-          <a:p>
-            <a:pPr marL="148590" defTabSz="914400">
-              <a:spcBef>
-                <a:spcPts val="5"/>
-              </a:spcBef>
-              <a:buClr>
-                <a:schemeClr val="accent1"/>
-              </a:buClr>
-              <a:tabLst>
-                <a:tab pos="558165" algn="l"/>
-              </a:tabLst>
-            </a:pPr>
-            <a:r>
-              <a:rPr lang="en-US" sz="1300" spc="20" dirty="0">
-                <a:solidFill>
-                  <a:srgbClr val="FFFFFF"/>
-                </a:solidFill>
-              </a:rPr>
-              <a:t>	</a:t>
-            </a:r>
-            <a:r>
-              <a:rPr lang="en-US" sz="1300" dirty="0">
-                <a:solidFill>
-                  <a:srgbClr val="FFFFFF"/>
-                </a:solidFill>
-              </a:rPr>
-              <a:t>❏	8 FlipFlopD</a:t>
-            </a:r>
-          </a:p>
-          <a:p>
-            <a:pPr marL="148590" defTabSz="914400">
-              <a:spcBef>
-                <a:spcPts val="5"/>
-              </a:spcBef>
-              <a:buClr>
-                <a:schemeClr val="accent1"/>
-              </a:buClr>
-              <a:tabLst>
-                <a:tab pos="558165" algn="l"/>
-              </a:tabLst>
-            </a:pPr>
-            <a:endParaRPr lang="en-US" sz="1300" dirty="0">
-              <a:solidFill>
-                <a:srgbClr val="FFFFFF"/>
-              </a:solidFill>
-            </a:endParaRPr>
-          </a:p>
-          <a:p>
-            <a:pPr marL="148590" defTabSz="914400">
-              <a:spcBef>
-                <a:spcPts val="5"/>
-              </a:spcBef>
-              <a:buClr>
-                <a:schemeClr val="accent1"/>
-              </a:buClr>
-              <a:tabLst>
-                <a:tab pos="558165" algn="l"/>
-              </a:tabLst>
-            </a:pPr>
-            <a:endParaRPr lang="en-US" sz="1300" dirty="0">
-              <a:solidFill>
-                <a:srgbClr val="FFFFFF"/>
-              </a:solidFill>
-            </a:endParaRPr>
-          </a:p>
-          <a:p>
-            <a:pPr marL="148590" defTabSz="914400">
-              <a:spcBef>
-                <a:spcPts val="5"/>
-              </a:spcBef>
-              <a:buClr>
-                <a:schemeClr val="accent1"/>
-              </a:buClr>
-              <a:buFont typeface="Calibri" panose="020F0502020204030204" pitchFamily="34" charset="0"/>
-              <a:tabLst>
-                <a:tab pos="558165" algn="l"/>
-              </a:tabLst>
-            </a:pPr>
-            <a:r>
-              <a:rPr lang="en-US" sz="1300" dirty="0">
-                <a:solidFill>
-                  <a:srgbClr val="FFFFFF"/>
-                </a:solidFill>
-              </a:rPr>
-              <a:t>❏	GateXor8</a:t>
-            </a:r>
-            <a:r>
-              <a:rPr lang="en-US" sz="1300" spc="20" dirty="0">
-                <a:solidFill>
-                  <a:srgbClr val="FFFFFF"/>
-                </a:solidFill>
-              </a:rPr>
-              <a:t>;</a:t>
-            </a:r>
-          </a:p>
-          <a:p>
-            <a:pPr marL="148590" defTabSz="914400">
-              <a:spcBef>
-                <a:spcPts val="5"/>
-              </a:spcBef>
-              <a:buClr>
-                <a:schemeClr val="accent1"/>
-              </a:buClr>
-              <a:tabLst>
-                <a:tab pos="558165" algn="l"/>
-              </a:tabLst>
-            </a:pPr>
-            <a:r>
-              <a:rPr lang="en-US" sz="1300" spc="20" dirty="0">
-                <a:solidFill>
-                  <a:srgbClr val="FFFFFF"/>
-                </a:solidFill>
-              </a:rPr>
-              <a:t>	</a:t>
-            </a:r>
-            <a:r>
-              <a:rPr lang="en-US" sz="1300" dirty="0">
-                <a:solidFill>
-                  <a:srgbClr val="FFFFFF"/>
-                </a:solidFill>
-              </a:rPr>
-              <a:t>❏	8 XORs, comparando o </a:t>
-            </a:r>
-            <a:r>
-              <a:rPr lang="en-US" sz="1300" b="1" dirty="0">
-                <a:solidFill>
-                  <a:schemeClr val="tx1">
-                    <a:lumMod val="95000"/>
-                    <a:lumOff val="5000"/>
-                  </a:schemeClr>
-                </a:solidFill>
-              </a:rPr>
-              <a:t>ParReg_8bit</a:t>
-            </a:r>
-            <a:r>
-              <a:rPr lang="en-US" sz="1300" b="1" spc="20" dirty="0">
-                <a:solidFill>
-                  <a:schemeClr val="tx1">
-                    <a:lumMod val="95000"/>
-                    <a:lumOff val="5000"/>
-                  </a:schemeClr>
-                </a:solidFill>
-              </a:rPr>
-              <a:t> </a:t>
-            </a:r>
-            <a:r>
-              <a:rPr lang="en-US" sz="1300" spc="20" dirty="0">
-                <a:solidFill>
-                  <a:srgbClr val="FFFFFF"/>
-                </a:solidFill>
-              </a:rPr>
-              <a:t>com 		</a:t>
-            </a:r>
-            <a:r>
-              <a:rPr lang="en-US" sz="1300" b="1" dirty="0">
-                <a:solidFill>
-                  <a:schemeClr val="tx1">
-                    <a:lumMod val="95000"/>
-                    <a:lumOff val="5000"/>
-                  </a:schemeClr>
-                </a:solidFill>
-              </a:rPr>
-              <a:t>GateAnd8</a:t>
-            </a:r>
-            <a:r>
-              <a:rPr lang="en-US" sz="1300" spc="20" dirty="0">
-                <a:solidFill>
-                  <a:srgbClr val="FFFFFF"/>
-                </a:solidFill>
-              </a:rPr>
-              <a:t>;</a:t>
-            </a:r>
-          </a:p>
-          <a:p>
-            <a:pPr marL="148590" defTabSz="914400">
-              <a:spcBef>
-                <a:spcPts val="5"/>
-              </a:spcBef>
-              <a:buClr>
-                <a:schemeClr val="accent1"/>
-              </a:buClr>
-              <a:tabLst>
-                <a:tab pos="558165" algn="l"/>
-              </a:tabLst>
-            </a:pPr>
-            <a:endParaRPr lang="en-US" sz="1300" spc="20" dirty="0">
-              <a:solidFill>
-                <a:srgbClr val="FFFFFF"/>
-              </a:solidFill>
-            </a:endParaRPr>
-          </a:p>
-          <a:p>
-            <a:pPr marL="148590" defTabSz="914400">
-              <a:spcBef>
-                <a:spcPts val="5"/>
-              </a:spcBef>
-              <a:buClr>
-                <a:schemeClr val="accent1"/>
-              </a:buClr>
-              <a:buFont typeface="Calibri" panose="020F0502020204030204" pitchFamily="34" charset="0"/>
-              <a:tabLst>
-                <a:tab pos="558165" algn="l"/>
-              </a:tabLst>
-            </a:pPr>
-            <a:r>
-              <a:rPr lang="en-US" sz="1300" dirty="0">
-                <a:solidFill>
-                  <a:srgbClr val="FFFFFF"/>
-                </a:solidFill>
-              </a:rPr>
-              <a:t>❏	ParReg_8bitFinal;</a:t>
-            </a:r>
-          </a:p>
-          <a:p>
-            <a:pPr marL="148590" defTabSz="914400">
-              <a:spcBef>
-                <a:spcPts val="5"/>
-              </a:spcBef>
-              <a:buClr>
-                <a:schemeClr val="accent1"/>
-              </a:buClr>
-              <a:tabLst>
-                <a:tab pos="558165" algn="l"/>
-              </a:tabLst>
-            </a:pPr>
-            <a:r>
-              <a:rPr lang="en-US" sz="1300" dirty="0">
-                <a:solidFill>
-                  <a:srgbClr val="FFFFFF"/>
-                </a:solidFill>
-              </a:rPr>
-              <a:t>	❏	8 FlipFlopD, 1 para </a:t>
-            </a:r>
-            <a:r>
-              <a:rPr lang="en-US" sz="1300" dirty="0" err="1">
-                <a:solidFill>
-                  <a:srgbClr val="FFFFFF"/>
-                </a:solidFill>
-              </a:rPr>
-              <a:t>cada</a:t>
-            </a:r>
-            <a:r>
-              <a:rPr lang="en-US" sz="1300" dirty="0">
-                <a:solidFill>
-                  <a:srgbClr val="FFFFFF"/>
-                </a:solidFill>
-              </a:rPr>
-              <a:t> bit</a:t>
-            </a:r>
-          </a:p>
-          <a:p>
-            <a:pPr marL="148590" defTabSz="914400">
-              <a:spcBef>
-                <a:spcPts val="5"/>
-              </a:spcBef>
-              <a:buClr>
-                <a:schemeClr val="accent1"/>
-              </a:buClr>
-              <a:tabLst>
-                <a:tab pos="558165" algn="l"/>
-              </a:tabLst>
-            </a:pPr>
-            <a:endParaRPr lang="en-US" sz="1300" dirty="0">
-              <a:solidFill>
-                <a:srgbClr val="FFFFFF"/>
-              </a:solidFill>
-            </a:endParaRPr>
-          </a:p>
-          <a:p>
-            <a:pPr marL="148590" defTabSz="914400">
-              <a:spcBef>
-                <a:spcPts val="5"/>
-              </a:spcBef>
-              <a:buClr>
-                <a:schemeClr val="accent1"/>
-              </a:buClr>
-              <a:buFont typeface="Calibri" panose="020F0502020204030204" pitchFamily="34" charset="0"/>
-              <a:tabLst>
-                <a:tab pos="558165" algn="l"/>
-              </a:tabLst>
-            </a:pPr>
-            <a:r>
-              <a:rPr lang="en-US" sz="1300" dirty="0">
-                <a:solidFill>
-                  <a:srgbClr val="FFFFFF"/>
-                </a:solidFill>
-              </a:rPr>
-              <a:t>❏	</a:t>
-            </a:r>
-            <a:r>
-              <a:rPr lang="en-US" sz="1300" dirty="0" err="1">
-                <a:solidFill>
-                  <a:srgbClr val="FFFFFF"/>
-                </a:solidFill>
-              </a:rPr>
-              <a:t>ValidOutput</a:t>
-            </a:r>
-            <a:r>
-              <a:rPr lang="en-US" sz="1300" dirty="0">
-                <a:solidFill>
-                  <a:srgbClr val="FFFFFF"/>
-                </a:solidFill>
-              </a:rPr>
-              <a:t>;</a:t>
-            </a:r>
-          </a:p>
-          <a:p>
-            <a:pPr marL="148590" defTabSz="914400">
-              <a:spcBef>
-                <a:spcPts val="5"/>
-              </a:spcBef>
-              <a:buClr>
-                <a:schemeClr val="accent1"/>
-              </a:buClr>
-              <a:buFont typeface="Calibri" panose="020F0502020204030204" pitchFamily="34" charset="0"/>
-              <a:tabLst>
-                <a:tab pos="558165" algn="l"/>
-              </a:tabLst>
-            </a:pPr>
-            <a:r>
-              <a:rPr lang="en-US" sz="1300" dirty="0">
-                <a:solidFill>
-                  <a:srgbClr val="FFFFFF"/>
-                </a:solidFill>
-              </a:rPr>
-              <a:t>	❏	1 AND </a:t>
-            </a:r>
-            <a:r>
-              <a:rPr lang="en-US" sz="1300" dirty="0" err="1">
-                <a:solidFill>
-                  <a:srgbClr val="FFFFFF"/>
-                </a:solidFill>
-              </a:rPr>
-              <a:t>seguido</a:t>
-            </a:r>
-            <a:r>
-              <a:rPr lang="en-US" sz="1300" dirty="0">
-                <a:solidFill>
-                  <a:srgbClr val="FFFFFF"/>
-                </a:solidFill>
-              </a:rPr>
-              <a:t> de 1 OR</a:t>
-            </a:r>
-          </a:p>
-          <a:p>
-            <a:pPr marL="12700" defTabSz="914400">
-              <a:spcBef>
-                <a:spcPts val="1575"/>
-              </a:spcBef>
-              <a:buClr>
-                <a:schemeClr val="accent1"/>
-              </a:buClr>
-              <a:buFont typeface="Calibri" panose="020F0502020204030204" pitchFamily="34" charset="0"/>
-              <a:tabLst>
-                <a:tab pos="558165" algn="l"/>
-              </a:tabLst>
-            </a:pPr>
-            <a:r>
-              <a:rPr lang="en-US" sz="1300" dirty="0">
-                <a:solidFill>
-                  <a:srgbClr val="FFFFFF"/>
-                </a:solidFill>
-                <a:highlight>
-                  <a:srgbClr val="FFFF00"/>
-                </a:highlight>
-              </a:rPr>
-              <a:t>❏	</a:t>
-            </a:r>
-            <a:r>
-              <a:rPr lang="en-US" sz="1300" b="1" spc="30" dirty="0">
-                <a:solidFill>
-                  <a:srgbClr val="FFFFFF"/>
-                </a:solidFill>
-                <a:highlight>
-                  <a:srgbClr val="FFFF00"/>
-                </a:highlight>
-              </a:rPr>
-              <a:t>Operation</a:t>
-            </a:r>
-            <a:r>
-              <a:rPr lang="en-US" sz="1300" b="1" spc="-10" dirty="0">
-                <a:solidFill>
-                  <a:srgbClr val="FFFFFF"/>
-                </a:solidFill>
-                <a:highlight>
-                  <a:srgbClr val="FFFF00"/>
-                </a:highlight>
-              </a:rPr>
-              <a:t> </a:t>
-            </a:r>
-            <a:r>
-              <a:rPr lang="en-US" sz="1300" b="1" spc="45" dirty="0">
-                <a:solidFill>
-                  <a:srgbClr val="FFFFFF"/>
-                </a:solidFill>
-                <a:highlight>
-                  <a:srgbClr val="FFFF00"/>
-                </a:highlight>
-              </a:rPr>
-              <a:t>time:</a:t>
-            </a:r>
-            <a:endParaRPr lang="en-US" sz="1300" dirty="0">
-              <a:solidFill>
-                <a:srgbClr val="FFFFFF"/>
-              </a:solidFill>
-              <a:highlight>
-                <a:srgbClr val="FFFF00"/>
-              </a:highlight>
-            </a:endParaRPr>
-          </a:p>
-          <a:p>
-            <a:pPr marL="129539" defTabSz="914400">
-              <a:spcBef>
-                <a:spcPts val="35"/>
-              </a:spcBef>
-              <a:buClr>
-                <a:schemeClr val="accent1"/>
-              </a:buClr>
-              <a:buFont typeface="Calibri" panose="020F0502020204030204" pitchFamily="34" charset="0"/>
-              <a:tabLst>
-                <a:tab pos="558165" algn="l"/>
-              </a:tabLst>
-            </a:pPr>
-            <a:r>
-              <a:rPr lang="en-US" sz="1300" dirty="0">
-                <a:solidFill>
-                  <a:srgbClr val="FFFFFF"/>
-                </a:solidFill>
-                <a:highlight>
-                  <a:srgbClr val="FFFF00"/>
-                </a:highlight>
-              </a:rPr>
-              <a:t>❏	</a:t>
-            </a:r>
-            <a:r>
-              <a:rPr lang="en-US" sz="1300" spc="-10" dirty="0">
-                <a:solidFill>
-                  <a:srgbClr val="FFFFFF"/>
-                </a:solidFill>
-                <a:highlight>
-                  <a:srgbClr val="FFFF00"/>
-                </a:highlight>
-              </a:rPr>
-              <a:t>26</a:t>
-            </a:r>
-            <a:r>
-              <a:rPr lang="en-US" sz="1300" spc="20" dirty="0">
-                <a:solidFill>
-                  <a:srgbClr val="FFFFFF"/>
-                </a:solidFill>
-                <a:highlight>
-                  <a:srgbClr val="FFFF00"/>
-                </a:highlight>
-              </a:rPr>
-              <a:t> </a:t>
-            </a:r>
-            <a:r>
-              <a:rPr lang="en-US" sz="1300" spc="50" dirty="0">
-                <a:solidFill>
-                  <a:srgbClr val="FFFFFF"/>
-                </a:solidFill>
-                <a:highlight>
-                  <a:srgbClr val="FFFF00"/>
-                </a:highlight>
-              </a:rPr>
-              <a:t>clock</a:t>
-            </a:r>
-            <a:r>
-              <a:rPr lang="en-US" sz="1300" spc="20" dirty="0">
-                <a:solidFill>
-                  <a:srgbClr val="FFFFFF"/>
-                </a:solidFill>
-                <a:highlight>
-                  <a:srgbClr val="FFFF00"/>
-                </a:highlight>
-              </a:rPr>
-              <a:t> </a:t>
-            </a:r>
-            <a:r>
-              <a:rPr lang="en-US" sz="1300" spc="55" dirty="0">
-                <a:solidFill>
-                  <a:srgbClr val="FFFFFF"/>
-                </a:solidFill>
-                <a:highlight>
-                  <a:srgbClr val="FFFF00"/>
-                </a:highlight>
-              </a:rPr>
-              <a:t>cycles</a:t>
-            </a:r>
-            <a:r>
-              <a:rPr lang="en-US" sz="1300" spc="20" dirty="0">
-                <a:solidFill>
-                  <a:srgbClr val="FFFFFF"/>
-                </a:solidFill>
-                <a:highlight>
-                  <a:srgbClr val="FFFF00"/>
-                </a:highlight>
-              </a:rPr>
-              <a:t> </a:t>
-            </a:r>
-            <a:r>
-              <a:rPr lang="en-US" sz="1300" spc="-85" dirty="0">
-                <a:solidFill>
-                  <a:srgbClr val="FFFFFF"/>
-                </a:solidFill>
-                <a:highlight>
-                  <a:srgbClr val="FFFF00"/>
-                </a:highlight>
-              </a:rPr>
-              <a:t>(24+2);</a:t>
-            </a:r>
-            <a:endParaRPr lang="en-US" sz="1300" dirty="0">
-              <a:solidFill>
-                <a:srgbClr val="FFFFFF"/>
-              </a:solidFill>
-              <a:highlight>
-                <a:srgbClr val="FFFF00"/>
-              </a:highlight>
-            </a:endParaRPr>
-          </a:p>
-        </p:txBody>
-      </p:sp>
-      <p:sp>
-        <p:nvSpPr>
-          <p:cNvPr id="16" name="Rectangle 15">
-            <a:extLst>
-              <a:ext uri="{FF2B5EF4-FFF2-40B4-BE49-F238E27FC236}">
-                <a16:creationId xmlns:a16="http://schemas.microsoft.com/office/drawing/2014/main" id="{53B8D6B0-55D6-48DC-86D8-FD95D5F118AB}"/>
-              </a:ext>
-              <a:ext uri="{C183D7F6-B498-43B3-948B-1728B52AA6E4}">
-                <adec:decorative xmlns:adec="http://schemas.microsoft.com/office/drawing/2017/decorative" val="1"/>
-              </a:ext>
-            </a:extLst>
-          </p:cNvPr>
-          <p:cNvSpPr>
-            <a:spLocks noGrp="1" noRot="1" noChangeAspect="1" noMove="1" noResize="1" noEditPoints="1" noAdjustHandles="1" noChangeArrowheads="1" noChangeShapeType="1" noTextEdit="1"/>
-          </p:cNvSpPr>
-          <p:nvPr>
-            <p:extLst>
-              <p:ext uri="{386F3935-93C4-4BCD-93E2-E3B085C9AB24}">
-                <p16:designElem xmlns:p16="http://schemas.microsoft.com/office/powerpoint/2015/main" val="1"/>
-              </p:ext>
-            </p:extLst>
-          </p:nvPr>
-        </p:nvSpPr>
-        <p:spPr>
-          <a:xfrm>
-            <a:off x="4040071" y="0"/>
-            <a:ext cx="64008" cy="6858000"/>
-          </a:xfrm>
-          <a:prstGeom prst="rect">
-            <a:avLst/>
-          </a:prstGeom>
-          <a:solidFill>
-            <a:schemeClr val="accent1"/>
-          </a:solidFill>
-          <a:ln>
-            <a:noFill/>
-          </a:ln>
-        </p:spPr>
-        <p:style>
-          <a:lnRef idx="2">
-            <a:schemeClr val="accent1">
-              <a:shade val="50000"/>
-            </a:schemeClr>
-          </a:lnRef>
-          <a:fillRef idx="1">
-            <a:schemeClr val="accent1"/>
-          </a:fillRef>
-          <a:effectRef idx="0">
-            <a:schemeClr val="accent1"/>
-          </a:effectRef>
-          <a:fontRef idx="minor">
-            <a:schemeClr val="lt1"/>
-          </a:fontRef>
-        </p:style>
-      </p:sp>
-      <p:pic>
-        <p:nvPicPr>
-          <p:cNvPr id="7" name="Picture 6">
-            <a:extLst>
-              <a:ext uri="{FF2B5EF4-FFF2-40B4-BE49-F238E27FC236}">
-                <a16:creationId xmlns:a16="http://schemas.microsoft.com/office/drawing/2014/main" id="{8C76CEDA-0A93-C190-3DB0-7A657F3EE454}"/>
-              </a:ext>
-            </a:extLst>
-          </p:cNvPr>
-          <p:cNvPicPr>
-            <a:picLocks noChangeAspect="1"/>
-          </p:cNvPicPr>
-          <p:nvPr/>
-        </p:nvPicPr>
-        <p:blipFill rotWithShape="1">
-          <a:blip r:embed="rId2"/>
-          <a:srcRect r="812"/>
-          <a:stretch/>
-        </p:blipFill>
-        <p:spPr>
-          <a:xfrm>
-            <a:off x="4128189" y="2999700"/>
-            <a:ext cx="8031889" cy="3324900"/>
-          </a:xfrm>
-          <a:prstGeom prst="rect">
-            <a:avLst/>
-          </a:prstGeom>
-        </p:spPr>
-      </p:pic>
-      <p:sp>
-        <p:nvSpPr>
-          <p:cNvPr id="5" name="object 5"/>
-          <p:cNvSpPr txBox="1">
-            <a:spLocks noGrp="1"/>
-          </p:cNvSpPr>
-          <p:nvPr>
-            <p:ph type="sldNum" sz="quarter" idx="12"/>
-          </p:nvPr>
-        </p:nvSpPr>
-        <p:spPr>
-          <a:xfrm>
-            <a:off x="9900458" y="6459785"/>
-            <a:ext cx="1312025" cy="365125"/>
-          </a:xfrm>
-          <a:prstGeom prst="rect">
-            <a:avLst/>
-          </a:prstGeom>
-        </p:spPr>
-        <p:txBody>
-          <a:bodyPr vert="horz" lIns="91440" tIns="45720" rIns="91440" bIns="45720" rtlCol="0" anchor="ctr">
-            <a:normAutofit/>
-          </a:bodyPr>
-          <a:lstStyle/>
-          <a:p>
-            <a:pPr defTabSz="914400">
-              <a:spcAft>
-                <a:spcPts val="600"/>
-              </a:spcAft>
-            </a:pPr>
-            <a:fld id="{81D60167-4931-47E6-BA6A-407CBD079E47}" type="slidenum">
-              <a:rPr lang="en-US">
-                <a:solidFill>
-                  <a:schemeClr val="tx2"/>
-                </a:solidFill>
-              </a:rPr>
-              <a:pPr defTabSz="914400">
-                <a:spcAft>
-                  <a:spcPts val="600"/>
-                </a:spcAft>
-              </a:pPr>
-              <a:t>6</a:t>
-            </a:fld>
-            <a:endParaRPr lang="en-US">
-              <a:solidFill>
-                <a:schemeClr val="tx2"/>
-              </a:solidFill>
-            </a:endParaRPr>
-          </a:p>
-        </p:txBody>
-      </p:sp>
-      <p:pic>
-        <p:nvPicPr>
-          <p:cNvPr id="11" name="Picture 10">
-            <a:extLst>
-              <a:ext uri="{FF2B5EF4-FFF2-40B4-BE49-F238E27FC236}">
-                <a16:creationId xmlns:a16="http://schemas.microsoft.com/office/drawing/2014/main" id="{C3252F31-CFA2-A7AA-19AB-4C404984F1B3}"/>
-              </a:ext>
-            </a:extLst>
-          </p:cNvPr>
-          <p:cNvPicPr>
-            <a:picLocks noChangeAspect="1"/>
-          </p:cNvPicPr>
-          <p:nvPr/>
-        </p:nvPicPr>
-        <p:blipFill>
-          <a:blip r:embed="rId3"/>
-          <a:stretch>
-            <a:fillRect/>
-          </a:stretch>
-        </p:blipFill>
-        <p:spPr>
-          <a:xfrm>
-            <a:off x="4666363" y="1453700"/>
-            <a:ext cx="7003387" cy="1478408"/>
-          </a:xfrm>
-          <a:prstGeom prst="rect">
-            <a:avLst/>
-          </a:prstGeom>
-        </p:spPr>
-      </p:pic>
     </p:spTree>
   </p:cSld>
   <p:clrMapOvr>
